--- a/IMS proposal.pptx
+++ b/IMS proposal.pptx
@@ -5,30 +5,26 @@
     <p:sldMasterId id="2147483648" r:id="rId4"/>
   </p:sldMasterIdLst>
   <p:notesMasterIdLst>
-    <p:notesMasterId r:id="rId23"/>
+    <p:notesMasterId r:id="rId19"/>
   </p:notesMasterIdLst>
   <p:handoutMasterIdLst>
-    <p:handoutMasterId r:id="rId24"/>
+    <p:handoutMasterId r:id="rId20"/>
   </p:handoutMasterIdLst>
   <p:sldIdLst>
     <p:sldId id="256" r:id="rId5"/>
     <p:sldId id="260" r:id="rId6"/>
-    <p:sldId id="273" r:id="rId7"/>
-    <p:sldId id="284" r:id="rId8"/>
-    <p:sldId id="285" r:id="rId9"/>
-    <p:sldId id="286" r:id="rId10"/>
-    <p:sldId id="288" r:id="rId11"/>
-    <p:sldId id="277" r:id="rId12"/>
-    <p:sldId id="290" r:id="rId13"/>
-    <p:sldId id="291" r:id="rId14"/>
-    <p:sldId id="292" r:id="rId15"/>
-    <p:sldId id="293" r:id="rId16"/>
-    <p:sldId id="280" r:id="rId17"/>
-    <p:sldId id="264" r:id="rId18"/>
-    <p:sldId id="294" r:id="rId19"/>
-    <p:sldId id="270" r:id="rId20"/>
-    <p:sldId id="283" r:id="rId21"/>
-    <p:sldId id="282" r:id="rId22"/>
+    <p:sldId id="284" r:id="rId7"/>
+    <p:sldId id="286" r:id="rId8"/>
+    <p:sldId id="288" r:id="rId9"/>
+    <p:sldId id="277" r:id="rId10"/>
+    <p:sldId id="290" r:id="rId11"/>
+    <p:sldId id="291" r:id="rId12"/>
+    <p:sldId id="292" r:id="rId13"/>
+    <p:sldId id="293" r:id="rId14"/>
+    <p:sldId id="264" r:id="rId15"/>
+    <p:sldId id="270" r:id="rId16"/>
+    <p:sldId id="283" r:id="rId17"/>
+    <p:sldId id="282" r:id="rId18"/>
   </p:sldIdLst>
   <p:sldSz cx="12192000" cy="6858000"/>
   <p:notesSz cx="6858000" cy="9144000"/>
@@ -5586,7 +5582,7 @@
           <a:p>
             <a:fld id="{8AB76D25-171A-4A79-A068-5A9645114EC8}" type="datetimeFigureOut">
               <a:rPr lang="en-US" smtClean="0"/>
-              <a:t>10/12/2023</a:t>
+              <a:t>10/15/2023</a:t>
             </a:fld>
             <a:endParaRPr lang="en-US"/>
           </a:p>
@@ -5764,7 +5760,7 @@
           <a:p>
             <a:fld id="{7487ADD9-2083-264C-A652-8D52D02F7E72}" type="datetimeFigureOut">
               <a:rPr lang="en-US" smtClean="0"/>
-              <a:t>10/12/2023</a:t>
+              <a:t>10/15/2023</a:t>
             </a:fld>
             <a:endParaRPr lang="en-US" dirty="0"/>
           </a:p>
@@ -6188,6 +6184,74 @@
           <a:bodyPr/>
           <a:lstStyle/>
           <a:p>
+            <a:pPr marL="0" marR="0">
+              <a:lnSpc>
+                <a:spcPct val="107000"/>
+              </a:lnSpc>
+              <a:spcBef>
+                <a:spcPts val="0"/>
+              </a:spcBef>
+              <a:spcAft>
+                <a:spcPts val="800"/>
+              </a:spcAft>
+            </a:pPr>
+            <a:r>
+              <a:rPr lang="en-US" sz="1800" dirty="0">
+                <a:effectLst/>
+                <a:latin typeface="Calibri" panose="020F0502020204030204" pitchFamily="34" charset="0"/>
+                <a:ea typeface="Calibri" panose="020F0502020204030204" pitchFamily="34" charset="0"/>
+                <a:cs typeface="Times New Roman" panose="02020603050405020304" pitchFamily="18" charset="0"/>
+              </a:rPr>
+              <a:t>I’m going to share with you the Development environment and Estimated timeline for our group project. </a:t>
+            </a:r>
+            <a:r>
+              <a:rPr lang="en-US" sz="1800" kern="100" dirty="0">
+                <a:effectLst/>
+                <a:latin typeface="Calibri" panose="020F0502020204030204" pitchFamily="34" charset="0"/>
+                <a:ea typeface="Calibri" panose="020F0502020204030204" pitchFamily="34" charset="0"/>
+                <a:cs typeface="Times New Roman" panose="02020603050405020304" pitchFamily="18" charset="0"/>
+              </a:rPr>
+              <a:t> </a:t>
+            </a:r>
+          </a:p>
+          <a:p>
+            <a:pPr marL="0" marR="0">
+              <a:lnSpc>
+                <a:spcPct val="107000"/>
+              </a:lnSpc>
+              <a:spcBef>
+                <a:spcPts val="0"/>
+              </a:spcBef>
+              <a:spcAft>
+                <a:spcPts val="800"/>
+              </a:spcAft>
+            </a:pPr>
+            <a:r>
+              <a:rPr lang="en-US" sz="1800" dirty="0">
+                <a:effectLst/>
+                <a:latin typeface="Calibri" panose="020F0502020204030204" pitchFamily="34" charset="0"/>
+                <a:ea typeface="Calibri" panose="020F0502020204030204" pitchFamily="34" charset="0"/>
+                <a:cs typeface="Times New Roman" panose="02020603050405020304" pitchFamily="18" charset="0"/>
+              </a:rPr>
+              <a:t>We hope to use C# for the visual frontend, and We hope to use Microsoft SQL database for storing data.</a:t>
+            </a:r>
+            <a:r>
+              <a:rPr lang="en-US" dirty="0">
+                <a:effectLst/>
+              </a:rPr>
+              <a:t> </a:t>
+            </a:r>
+            <a:r>
+              <a:rPr lang="en-US" sz="1800" kern="100" dirty="0">
+                <a:effectLst/>
+                <a:latin typeface="Calibri" panose="020F0502020204030204" pitchFamily="34" charset="0"/>
+                <a:ea typeface="Calibri" panose="020F0502020204030204" pitchFamily="34" charset="0"/>
+                <a:cs typeface="Times New Roman" panose="02020603050405020304" pitchFamily="18" charset="0"/>
+              </a:rPr>
+              <a:t> </a:t>
+            </a:r>
+          </a:p>
+          <a:p>
             <a:endParaRPr lang="en-US" dirty="0"/>
           </a:p>
         </p:txBody>
@@ -6218,7 +6282,7 @@
     </p:spTree>
     <p:extLst>
       <p:ext uri="{BB962C8B-B14F-4D97-AF65-F5344CB8AC3E}">
-        <p14:creationId xmlns:p14="http://schemas.microsoft.com/office/powerpoint/2010/main" val="3819691358"/>
+        <p14:creationId xmlns:p14="http://schemas.microsoft.com/office/powerpoint/2010/main" val="1133732621"/>
       </p:ext>
     </p:extLst>
   </p:cSld>
@@ -6272,6 +6336,15 @@
           <a:bodyPr/>
           <a:lstStyle/>
           <a:p>
+            <a:r>
+              <a:rPr lang="en-US" sz="1800" dirty="0">
+                <a:effectLst/>
+                <a:latin typeface="Calibri" panose="020F0502020204030204" pitchFamily="34" charset="0"/>
+                <a:ea typeface="Calibri" panose="020F0502020204030204" pitchFamily="34" charset="0"/>
+                <a:cs typeface="Times New Roman" panose="02020603050405020304" pitchFamily="18" charset="0"/>
+              </a:rPr>
+              <a:t>We started working on this project on 24th July this year, and we're expecting to finish the project on 25th of August. As you can see, we've broken down the workflow into several key milestones, including planning, research, designing the project and implementing it. Each of these milestones are crucial to the success of the project, and we will share our progress in the future</a:t>
+            </a:r>
             <a:endParaRPr lang="en-US" dirty="0"/>
           </a:p>
         </p:txBody>
@@ -6302,7 +6375,7 @@
     </p:spTree>
     <p:extLst>
       <p:ext uri="{BB962C8B-B14F-4D97-AF65-F5344CB8AC3E}">
-        <p14:creationId xmlns:p14="http://schemas.microsoft.com/office/powerpoint/2010/main" val="2660967424"/>
+        <p14:creationId xmlns:p14="http://schemas.microsoft.com/office/powerpoint/2010/main" val="2460714416"/>
       </p:ext>
     </p:extLst>
   </p:cSld>
@@ -6356,16 +6429,32 @@
           <a:bodyPr/>
           <a:lstStyle/>
           <a:p>
-            <a:pPr marL="158750" indent="0">
+            <a:pPr marL="0" marR="0" lvl="0" indent="0" algn="l" defTabSz="914400" rtl="0" eaLnBrk="1" fontAlgn="auto" latinLnBrk="0" hangingPunct="1">
+              <a:lnSpc>
+                <a:spcPct val="100000"/>
+              </a:lnSpc>
+              <a:spcBef>
+                <a:spcPts val="0"/>
+              </a:spcBef>
+              <a:spcAft>
+                <a:spcPts val="0"/>
+              </a:spcAft>
+              <a:buClrTx/>
+              <a:buSzTx/>
+              <a:buFontTx/>
               <a:buNone/>
+              <a:tabLst/>
+              <a:defRPr/>
             </a:pPr>
-            <a:endParaRPr lang="en-US" dirty="0"/>
-          </a:p>
-          <a:p>
-            <a:pPr marL="158750" indent="0">
-              <a:buNone/>
-            </a:pPr>
-            <a:endParaRPr lang="en-US" dirty="0"/>
+            <a:r>
+              <a:rPr lang="en-US" sz="1800" kern="100" dirty="0">
+                <a:effectLst/>
+                <a:latin typeface="Calibri" panose="020F0502020204030204" pitchFamily="34" charset="0"/>
+                <a:ea typeface="Calibri" panose="020F0502020204030204" pitchFamily="34" charset="0"/>
+                <a:cs typeface="Times New Roman" panose="02020603050405020304" pitchFamily="18" charset="0"/>
+              </a:rPr>
+              <a:t>These are our group members.</a:t>
+            </a:r>
           </a:p>
           <a:p>
             <a:endParaRPr lang="en-US" dirty="0"/>
@@ -6398,7 +6487,7 @@
     </p:spTree>
     <p:extLst>
       <p:ext uri="{BB962C8B-B14F-4D97-AF65-F5344CB8AC3E}">
-        <p14:creationId xmlns:p14="http://schemas.microsoft.com/office/powerpoint/2010/main" val="527573891"/>
+        <p14:creationId xmlns:p14="http://schemas.microsoft.com/office/powerpoint/2010/main" val="3703092249"/>
       </p:ext>
     </p:extLst>
   </p:cSld>
@@ -6464,447 +6553,6 @@
               </a:spcAft>
             </a:pPr>
             <a:r>
-              <a:rPr lang="en-US" sz="1800" dirty="0">
-                <a:effectLst/>
-                <a:latin typeface="Calibri" panose="020F0502020204030204" pitchFamily="34" charset="0"/>
-                <a:ea typeface="Calibri" panose="020F0502020204030204" pitchFamily="34" charset="0"/>
-                <a:cs typeface="Times New Roman" panose="02020603050405020304" pitchFamily="18" charset="0"/>
-              </a:rPr>
-              <a:t>I’m going to share with you the Development environment and Estimated timeline for our group project. </a:t>
-            </a:r>
-            <a:r>
-              <a:rPr lang="en-US" sz="1800" kern="100" dirty="0">
-                <a:effectLst/>
-                <a:latin typeface="Calibri" panose="020F0502020204030204" pitchFamily="34" charset="0"/>
-                <a:ea typeface="Calibri" panose="020F0502020204030204" pitchFamily="34" charset="0"/>
-                <a:cs typeface="Times New Roman" panose="02020603050405020304" pitchFamily="18" charset="0"/>
-              </a:rPr>
-              <a:t> </a:t>
-            </a:r>
-          </a:p>
-          <a:p>
-            <a:pPr marL="0" marR="0">
-              <a:lnSpc>
-                <a:spcPct val="107000"/>
-              </a:lnSpc>
-              <a:spcBef>
-                <a:spcPts val="0"/>
-              </a:spcBef>
-              <a:spcAft>
-                <a:spcPts val="800"/>
-              </a:spcAft>
-            </a:pPr>
-            <a:r>
-              <a:rPr lang="en-US" sz="1800" dirty="0">
-                <a:effectLst/>
-                <a:latin typeface="Calibri" panose="020F0502020204030204" pitchFamily="34" charset="0"/>
-                <a:ea typeface="Calibri" panose="020F0502020204030204" pitchFamily="34" charset="0"/>
-                <a:cs typeface="Times New Roman" panose="02020603050405020304" pitchFamily="18" charset="0"/>
-              </a:rPr>
-              <a:t>We hope to use C# for the visual frontend, and We hope to use Microsoft SQL database for storing data.</a:t>
-            </a:r>
-            <a:r>
-              <a:rPr lang="en-US" dirty="0">
-                <a:effectLst/>
-              </a:rPr>
-              <a:t> </a:t>
-            </a:r>
-            <a:r>
-              <a:rPr lang="en-US" sz="1800" kern="100" dirty="0">
-                <a:effectLst/>
-                <a:latin typeface="Calibri" panose="020F0502020204030204" pitchFamily="34" charset="0"/>
-                <a:ea typeface="Calibri" panose="020F0502020204030204" pitchFamily="34" charset="0"/>
-                <a:cs typeface="Times New Roman" panose="02020603050405020304" pitchFamily="18" charset="0"/>
-              </a:rPr>
-              <a:t> </a:t>
-            </a:r>
-          </a:p>
-          <a:p>
-            <a:endParaRPr lang="en-US" dirty="0"/>
-          </a:p>
-        </p:txBody>
-      </p:sp>
-      <p:sp>
-        <p:nvSpPr>
-          <p:cNvPr id="4" name="Slide Number Placeholder 3"/>
-          <p:cNvSpPr>
-            <a:spLocks noGrp="1"/>
-          </p:cNvSpPr>
-          <p:nvPr>
-            <p:ph type="sldNum" sz="quarter" idx="5"/>
-          </p:nvPr>
-        </p:nvSpPr>
-        <p:spPr/>
-        <p:txBody>
-          <a:bodyPr/>
-          <a:lstStyle/>
-          <a:p>
-            <a:fld id="{F97DC217-DF71-1A49-B3EA-559F1F43B0FF}" type="slidenum">
-              <a:rPr lang="en-US" smtClean="0"/>
-              <a:t>14</a:t>
-            </a:fld>
-            <a:endParaRPr lang="en-US" dirty="0"/>
-          </a:p>
-        </p:txBody>
-      </p:sp>
-    </p:spTree>
-    <p:extLst>
-      <p:ext uri="{BB962C8B-B14F-4D97-AF65-F5344CB8AC3E}">
-        <p14:creationId xmlns:p14="http://schemas.microsoft.com/office/powerpoint/2010/main" val="1133732621"/>
-      </p:ext>
-    </p:extLst>
-  </p:cSld>
-  <p:clrMapOvr>
-    <a:masterClrMapping/>
-  </p:clrMapOvr>
-</p:notes>
-</file>
-
-<file path=ppt/notesSlides/notesSlide14.xml><?xml version="1.0" encoding="utf-8"?>
-<p:notes xmlns:a="http://schemas.openxmlformats.org/drawingml/2006/main" xmlns:r="http://schemas.openxmlformats.org/officeDocument/2006/relationships" xmlns:p="http://schemas.openxmlformats.org/presentationml/2006/main">
-  <p:cSld>
-    <p:spTree>
-      <p:nvGrpSpPr>
-        <p:cNvPr id="1" name=""/>
-        <p:cNvGrpSpPr/>
-        <p:nvPr/>
-      </p:nvGrpSpPr>
-      <p:grpSpPr>
-        <a:xfrm>
-          <a:off x="0" y="0"/>
-          <a:ext cx="0" cy="0"/>
-          <a:chOff x="0" y="0"/>
-          <a:chExt cx="0" cy="0"/>
-        </a:xfrm>
-      </p:grpSpPr>
-      <p:sp>
-        <p:nvSpPr>
-          <p:cNvPr id="2" name="Slide Image Placeholder 1"/>
-          <p:cNvSpPr>
-            <a:spLocks noGrp="1" noRot="1" noChangeAspect="1"/>
-          </p:cNvSpPr>
-          <p:nvPr>
-            <p:ph type="sldImg"/>
-          </p:nvPr>
-        </p:nvSpPr>
-        <p:spPr/>
-      </p:sp>
-      <p:sp>
-        <p:nvSpPr>
-          <p:cNvPr id="3" name="Notes Placeholder 2"/>
-          <p:cNvSpPr>
-            <a:spLocks noGrp="1"/>
-          </p:cNvSpPr>
-          <p:nvPr>
-            <p:ph type="body" idx="1"/>
-          </p:nvPr>
-        </p:nvSpPr>
-        <p:spPr/>
-        <p:txBody>
-          <a:bodyPr/>
-          <a:lstStyle/>
-          <a:p>
-            <a:endParaRPr lang="en-US" dirty="0"/>
-          </a:p>
-        </p:txBody>
-      </p:sp>
-      <p:sp>
-        <p:nvSpPr>
-          <p:cNvPr id="4" name="Slide Number Placeholder 3"/>
-          <p:cNvSpPr>
-            <a:spLocks noGrp="1"/>
-          </p:cNvSpPr>
-          <p:nvPr>
-            <p:ph type="sldNum" sz="quarter" idx="5"/>
-          </p:nvPr>
-        </p:nvSpPr>
-        <p:spPr/>
-        <p:txBody>
-          <a:bodyPr/>
-          <a:lstStyle/>
-          <a:p>
-            <a:fld id="{F97DC217-DF71-1A49-B3EA-559F1F43B0FF}" type="slidenum">
-              <a:rPr lang="en-US" smtClean="0"/>
-              <a:t>15</a:t>
-            </a:fld>
-            <a:endParaRPr lang="en-US" dirty="0"/>
-          </a:p>
-        </p:txBody>
-      </p:sp>
-    </p:spTree>
-    <p:extLst>
-      <p:ext uri="{BB962C8B-B14F-4D97-AF65-F5344CB8AC3E}">
-        <p14:creationId xmlns:p14="http://schemas.microsoft.com/office/powerpoint/2010/main" val="178700056"/>
-      </p:ext>
-    </p:extLst>
-  </p:cSld>
-  <p:clrMapOvr>
-    <a:masterClrMapping/>
-  </p:clrMapOvr>
-</p:notes>
-</file>
-
-<file path=ppt/notesSlides/notesSlide15.xml><?xml version="1.0" encoding="utf-8"?>
-<p:notes xmlns:a="http://schemas.openxmlformats.org/drawingml/2006/main" xmlns:r="http://schemas.openxmlformats.org/officeDocument/2006/relationships" xmlns:p="http://schemas.openxmlformats.org/presentationml/2006/main">
-  <p:cSld>
-    <p:spTree>
-      <p:nvGrpSpPr>
-        <p:cNvPr id="1" name=""/>
-        <p:cNvGrpSpPr/>
-        <p:nvPr/>
-      </p:nvGrpSpPr>
-      <p:grpSpPr>
-        <a:xfrm>
-          <a:off x="0" y="0"/>
-          <a:ext cx="0" cy="0"/>
-          <a:chOff x="0" y="0"/>
-          <a:chExt cx="0" cy="0"/>
-        </a:xfrm>
-      </p:grpSpPr>
-      <p:sp>
-        <p:nvSpPr>
-          <p:cNvPr id="2" name="Slide Image Placeholder 1"/>
-          <p:cNvSpPr>
-            <a:spLocks noGrp="1" noRot="1" noChangeAspect="1"/>
-          </p:cNvSpPr>
-          <p:nvPr>
-            <p:ph type="sldImg"/>
-          </p:nvPr>
-        </p:nvSpPr>
-        <p:spPr/>
-      </p:sp>
-      <p:sp>
-        <p:nvSpPr>
-          <p:cNvPr id="3" name="Notes Placeholder 2"/>
-          <p:cNvSpPr>
-            <a:spLocks noGrp="1"/>
-          </p:cNvSpPr>
-          <p:nvPr>
-            <p:ph type="body" idx="1"/>
-          </p:nvPr>
-        </p:nvSpPr>
-        <p:spPr/>
-        <p:txBody>
-          <a:bodyPr/>
-          <a:lstStyle/>
-          <a:p>
-            <a:r>
-              <a:rPr lang="en-US" sz="1800" dirty="0">
-                <a:effectLst/>
-                <a:latin typeface="Calibri" panose="020F0502020204030204" pitchFamily="34" charset="0"/>
-                <a:ea typeface="Calibri" panose="020F0502020204030204" pitchFamily="34" charset="0"/>
-                <a:cs typeface="Times New Roman" panose="02020603050405020304" pitchFamily="18" charset="0"/>
-              </a:rPr>
-              <a:t>We started working on this project on 24th July this year, and we're expecting to finish the project on 25th of August. As you can see, we've broken down the workflow into several key milestones, including planning, research, designing the project and implementing it. Each of these milestones are crucial to the success of the project, and we will share our progress in the future</a:t>
-            </a:r>
-            <a:endParaRPr lang="en-US" dirty="0"/>
-          </a:p>
-        </p:txBody>
-      </p:sp>
-      <p:sp>
-        <p:nvSpPr>
-          <p:cNvPr id="4" name="Slide Number Placeholder 3"/>
-          <p:cNvSpPr>
-            <a:spLocks noGrp="1"/>
-          </p:cNvSpPr>
-          <p:nvPr>
-            <p:ph type="sldNum" sz="quarter" idx="5"/>
-          </p:nvPr>
-        </p:nvSpPr>
-        <p:spPr/>
-        <p:txBody>
-          <a:bodyPr/>
-          <a:lstStyle/>
-          <a:p>
-            <a:fld id="{F97DC217-DF71-1A49-B3EA-559F1F43B0FF}" type="slidenum">
-              <a:rPr lang="en-US" smtClean="0"/>
-              <a:t>16</a:t>
-            </a:fld>
-            <a:endParaRPr lang="en-US" dirty="0"/>
-          </a:p>
-        </p:txBody>
-      </p:sp>
-    </p:spTree>
-    <p:extLst>
-      <p:ext uri="{BB962C8B-B14F-4D97-AF65-F5344CB8AC3E}">
-        <p14:creationId xmlns:p14="http://schemas.microsoft.com/office/powerpoint/2010/main" val="2460714416"/>
-      </p:ext>
-    </p:extLst>
-  </p:cSld>
-  <p:clrMapOvr>
-    <a:masterClrMapping/>
-  </p:clrMapOvr>
-</p:notes>
-</file>
-
-<file path=ppt/notesSlides/notesSlide16.xml><?xml version="1.0" encoding="utf-8"?>
-<p:notes xmlns:a="http://schemas.openxmlformats.org/drawingml/2006/main" xmlns:r="http://schemas.openxmlformats.org/officeDocument/2006/relationships" xmlns:p="http://schemas.openxmlformats.org/presentationml/2006/main">
-  <p:cSld>
-    <p:spTree>
-      <p:nvGrpSpPr>
-        <p:cNvPr id="1" name=""/>
-        <p:cNvGrpSpPr/>
-        <p:nvPr/>
-      </p:nvGrpSpPr>
-      <p:grpSpPr>
-        <a:xfrm>
-          <a:off x="0" y="0"/>
-          <a:ext cx="0" cy="0"/>
-          <a:chOff x="0" y="0"/>
-          <a:chExt cx="0" cy="0"/>
-        </a:xfrm>
-      </p:grpSpPr>
-      <p:sp>
-        <p:nvSpPr>
-          <p:cNvPr id="2" name="Slide Image Placeholder 1"/>
-          <p:cNvSpPr>
-            <a:spLocks noGrp="1" noRot="1" noChangeAspect="1"/>
-          </p:cNvSpPr>
-          <p:nvPr>
-            <p:ph type="sldImg"/>
-          </p:nvPr>
-        </p:nvSpPr>
-        <p:spPr/>
-      </p:sp>
-      <p:sp>
-        <p:nvSpPr>
-          <p:cNvPr id="3" name="Notes Placeholder 2"/>
-          <p:cNvSpPr>
-            <a:spLocks noGrp="1"/>
-          </p:cNvSpPr>
-          <p:nvPr>
-            <p:ph type="body" idx="1"/>
-          </p:nvPr>
-        </p:nvSpPr>
-        <p:spPr/>
-        <p:txBody>
-          <a:bodyPr/>
-          <a:lstStyle/>
-          <a:p>
-            <a:pPr marL="0" marR="0" lvl="0" indent="0" algn="l" defTabSz="914400" rtl="0" eaLnBrk="1" fontAlgn="auto" latinLnBrk="0" hangingPunct="1">
-              <a:lnSpc>
-                <a:spcPct val="100000"/>
-              </a:lnSpc>
-              <a:spcBef>
-                <a:spcPts val="0"/>
-              </a:spcBef>
-              <a:spcAft>
-                <a:spcPts val="0"/>
-              </a:spcAft>
-              <a:buClrTx/>
-              <a:buSzTx/>
-              <a:buFontTx/>
-              <a:buNone/>
-              <a:tabLst/>
-              <a:defRPr/>
-            </a:pPr>
-            <a:r>
-              <a:rPr lang="en-US" sz="1800" kern="100" dirty="0">
-                <a:effectLst/>
-                <a:latin typeface="Calibri" panose="020F0502020204030204" pitchFamily="34" charset="0"/>
-                <a:ea typeface="Calibri" panose="020F0502020204030204" pitchFamily="34" charset="0"/>
-                <a:cs typeface="Times New Roman" panose="02020603050405020304" pitchFamily="18" charset="0"/>
-              </a:rPr>
-              <a:t>These are our group members.</a:t>
-            </a:r>
-          </a:p>
-          <a:p>
-            <a:endParaRPr lang="en-US" dirty="0"/>
-          </a:p>
-        </p:txBody>
-      </p:sp>
-      <p:sp>
-        <p:nvSpPr>
-          <p:cNvPr id="4" name="Slide Number Placeholder 3"/>
-          <p:cNvSpPr>
-            <a:spLocks noGrp="1"/>
-          </p:cNvSpPr>
-          <p:nvPr>
-            <p:ph type="sldNum" sz="quarter" idx="5"/>
-          </p:nvPr>
-        </p:nvSpPr>
-        <p:spPr/>
-        <p:txBody>
-          <a:bodyPr/>
-          <a:lstStyle/>
-          <a:p>
-            <a:fld id="{F97DC217-DF71-1A49-B3EA-559F1F43B0FF}" type="slidenum">
-              <a:rPr lang="en-US" smtClean="0"/>
-              <a:t>17</a:t>
-            </a:fld>
-            <a:endParaRPr lang="en-US" dirty="0"/>
-          </a:p>
-        </p:txBody>
-      </p:sp>
-    </p:spTree>
-    <p:extLst>
-      <p:ext uri="{BB962C8B-B14F-4D97-AF65-F5344CB8AC3E}">
-        <p14:creationId xmlns:p14="http://schemas.microsoft.com/office/powerpoint/2010/main" val="3703092249"/>
-      </p:ext>
-    </p:extLst>
-  </p:cSld>
-  <p:clrMapOvr>
-    <a:masterClrMapping/>
-  </p:clrMapOvr>
-</p:notes>
-</file>
-
-<file path=ppt/notesSlides/notesSlide17.xml><?xml version="1.0" encoding="utf-8"?>
-<p:notes xmlns:a="http://schemas.openxmlformats.org/drawingml/2006/main" xmlns:r="http://schemas.openxmlformats.org/officeDocument/2006/relationships" xmlns:p="http://schemas.openxmlformats.org/presentationml/2006/main">
-  <p:cSld>
-    <p:spTree>
-      <p:nvGrpSpPr>
-        <p:cNvPr id="1" name=""/>
-        <p:cNvGrpSpPr/>
-        <p:nvPr/>
-      </p:nvGrpSpPr>
-      <p:grpSpPr>
-        <a:xfrm>
-          <a:off x="0" y="0"/>
-          <a:ext cx="0" cy="0"/>
-          <a:chOff x="0" y="0"/>
-          <a:chExt cx="0" cy="0"/>
-        </a:xfrm>
-      </p:grpSpPr>
-      <p:sp>
-        <p:nvSpPr>
-          <p:cNvPr id="2" name="Slide Image Placeholder 1"/>
-          <p:cNvSpPr>
-            <a:spLocks noGrp="1" noRot="1" noChangeAspect="1"/>
-          </p:cNvSpPr>
-          <p:nvPr>
-            <p:ph type="sldImg"/>
-          </p:nvPr>
-        </p:nvSpPr>
-        <p:spPr/>
-      </p:sp>
-      <p:sp>
-        <p:nvSpPr>
-          <p:cNvPr id="3" name="Notes Placeholder 2"/>
-          <p:cNvSpPr>
-            <a:spLocks noGrp="1"/>
-          </p:cNvSpPr>
-          <p:nvPr>
-            <p:ph type="body" idx="1"/>
-          </p:nvPr>
-        </p:nvSpPr>
-        <p:spPr/>
-        <p:txBody>
-          <a:bodyPr/>
-          <a:lstStyle/>
-          <a:p>
-            <a:pPr marL="0" marR="0">
-              <a:lnSpc>
-                <a:spcPct val="107000"/>
-              </a:lnSpc>
-              <a:spcBef>
-                <a:spcPts val="0"/>
-              </a:spcBef>
-              <a:spcAft>
-                <a:spcPts val="800"/>
-              </a:spcAft>
-            </a:pPr>
-            <a:r>
               <a:rPr lang="en-US" sz="1800" kern="100" dirty="0">
                 <a:effectLst/>
                 <a:latin typeface="Calibri" panose="020F0502020204030204" pitchFamily="34" charset="0"/>
@@ -6958,7 +6606,7 @@
           <a:p>
             <a:fld id="{F97DC217-DF71-1A49-B3EA-559F1F43B0FF}" type="slidenum">
               <a:rPr lang="en-US" smtClean="0"/>
-              <a:t>18</a:t>
+              <a:t>14</a:t>
             </a:fld>
             <a:endParaRPr lang="en-US" dirty="0"/>
           </a:p>
@@ -7021,6 +6669,72 @@
           <a:bodyPr/>
           <a:lstStyle/>
           <a:p>
+            <a:pPr marL="0" marR="0">
+              <a:lnSpc>
+                <a:spcPct val="107000"/>
+              </a:lnSpc>
+              <a:spcBef>
+                <a:spcPts val="0"/>
+              </a:spcBef>
+              <a:spcAft>
+                <a:spcPts val="800"/>
+              </a:spcAft>
+            </a:pPr>
+            <a:r>
+              <a:rPr lang="en-US" sz="1800" kern="100" dirty="0">
+                <a:effectLst/>
+                <a:latin typeface="Calibri" panose="020F0502020204030204" pitchFamily="34" charset="0"/>
+                <a:ea typeface="Calibri" panose="020F0502020204030204" pitchFamily="34" charset="0"/>
+                <a:cs typeface="Times New Roman" panose="02020603050405020304" pitchFamily="18" charset="0"/>
+              </a:rPr>
+              <a:t>Predicting supply and demand. Your inventory and sales data can help you identify your business behavior trends. You’ll be prepared for seasonal increases in demand, and you can adapt accordingly.</a:t>
+            </a:r>
+          </a:p>
+          <a:p>
+            <a:pPr marL="0" marR="0">
+              <a:lnSpc>
+                <a:spcPct val="107000"/>
+              </a:lnSpc>
+              <a:spcBef>
+                <a:spcPts val="0"/>
+              </a:spcBef>
+              <a:spcAft>
+                <a:spcPts val="800"/>
+              </a:spcAft>
+            </a:pPr>
+            <a:r>
+              <a:rPr lang="en-US" sz="1800" kern="100" dirty="0">
+                <a:effectLst/>
+                <a:latin typeface="Calibri" panose="020F0502020204030204" pitchFamily="34" charset="0"/>
+                <a:ea typeface="Calibri" panose="020F0502020204030204" pitchFamily="34" charset="0"/>
+                <a:cs typeface="Times New Roman" panose="02020603050405020304" pitchFamily="18" charset="0"/>
+              </a:rPr>
+              <a:t>Cost reduction. Small business inventory management can help you keep the right amount of product, so you’re not spending money on excess supply.</a:t>
+            </a:r>
+          </a:p>
+          <a:p>
+            <a:pPr marL="0" marR="0">
+              <a:lnSpc>
+                <a:spcPct val="107000"/>
+              </a:lnSpc>
+              <a:spcBef>
+                <a:spcPts val="0"/>
+              </a:spcBef>
+              <a:spcAft>
+                <a:spcPts val="800"/>
+              </a:spcAft>
+            </a:pPr>
+            <a:r>
+              <a:rPr lang="en-US" sz="1800" kern="100" dirty="0">
+                <a:effectLst/>
+                <a:latin typeface="Calibri" panose="020F0502020204030204" pitchFamily="34" charset="0"/>
+                <a:ea typeface="Calibri" panose="020F0502020204030204" pitchFamily="34" charset="0"/>
+                <a:cs typeface="Times New Roman" panose="02020603050405020304" pitchFamily="18" charset="0"/>
+              </a:rPr>
+              <a:t>Seamless financial tracking. With real-time inventory data, you can streamline your cash flow reporting and easily manage production, storage, and shipment costs.</a:t>
+            </a:r>
+          </a:p>
+          <a:p>
             <a:endParaRPr lang="en-US" dirty="0"/>
           </a:p>
         </p:txBody>
@@ -7051,7 +6765,7 @@
     </p:spTree>
     <p:extLst>
       <p:ext uri="{BB962C8B-B14F-4D97-AF65-F5344CB8AC3E}">
-        <p14:creationId xmlns:p14="http://schemas.microsoft.com/office/powerpoint/2010/main" val="1045525739"/>
+        <p14:creationId xmlns:p14="http://schemas.microsoft.com/office/powerpoint/2010/main" val="322686896"/>
       </p:ext>
     </p:extLst>
   </p:cSld>
@@ -7105,72 +6819,6 @@
           <a:bodyPr/>
           <a:lstStyle/>
           <a:p>
-            <a:pPr marL="0" marR="0">
-              <a:lnSpc>
-                <a:spcPct val="107000"/>
-              </a:lnSpc>
-              <a:spcBef>
-                <a:spcPts val="0"/>
-              </a:spcBef>
-              <a:spcAft>
-                <a:spcPts val="800"/>
-              </a:spcAft>
-            </a:pPr>
-            <a:r>
-              <a:rPr lang="en-US" sz="1800" kern="100" dirty="0">
-                <a:effectLst/>
-                <a:latin typeface="Calibri" panose="020F0502020204030204" pitchFamily="34" charset="0"/>
-                <a:ea typeface="Calibri" panose="020F0502020204030204" pitchFamily="34" charset="0"/>
-                <a:cs typeface="Times New Roman" panose="02020603050405020304" pitchFamily="18" charset="0"/>
-              </a:rPr>
-              <a:t>Predicting supply and demand. Your inventory and sales data can help you identify your business behavior trends. You’ll be prepared for seasonal increases in demand, and you can adapt accordingly.</a:t>
-            </a:r>
-          </a:p>
-          <a:p>
-            <a:pPr marL="0" marR="0">
-              <a:lnSpc>
-                <a:spcPct val="107000"/>
-              </a:lnSpc>
-              <a:spcBef>
-                <a:spcPts val="0"/>
-              </a:spcBef>
-              <a:spcAft>
-                <a:spcPts val="800"/>
-              </a:spcAft>
-            </a:pPr>
-            <a:r>
-              <a:rPr lang="en-US" sz="1800" kern="100" dirty="0">
-                <a:effectLst/>
-                <a:latin typeface="Calibri" panose="020F0502020204030204" pitchFamily="34" charset="0"/>
-                <a:ea typeface="Calibri" panose="020F0502020204030204" pitchFamily="34" charset="0"/>
-                <a:cs typeface="Times New Roman" panose="02020603050405020304" pitchFamily="18" charset="0"/>
-              </a:rPr>
-              <a:t>Cost reduction. Small business inventory management can help you keep the right amount of product, so you’re not spending money on excess supply.</a:t>
-            </a:r>
-          </a:p>
-          <a:p>
-            <a:pPr marL="0" marR="0">
-              <a:lnSpc>
-                <a:spcPct val="107000"/>
-              </a:lnSpc>
-              <a:spcBef>
-                <a:spcPts val="0"/>
-              </a:spcBef>
-              <a:spcAft>
-                <a:spcPts val="800"/>
-              </a:spcAft>
-            </a:pPr>
-            <a:r>
-              <a:rPr lang="en-US" sz="1800" kern="100" dirty="0">
-                <a:effectLst/>
-                <a:latin typeface="Calibri" panose="020F0502020204030204" pitchFamily="34" charset="0"/>
-                <a:ea typeface="Calibri" panose="020F0502020204030204" pitchFamily="34" charset="0"/>
-                <a:cs typeface="Times New Roman" panose="02020603050405020304" pitchFamily="18" charset="0"/>
-              </a:rPr>
-              <a:t>Seamless financial tracking. With real-time inventory data, you can streamline your cash flow reporting and easily manage production, storage, and shipment costs.</a:t>
-            </a:r>
-          </a:p>
-          <a:p>
             <a:endParaRPr lang="en-US" dirty="0"/>
           </a:p>
         </p:txBody>
@@ -7201,7 +6849,7 @@
     </p:spTree>
     <p:extLst>
       <p:ext uri="{BB962C8B-B14F-4D97-AF65-F5344CB8AC3E}">
-        <p14:creationId xmlns:p14="http://schemas.microsoft.com/office/powerpoint/2010/main" val="322686896"/>
+        <p14:creationId xmlns:p14="http://schemas.microsoft.com/office/powerpoint/2010/main" val="1874362428"/>
       </p:ext>
     </p:extLst>
   </p:cSld>
@@ -7285,7 +6933,7 @@
     </p:spTree>
     <p:extLst>
       <p:ext uri="{BB962C8B-B14F-4D97-AF65-F5344CB8AC3E}">
-        <p14:creationId xmlns:p14="http://schemas.microsoft.com/office/powerpoint/2010/main" val="1529721220"/>
+        <p14:creationId xmlns:p14="http://schemas.microsoft.com/office/powerpoint/2010/main" val="622955968"/>
       </p:ext>
     </p:extLst>
   </p:cSld>
@@ -7369,7 +7017,7 @@
     </p:spTree>
     <p:extLst>
       <p:ext uri="{BB962C8B-B14F-4D97-AF65-F5344CB8AC3E}">
-        <p14:creationId xmlns:p14="http://schemas.microsoft.com/office/powerpoint/2010/main" val="1874362428"/>
+        <p14:creationId xmlns:p14="http://schemas.microsoft.com/office/powerpoint/2010/main" val="4180084204"/>
       </p:ext>
     </p:extLst>
   </p:cSld>
@@ -7453,7 +7101,7 @@
     </p:spTree>
     <p:extLst>
       <p:ext uri="{BB962C8B-B14F-4D97-AF65-F5344CB8AC3E}">
-        <p14:creationId xmlns:p14="http://schemas.microsoft.com/office/powerpoint/2010/main" val="622955968"/>
+        <p14:creationId xmlns:p14="http://schemas.microsoft.com/office/powerpoint/2010/main" val="2532531252"/>
       </p:ext>
     </p:extLst>
   </p:cSld>
@@ -7537,7 +7185,7 @@
     </p:spTree>
     <p:extLst>
       <p:ext uri="{BB962C8B-B14F-4D97-AF65-F5344CB8AC3E}">
-        <p14:creationId xmlns:p14="http://schemas.microsoft.com/office/powerpoint/2010/main" val="4180084204"/>
+        <p14:creationId xmlns:p14="http://schemas.microsoft.com/office/powerpoint/2010/main" val="2861949970"/>
       </p:ext>
     </p:extLst>
   </p:cSld>
@@ -7621,7 +7269,7 @@
     </p:spTree>
     <p:extLst>
       <p:ext uri="{BB962C8B-B14F-4D97-AF65-F5344CB8AC3E}">
-        <p14:creationId xmlns:p14="http://schemas.microsoft.com/office/powerpoint/2010/main" val="2532531252"/>
+        <p14:creationId xmlns:p14="http://schemas.microsoft.com/office/powerpoint/2010/main" val="3819691358"/>
       </p:ext>
     </p:extLst>
   </p:cSld>
@@ -7705,7 +7353,7 @@
     </p:spTree>
     <p:extLst>
       <p:ext uri="{BB962C8B-B14F-4D97-AF65-F5344CB8AC3E}">
-        <p14:creationId xmlns:p14="http://schemas.microsoft.com/office/powerpoint/2010/main" val="2861949970"/>
+        <p14:creationId xmlns:p14="http://schemas.microsoft.com/office/powerpoint/2010/main" val="2660967424"/>
       </p:ext>
     </p:extLst>
   </p:cSld>
@@ -20113,2231 +19761,6 @@
         </p:nvSpPr>
         <p:spPr>
           <a:xfrm>
-            <a:off x="1192740" y="349310"/>
-            <a:ext cx="9524144" cy="4921333"/>
-          </a:xfrm>
-          <a:prstGeom prst="rect">
-            <a:avLst/>
-          </a:prstGeom>
-          <a:ln>
-            <a:noFill/>
-          </a:ln>
-        </p:spPr>
-        <p:style>
-          <a:lnRef idx="2">
-            <a:schemeClr val="accent1">
-              <a:shade val="50000"/>
-            </a:schemeClr>
-          </a:lnRef>
-          <a:fillRef idx="1">
-            <a:schemeClr val="accent1"/>
-          </a:fillRef>
-          <a:effectRef idx="0">
-            <a:schemeClr val="accent1"/>
-          </a:effectRef>
-          <a:fontRef idx="minor">
-            <a:schemeClr val="lt1"/>
-          </a:fontRef>
-        </p:style>
-        <p:txBody>
-          <a:bodyPr rtlCol="0" anchor="ctr"/>
-          <a:lstStyle/>
-          <a:p>
-            <a:pPr algn="ctr"/>
-            <a:endParaRPr lang="en-US" dirty="0">
-              <a:solidFill>
-                <a:srgbClr val="DAE5EF"/>
-              </a:solidFill>
-            </a:endParaRPr>
-          </a:p>
-        </p:txBody>
-      </p:sp>
-      <p:grpSp>
-        <p:nvGrpSpPr>
-          <p:cNvPr id="60" name="Group 59">
-            <a:extLst>
-              <a:ext uri="{FF2B5EF4-FFF2-40B4-BE49-F238E27FC236}">
-                <a16:creationId xmlns:a16="http://schemas.microsoft.com/office/drawing/2014/main" id="{A3BA8360-9F05-657F-5392-73F72D0E7FE4}"/>
-              </a:ext>
-            </a:extLst>
-          </p:cNvPr>
-          <p:cNvGrpSpPr/>
-          <p:nvPr/>
-        </p:nvGrpSpPr>
-        <p:grpSpPr>
-          <a:xfrm>
-            <a:off x="9581239" y="680144"/>
-            <a:ext cx="320408" cy="320408"/>
-            <a:chOff x="10207784" y="2359292"/>
-            <a:chExt cx="389459" cy="389459"/>
-          </a:xfrm>
-        </p:grpSpPr>
-        <p:sp>
-          <p:nvSpPr>
-            <p:cNvPr id="59" name="Oval 58">
-              <a:extLst>
-                <a:ext uri="{FF2B5EF4-FFF2-40B4-BE49-F238E27FC236}">
-                  <a16:creationId xmlns:a16="http://schemas.microsoft.com/office/drawing/2014/main" id="{E829299C-0B39-B2A2-3A09-EEE4CB004520}"/>
-                </a:ext>
-              </a:extLst>
-            </p:cNvPr>
-            <p:cNvSpPr/>
-            <p:nvPr/>
-          </p:nvSpPr>
-          <p:spPr>
-            <a:xfrm>
-              <a:off x="10207784" y="2359292"/>
-              <a:ext cx="389459" cy="389459"/>
-            </a:xfrm>
-            <a:prstGeom prst="ellipse">
-              <a:avLst/>
-            </a:prstGeom>
-            <a:solidFill>
-              <a:schemeClr val="bg1"/>
-            </a:solidFill>
-            <a:ln>
-              <a:noFill/>
-            </a:ln>
-          </p:spPr>
-          <p:style>
-            <a:lnRef idx="2">
-              <a:schemeClr val="accent1">
-                <a:shade val="50000"/>
-              </a:schemeClr>
-            </a:lnRef>
-            <a:fillRef idx="1">
-              <a:schemeClr val="accent1"/>
-            </a:fillRef>
-            <a:effectRef idx="0">
-              <a:schemeClr val="accent1"/>
-            </a:effectRef>
-            <a:fontRef idx="minor">
-              <a:schemeClr val="lt1"/>
-            </a:fontRef>
-          </p:style>
-          <p:txBody>
-            <a:bodyPr rtlCol="0" anchor="ctr"/>
-            <a:lstStyle/>
-            <a:p>
-              <a:pPr algn="ctr"/>
-              <a:endParaRPr lang="en-US"/>
-            </a:p>
-          </p:txBody>
-        </p:sp>
-        <p:pic>
-          <p:nvPicPr>
-            <p:cNvPr id="58" name="Graphic 57" descr="User with solid fill">
-              <a:extLst>
-                <a:ext uri="{FF2B5EF4-FFF2-40B4-BE49-F238E27FC236}">
-                  <a16:creationId xmlns:a16="http://schemas.microsoft.com/office/drawing/2014/main" id="{606FE5C0-88E4-40FB-8984-E7BA7BBD4BD1}"/>
-                </a:ext>
-              </a:extLst>
-            </p:cNvPr>
-            <p:cNvPicPr>
-              <a:picLocks noChangeAspect="1"/>
-            </p:cNvPicPr>
-            <p:nvPr/>
-          </p:nvPicPr>
-          <p:blipFill>
-            <a:blip r:embed="rId3">
-              <a:extLst>
-                <a:ext uri="{96DAC541-7B7A-43D3-8B79-37D633B846F1}">
-                  <asvg:svgBlip xmlns:asvg="http://schemas.microsoft.com/office/drawing/2016/SVG/main" r:embed="rId4"/>
-                </a:ext>
-              </a:extLst>
-            </a:blip>
-            <a:stretch>
-              <a:fillRect/>
-            </a:stretch>
-          </p:blipFill>
-          <p:spPr>
-            <a:xfrm>
-              <a:off x="10258391" y="2409899"/>
-              <a:ext cx="288243" cy="288243"/>
-            </a:xfrm>
-            <a:prstGeom prst="rect">
-              <a:avLst/>
-            </a:prstGeom>
-          </p:spPr>
-        </p:pic>
-      </p:grpSp>
-      <p:sp>
-        <p:nvSpPr>
-          <p:cNvPr id="61" name="TextBox 60">
-            <a:extLst>
-              <a:ext uri="{FF2B5EF4-FFF2-40B4-BE49-F238E27FC236}">
-                <a16:creationId xmlns:a16="http://schemas.microsoft.com/office/drawing/2014/main" id="{3D35552B-6179-3841-9C2C-65530A4C21FE}"/>
-              </a:ext>
-            </a:extLst>
-          </p:cNvPr>
-          <p:cNvSpPr txBox="1"/>
-          <p:nvPr/>
-        </p:nvSpPr>
-        <p:spPr>
-          <a:xfrm>
-            <a:off x="8691968" y="704171"/>
-            <a:ext cx="1554338" cy="276999"/>
-          </a:xfrm>
-          <a:prstGeom prst="rect">
-            <a:avLst/>
-          </a:prstGeom>
-          <a:noFill/>
-        </p:spPr>
-        <p:txBody>
-          <a:bodyPr wrap="square" rtlCol="0">
-            <a:spAutoFit/>
-          </a:bodyPr>
-          <a:lstStyle/>
-          <a:p>
-            <a:r>
-              <a:rPr lang="en-US" sz="1200" b="1" dirty="0">
-                <a:solidFill>
-                  <a:srgbClr val="DAE5EF"/>
-                </a:solidFill>
-              </a:rPr>
-              <a:t>ACCOUNT</a:t>
-            </a:r>
-          </a:p>
-        </p:txBody>
-      </p:sp>
-      <p:sp>
-        <p:nvSpPr>
-          <p:cNvPr id="3" name="TextBox 2">
-            <a:extLst>
-              <a:ext uri="{FF2B5EF4-FFF2-40B4-BE49-F238E27FC236}">
-                <a16:creationId xmlns:a16="http://schemas.microsoft.com/office/drawing/2014/main" id="{94E82F74-A55E-6A46-4B66-2EC897EBDFF1}"/>
-              </a:ext>
-            </a:extLst>
-          </p:cNvPr>
-          <p:cNvSpPr txBox="1"/>
-          <p:nvPr/>
-        </p:nvSpPr>
-        <p:spPr>
-          <a:xfrm>
-            <a:off x="1609438" y="658004"/>
-            <a:ext cx="2171700" cy="369332"/>
-          </a:xfrm>
-          <a:prstGeom prst="rect">
-            <a:avLst/>
-          </a:prstGeom>
-          <a:noFill/>
-        </p:spPr>
-        <p:txBody>
-          <a:bodyPr wrap="square" rtlCol="0">
-            <a:spAutoFit/>
-          </a:bodyPr>
-          <a:lstStyle/>
-          <a:p>
-            <a:r>
-              <a:rPr lang="en-US" b="1" dirty="0">
-                <a:solidFill>
-                  <a:schemeClr val="bg1"/>
-                </a:solidFill>
-              </a:rPr>
-              <a:t>Update Product</a:t>
-            </a:r>
-          </a:p>
-        </p:txBody>
-      </p:sp>
-      <p:grpSp>
-        <p:nvGrpSpPr>
-          <p:cNvPr id="2" name="Group 1">
-            <a:extLst>
-              <a:ext uri="{FF2B5EF4-FFF2-40B4-BE49-F238E27FC236}">
-                <a16:creationId xmlns:a16="http://schemas.microsoft.com/office/drawing/2014/main" id="{A9743871-02CA-1B99-38E5-9F637E6382FD}"/>
-              </a:ext>
-            </a:extLst>
-          </p:cNvPr>
-          <p:cNvGrpSpPr/>
-          <p:nvPr/>
-        </p:nvGrpSpPr>
-        <p:grpSpPr>
-          <a:xfrm>
-            <a:off x="8691968" y="1402126"/>
-            <a:ext cx="152401" cy="2901456"/>
-            <a:chOff x="8617789" y="2352807"/>
-            <a:chExt cx="152401" cy="3237110"/>
-          </a:xfrm>
-        </p:grpSpPr>
-        <p:sp>
-          <p:nvSpPr>
-            <p:cNvPr id="5" name="Rectangle 4">
-              <a:extLst>
-                <a:ext uri="{FF2B5EF4-FFF2-40B4-BE49-F238E27FC236}">
-                  <a16:creationId xmlns:a16="http://schemas.microsoft.com/office/drawing/2014/main" id="{08931242-082A-DA1F-6D18-87899BF0B5BE}"/>
-                </a:ext>
-              </a:extLst>
-            </p:cNvPr>
-            <p:cNvSpPr/>
-            <p:nvPr/>
-          </p:nvSpPr>
-          <p:spPr>
-            <a:xfrm>
-              <a:off x="8617789" y="2359292"/>
-              <a:ext cx="152400" cy="3230625"/>
-            </a:xfrm>
-            <a:prstGeom prst="rect">
-              <a:avLst/>
-            </a:prstGeom>
-            <a:solidFill>
-              <a:schemeClr val="bg1">
-                <a:lumMod val="95000"/>
-              </a:schemeClr>
-            </a:solidFill>
-            <a:ln>
-              <a:noFill/>
-            </a:ln>
-          </p:spPr>
-          <p:style>
-            <a:lnRef idx="2">
-              <a:schemeClr val="accent1">
-                <a:shade val="50000"/>
-              </a:schemeClr>
-            </a:lnRef>
-            <a:fillRef idx="1">
-              <a:schemeClr val="accent1"/>
-            </a:fillRef>
-            <a:effectRef idx="0">
-              <a:schemeClr val="accent1"/>
-            </a:effectRef>
-            <a:fontRef idx="minor">
-              <a:schemeClr val="lt1"/>
-            </a:fontRef>
-          </p:style>
-          <p:txBody>
-            <a:bodyPr rtlCol="0" anchor="ctr"/>
-            <a:lstStyle/>
-            <a:p>
-              <a:pPr algn="ctr"/>
-              <a:endParaRPr lang="en-US"/>
-            </a:p>
-          </p:txBody>
-        </p:sp>
-        <p:sp>
-          <p:nvSpPr>
-            <p:cNvPr id="10" name="Rectangle 9">
-              <a:extLst>
-                <a:ext uri="{FF2B5EF4-FFF2-40B4-BE49-F238E27FC236}">
-                  <a16:creationId xmlns:a16="http://schemas.microsoft.com/office/drawing/2014/main" id="{EB01BF08-E041-ECF8-A0B4-DB056D50C82B}"/>
-                </a:ext>
-              </a:extLst>
-            </p:cNvPr>
-            <p:cNvSpPr/>
-            <p:nvPr/>
-          </p:nvSpPr>
-          <p:spPr>
-            <a:xfrm>
-              <a:off x="8621532" y="2352807"/>
-              <a:ext cx="148658" cy="1287542"/>
-            </a:xfrm>
-            <a:prstGeom prst="rect">
-              <a:avLst/>
-            </a:prstGeom>
-            <a:solidFill>
-              <a:schemeClr val="bg1">
-                <a:lumMod val="85000"/>
-              </a:schemeClr>
-            </a:solidFill>
-            <a:ln>
-              <a:noFill/>
-            </a:ln>
-          </p:spPr>
-          <p:style>
-            <a:lnRef idx="2">
-              <a:schemeClr val="accent1">
-                <a:shade val="50000"/>
-              </a:schemeClr>
-            </a:lnRef>
-            <a:fillRef idx="1">
-              <a:schemeClr val="accent1"/>
-            </a:fillRef>
-            <a:effectRef idx="0">
-              <a:schemeClr val="accent1"/>
-            </a:effectRef>
-            <a:fontRef idx="minor">
-              <a:schemeClr val="lt1"/>
-            </a:fontRef>
-          </p:style>
-          <p:txBody>
-            <a:bodyPr rtlCol="0" anchor="ctr"/>
-            <a:lstStyle/>
-            <a:p>
-              <a:pPr algn="ctr"/>
-              <a:endParaRPr lang="en-US"/>
-            </a:p>
-          </p:txBody>
-        </p:sp>
-      </p:grpSp>
-      <p:grpSp>
-        <p:nvGrpSpPr>
-          <p:cNvPr id="12" name="Group 11">
-            <a:extLst>
-              <a:ext uri="{FF2B5EF4-FFF2-40B4-BE49-F238E27FC236}">
-                <a16:creationId xmlns:a16="http://schemas.microsoft.com/office/drawing/2014/main" id="{1B592AEA-BA1E-6150-5CE8-1AE9CC92DE8A}"/>
-              </a:ext>
-            </a:extLst>
-          </p:cNvPr>
-          <p:cNvGrpSpPr/>
-          <p:nvPr/>
-        </p:nvGrpSpPr>
-        <p:grpSpPr>
-          <a:xfrm>
-            <a:off x="3204627" y="1402126"/>
-            <a:ext cx="5219700" cy="369332"/>
-            <a:chOff x="2933700" y="1713523"/>
-            <a:chExt cx="5219700" cy="369332"/>
-          </a:xfrm>
-        </p:grpSpPr>
-        <p:grpSp>
-          <p:nvGrpSpPr>
-            <p:cNvPr id="13" name="Group 12">
-              <a:extLst>
-                <a:ext uri="{FF2B5EF4-FFF2-40B4-BE49-F238E27FC236}">
-                  <a16:creationId xmlns:a16="http://schemas.microsoft.com/office/drawing/2014/main" id="{BAF7258C-A358-F9C1-439E-215F9B4C63DA}"/>
-                </a:ext>
-              </a:extLst>
-            </p:cNvPr>
-            <p:cNvGrpSpPr/>
-            <p:nvPr/>
-          </p:nvGrpSpPr>
-          <p:grpSpPr>
-            <a:xfrm>
-              <a:off x="2933700" y="1713523"/>
-              <a:ext cx="5219700" cy="369332"/>
-              <a:chOff x="2933700" y="1713523"/>
-              <a:chExt cx="5219700" cy="369332"/>
-            </a:xfrm>
-          </p:grpSpPr>
-          <p:sp>
-            <p:nvSpPr>
-              <p:cNvPr id="16" name="Rectangle: Rounded Corners 15">
-                <a:extLst>
-                  <a:ext uri="{FF2B5EF4-FFF2-40B4-BE49-F238E27FC236}">
-                    <a16:creationId xmlns:a16="http://schemas.microsoft.com/office/drawing/2014/main" id="{7A759431-45FE-EAD3-F12E-EF963EAA8132}"/>
-                  </a:ext>
-                </a:extLst>
-              </p:cNvPr>
-              <p:cNvSpPr/>
-              <p:nvPr/>
-            </p:nvSpPr>
-            <p:spPr>
-              <a:xfrm>
-                <a:off x="2933700" y="1713523"/>
-                <a:ext cx="5219700" cy="369332"/>
-              </a:xfrm>
-              <a:prstGeom prst="roundRect">
-                <a:avLst>
-                  <a:gd name="adj" fmla="val 50000"/>
-                </a:avLst>
-              </a:prstGeom>
-              <a:solidFill>
-                <a:schemeClr val="bg1"/>
-              </a:solidFill>
-              <a:ln>
-                <a:noFill/>
-              </a:ln>
-            </p:spPr>
-            <p:style>
-              <a:lnRef idx="2">
-                <a:schemeClr val="accent1">
-                  <a:shade val="50000"/>
-                </a:schemeClr>
-              </a:lnRef>
-              <a:fillRef idx="1">
-                <a:schemeClr val="accent1"/>
-              </a:fillRef>
-              <a:effectRef idx="0">
-                <a:schemeClr val="accent1"/>
-              </a:effectRef>
-              <a:fontRef idx="minor">
-                <a:schemeClr val="lt1"/>
-              </a:fontRef>
-            </p:style>
-            <p:txBody>
-              <a:bodyPr rtlCol="0" anchor="ctr"/>
-              <a:lstStyle/>
-              <a:p>
-                <a:pPr algn="ctr"/>
-                <a:endParaRPr lang="en-US"/>
-              </a:p>
-            </p:txBody>
-          </p:sp>
-          <p:cxnSp>
-            <p:nvCxnSpPr>
-              <p:cNvPr id="19" name="Straight Connector 18">
-                <a:extLst>
-                  <a:ext uri="{FF2B5EF4-FFF2-40B4-BE49-F238E27FC236}">
-                    <a16:creationId xmlns:a16="http://schemas.microsoft.com/office/drawing/2014/main" id="{0AB46215-4289-EAF1-AD89-481D95934E7E}"/>
-                  </a:ext>
-                </a:extLst>
-              </p:cNvPr>
-              <p:cNvCxnSpPr>
-                <a:cxnSpLocks/>
-                <a:stCxn id="16" idx="0"/>
-                <a:endCxn id="16" idx="2"/>
-              </p:cNvCxnSpPr>
-              <p:nvPr/>
-            </p:nvCxnSpPr>
-            <p:spPr>
-              <a:xfrm>
-                <a:off x="5543550" y="1713523"/>
-                <a:ext cx="0" cy="369332"/>
-              </a:xfrm>
-              <a:prstGeom prst="line">
-                <a:avLst/>
-              </a:prstGeom>
-              <a:ln w="38100">
-                <a:solidFill>
-                  <a:srgbClr val="0068FF"/>
-                </a:solidFill>
-              </a:ln>
-            </p:spPr>
-            <p:style>
-              <a:lnRef idx="1">
-                <a:schemeClr val="accent1"/>
-              </a:lnRef>
-              <a:fillRef idx="0">
-                <a:schemeClr val="accent1"/>
-              </a:fillRef>
-              <a:effectRef idx="0">
-                <a:schemeClr val="accent1"/>
-              </a:effectRef>
-              <a:fontRef idx="minor">
-                <a:schemeClr val="tx1"/>
-              </a:fontRef>
-            </p:style>
-          </p:cxnSp>
-        </p:grpSp>
-        <p:sp>
-          <p:nvSpPr>
-            <p:cNvPr id="14" name="TextBox 13">
-              <a:extLst>
-                <a:ext uri="{FF2B5EF4-FFF2-40B4-BE49-F238E27FC236}">
-                  <a16:creationId xmlns:a16="http://schemas.microsoft.com/office/drawing/2014/main" id="{B1977854-7882-8BB4-D1C0-CA1B6BDFC4FE}"/>
-                </a:ext>
-              </a:extLst>
-            </p:cNvPr>
-            <p:cNvSpPr txBox="1"/>
-            <p:nvPr/>
-          </p:nvSpPr>
-          <p:spPr>
-            <a:xfrm>
-              <a:off x="3120066" y="1757598"/>
-              <a:ext cx="1528134" cy="276999"/>
-            </a:xfrm>
-            <a:prstGeom prst="rect">
-              <a:avLst/>
-            </a:prstGeom>
-            <a:noFill/>
-          </p:spPr>
-          <p:txBody>
-            <a:bodyPr wrap="square">
-              <a:spAutoFit/>
-            </a:bodyPr>
-            <a:lstStyle/>
-            <a:p>
-              <a:r>
-                <a:rPr lang="en-US" sz="1200" b="1" dirty="0"/>
-                <a:t>Product Name</a:t>
-              </a:r>
-            </a:p>
-          </p:txBody>
-        </p:sp>
-        <p:sp>
-          <p:nvSpPr>
-            <p:cNvPr id="15" name="TextBox 14">
-              <a:extLst>
-                <a:ext uri="{FF2B5EF4-FFF2-40B4-BE49-F238E27FC236}">
-                  <a16:creationId xmlns:a16="http://schemas.microsoft.com/office/drawing/2014/main" id="{164CD48C-F18C-1EB6-59ED-52B78224F19E}"/>
-                </a:ext>
-              </a:extLst>
-            </p:cNvPr>
-            <p:cNvSpPr txBox="1"/>
-            <p:nvPr/>
-          </p:nvSpPr>
-          <p:spPr>
-            <a:xfrm>
-              <a:off x="6310932" y="1767332"/>
-              <a:ext cx="1065297" cy="276999"/>
-            </a:xfrm>
-            <a:prstGeom prst="rect">
-              <a:avLst/>
-            </a:prstGeom>
-            <a:noFill/>
-          </p:spPr>
-          <p:txBody>
-            <a:bodyPr wrap="square">
-              <a:spAutoFit/>
-            </a:bodyPr>
-            <a:lstStyle/>
-            <a:p>
-              <a:r>
-                <a:rPr lang="en-US" sz="1200" i="1" dirty="0">
-                  <a:solidFill>
-                    <a:srgbClr val="DAE5EF"/>
-                  </a:solidFill>
-                </a:rPr>
-                <a:t>Enter Name </a:t>
-              </a:r>
-            </a:p>
-          </p:txBody>
-        </p:sp>
-      </p:grpSp>
-      <p:grpSp>
-        <p:nvGrpSpPr>
-          <p:cNvPr id="20" name="Group 19">
-            <a:extLst>
-              <a:ext uri="{FF2B5EF4-FFF2-40B4-BE49-F238E27FC236}">
-                <a16:creationId xmlns:a16="http://schemas.microsoft.com/office/drawing/2014/main" id="{C7051B87-C67B-8146-C29A-3573F6BEC840}"/>
-              </a:ext>
-            </a:extLst>
-          </p:cNvPr>
-          <p:cNvGrpSpPr/>
-          <p:nvPr/>
-        </p:nvGrpSpPr>
-        <p:grpSpPr>
-          <a:xfrm>
-            <a:off x="3202989" y="2219247"/>
-            <a:ext cx="5219700" cy="369332"/>
-            <a:chOff x="2933700" y="1713523"/>
-            <a:chExt cx="5219700" cy="369332"/>
-          </a:xfrm>
-        </p:grpSpPr>
-        <p:grpSp>
-          <p:nvGrpSpPr>
-            <p:cNvPr id="22" name="Group 21">
-              <a:extLst>
-                <a:ext uri="{FF2B5EF4-FFF2-40B4-BE49-F238E27FC236}">
-                  <a16:creationId xmlns:a16="http://schemas.microsoft.com/office/drawing/2014/main" id="{7E3E440C-FD1F-0653-3672-DCA1BC99C8DB}"/>
-                </a:ext>
-              </a:extLst>
-            </p:cNvPr>
-            <p:cNvGrpSpPr/>
-            <p:nvPr/>
-          </p:nvGrpSpPr>
-          <p:grpSpPr>
-            <a:xfrm>
-              <a:off x="2933700" y="1713523"/>
-              <a:ext cx="5219700" cy="369332"/>
-              <a:chOff x="2933700" y="1713523"/>
-              <a:chExt cx="5219700" cy="369332"/>
-            </a:xfrm>
-          </p:grpSpPr>
-          <p:sp>
-            <p:nvSpPr>
-              <p:cNvPr id="27" name="Rectangle: Rounded Corners 26">
-                <a:extLst>
-                  <a:ext uri="{FF2B5EF4-FFF2-40B4-BE49-F238E27FC236}">
-                    <a16:creationId xmlns:a16="http://schemas.microsoft.com/office/drawing/2014/main" id="{5653DD23-76C8-CBB2-9958-F49451A2D6E6}"/>
-                  </a:ext>
-                </a:extLst>
-              </p:cNvPr>
-              <p:cNvSpPr/>
-              <p:nvPr/>
-            </p:nvSpPr>
-            <p:spPr>
-              <a:xfrm>
-                <a:off x="2933700" y="1713523"/>
-                <a:ext cx="5219700" cy="369332"/>
-              </a:xfrm>
-              <a:prstGeom prst="roundRect">
-                <a:avLst>
-                  <a:gd name="adj" fmla="val 50000"/>
-                </a:avLst>
-              </a:prstGeom>
-              <a:solidFill>
-                <a:schemeClr val="bg1"/>
-              </a:solidFill>
-              <a:ln>
-                <a:noFill/>
-              </a:ln>
-            </p:spPr>
-            <p:style>
-              <a:lnRef idx="2">
-                <a:schemeClr val="accent1">
-                  <a:shade val="50000"/>
-                </a:schemeClr>
-              </a:lnRef>
-              <a:fillRef idx="1">
-                <a:schemeClr val="accent1"/>
-              </a:fillRef>
-              <a:effectRef idx="0">
-                <a:schemeClr val="accent1"/>
-              </a:effectRef>
-              <a:fontRef idx="minor">
-                <a:schemeClr val="lt1"/>
-              </a:fontRef>
-            </p:style>
-            <p:txBody>
-              <a:bodyPr rtlCol="0" anchor="ctr"/>
-              <a:lstStyle/>
-              <a:p>
-                <a:pPr algn="ctr"/>
-                <a:endParaRPr lang="en-US"/>
-              </a:p>
-            </p:txBody>
-          </p:sp>
-          <p:cxnSp>
-            <p:nvCxnSpPr>
-              <p:cNvPr id="28" name="Straight Connector 27">
-                <a:extLst>
-                  <a:ext uri="{FF2B5EF4-FFF2-40B4-BE49-F238E27FC236}">
-                    <a16:creationId xmlns:a16="http://schemas.microsoft.com/office/drawing/2014/main" id="{D9B53800-8B2D-5445-71FC-F4F751B79665}"/>
-                  </a:ext>
-                </a:extLst>
-              </p:cNvPr>
-              <p:cNvCxnSpPr>
-                <a:cxnSpLocks/>
-                <a:stCxn id="27" idx="0"/>
-                <a:endCxn id="27" idx="2"/>
-              </p:cNvCxnSpPr>
-              <p:nvPr/>
-            </p:nvCxnSpPr>
-            <p:spPr>
-              <a:xfrm>
-                <a:off x="5543550" y="1713523"/>
-                <a:ext cx="0" cy="369332"/>
-              </a:xfrm>
-              <a:prstGeom prst="line">
-                <a:avLst/>
-              </a:prstGeom>
-              <a:ln w="38100">
-                <a:solidFill>
-                  <a:srgbClr val="0068FF"/>
-                </a:solidFill>
-              </a:ln>
-            </p:spPr>
-            <p:style>
-              <a:lnRef idx="1">
-                <a:schemeClr val="accent1"/>
-              </a:lnRef>
-              <a:fillRef idx="0">
-                <a:schemeClr val="accent1"/>
-              </a:fillRef>
-              <a:effectRef idx="0">
-                <a:schemeClr val="accent1"/>
-              </a:effectRef>
-              <a:fontRef idx="minor">
-                <a:schemeClr val="tx1"/>
-              </a:fontRef>
-            </p:style>
-          </p:cxnSp>
-        </p:grpSp>
-        <p:sp>
-          <p:nvSpPr>
-            <p:cNvPr id="24" name="TextBox 23">
-              <a:extLst>
-                <a:ext uri="{FF2B5EF4-FFF2-40B4-BE49-F238E27FC236}">
-                  <a16:creationId xmlns:a16="http://schemas.microsoft.com/office/drawing/2014/main" id="{6261F304-0B18-89A5-AB6F-6B4EBD52346A}"/>
-                </a:ext>
-              </a:extLst>
-            </p:cNvPr>
-            <p:cNvSpPr txBox="1"/>
-            <p:nvPr/>
-          </p:nvSpPr>
-          <p:spPr>
-            <a:xfrm>
-              <a:off x="3120065" y="1757598"/>
-              <a:ext cx="2004857" cy="276999"/>
-            </a:xfrm>
-            <a:prstGeom prst="rect">
-              <a:avLst/>
-            </a:prstGeom>
-            <a:noFill/>
-          </p:spPr>
-          <p:txBody>
-            <a:bodyPr wrap="square">
-              <a:spAutoFit/>
-            </a:bodyPr>
-            <a:lstStyle/>
-            <a:p>
-              <a:r>
-                <a:rPr lang="en-US" sz="1200" b="1" dirty="0"/>
-                <a:t>Product Quantity</a:t>
-              </a:r>
-            </a:p>
-          </p:txBody>
-        </p:sp>
-        <p:sp>
-          <p:nvSpPr>
-            <p:cNvPr id="25" name="TextBox 24">
-              <a:extLst>
-                <a:ext uri="{FF2B5EF4-FFF2-40B4-BE49-F238E27FC236}">
-                  <a16:creationId xmlns:a16="http://schemas.microsoft.com/office/drawing/2014/main" id="{61F5BEC6-7F49-83C3-9B6A-6BBAB78FB070}"/>
-                </a:ext>
-              </a:extLst>
-            </p:cNvPr>
-            <p:cNvSpPr txBox="1"/>
-            <p:nvPr/>
-          </p:nvSpPr>
-          <p:spPr>
-            <a:xfrm>
-              <a:off x="6310932" y="1767332"/>
-              <a:ext cx="1214754" cy="276999"/>
-            </a:xfrm>
-            <a:prstGeom prst="rect">
-              <a:avLst/>
-            </a:prstGeom>
-            <a:noFill/>
-          </p:spPr>
-          <p:txBody>
-            <a:bodyPr wrap="square">
-              <a:spAutoFit/>
-            </a:bodyPr>
-            <a:lstStyle/>
-            <a:p>
-              <a:r>
-                <a:rPr lang="en-US" sz="1200" i="1" dirty="0">
-                  <a:solidFill>
-                    <a:srgbClr val="DAE5EF"/>
-                  </a:solidFill>
-                </a:rPr>
-                <a:t>Enter Quantity</a:t>
-              </a:r>
-            </a:p>
-          </p:txBody>
-        </p:sp>
-      </p:grpSp>
-      <p:sp>
-        <p:nvSpPr>
-          <p:cNvPr id="63" name="Rectangle: Rounded Corners 62">
-            <a:extLst>
-              <a:ext uri="{FF2B5EF4-FFF2-40B4-BE49-F238E27FC236}">
-                <a16:creationId xmlns:a16="http://schemas.microsoft.com/office/drawing/2014/main" id="{E8483715-6418-4BF3-8606-CD81240AA6BF}"/>
-              </a:ext>
-            </a:extLst>
-          </p:cNvPr>
-          <p:cNvSpPr/>
-          <p:nvPr/>
-        </p:nvSpPr>
-        <p:spPr>
-          <a:xfrm>
-            <a:off x="4215835" y="4303582"/>
-            <a:ext cx="3194008" cy="469194"/>
-          </a:xfrm>
-          <a:prstGeom prst="roundRect">
-            <a:avLst/>
-          </a:prstGeom>
-          <a:solidFill>
-            <a:srgbClr val="FFFFFF"/>
-          </a:solidFill>
-          <a:ln>
-            <a:noFill/>
-          </a:ln>
-        </p:spPr>
-        <p:style>
-          <a:lnRef idx="2">
-            <a:schemeClr val="accent1">
-              <a:shade val="15000"/>
-            </a:schemeClr>
-          </a:lnRef>
-          <a:fillRef idx="1">
-            <a:schemeClr val="accent1"/>
-          </a:fillRef>
-          <a:effectRef idx="0">
-            <a:schemeClr val="accent1"/>
-          </a:effectRef>
-          <a:fontRef idx="minor">
-            <a:schemeClr val="lt1"/>
-          </a:fontRef>
-        </p:style>
-        <p:txBody>
-          <a:bodyPr rtlCol="0" anchor="ctr"/>
-          <a:lstStyle/>
-          <a:p>
-            <a:pPr algn="ctr"/>
-            <a:r>
-              <a:rPr lang="en-US" b="1" dirty="0">
-                <a:solidFill>
-                  <a:schemeClr val="tx1"/>
-                </a:solidFill>
-              </a:rPr>
-              <a:t>Update Product</a:t>
-            </a:r>
-          </a:p>
-        </p:txBody>
-      </p:sp>
-      <p:sp>
-        <p:nvSpPr>
-          <p:cNvPr id="7" name="Isosceles Triangle 6">
-            <a:extLst>
-              <a:ext uri="{FF2B5EF4-FFF2-40B4-BE49-F238E27FC236}">
-                <a16:creationId xmlns:a16="http://schemas.microsoft.com/office/drawing/2014/main" id="{351D19D4-322D-6BD5-FDB4-EED211D4B95C}"/>
-              </a:ext>
-            </a:extLst>
-          </p:cNvPr>
-          <p:cNvSpPr/>
-          <p:nvPr/>
-        </p:nvSpPr>
-        <p:spPr>
-          <a:xfrm flipV="1">
-            <a:off x="7971274" y="1995131"/>
-            <a:ext cx="132113" cy="45719"/>
-          </a:xfrm>
-          <a:prstGeom prst="triangle">
-            <a:avLst/>
-          </a:prstGeom>
-          <a:solidFill>
-            <a:srgbClr val="0068FF"/>
-          </a:solidFill>
-          <a:ln>
-            <a:solidFill>
-              <a:srgbClr val="0068FF"/>
-            </a:solidFill>
-          </a:ln>
-        </p:spPr>
-        <p:style>
-          <a:lnRef idx="2">
-            <a:schemeClr val="accent1">
-              <a:shade val="15000"/>
-            </a:schemeClr>
-          </a:lnRef>
-          <a:fillRef idx="1">
-            <a:schemeClr val="accent1"/>
-          </a:fillRef>
-          <a:effectRef idx="0">
-            <a:schemeClr val="accent1"/>
-          </a:effectRef>
-          <a:fontRef idx="minor">
-            <a:schemeClr val="lt1"/>
-          </a:fontRef>
-        </p:style>
-        <p:txBody>
-          <a:bodyPr rtlCol="0" anchor="ctr"/>
-          <a:lstStyle/>
-          <a:p>
-            <a:pPr algn="ctr"/>
-            <a:endParaRPr lang="en-US"/>
-          </a:p>
-        </p:txBody>
-      </p:sp>
-      <p:grpSp>
-        <p:nvGrpSpPr>
-          <p:cNvPr id="66" name="Group 65">
-            <a:extLst>
-              <a:ext uri="{FF2B5EF4-FFF2-40B4-BE49-F238E27FC236}">
-                <a16:creationId xmlns:a16="http://schemas.microsoft.com/office/drawing/2014/main" id="{2289F8D6-E38B-0D80-DF5A-7616E605330E}"/>
-              </a:ext>
-            </a:extLst>
-          </p:cNvPr>
-          <p:cNvGrpSpPr/>
-          <p:nvPr/>
-        </p:nvGrpSpPr>
-        <p:grpSpPr>
-          <a:xfrm>
-            <a:off x="5812839" y="2639857"/>
-            <a:ext cx="2675837" cy="741849"/>
-            <a:chOff x="5922708" y="2325939"/>
-            <a:chExt cx="2427585" cy="741849"/>
-          </a:xfrm>
-        </p:grpSpPr>
-        <p:sp>
-          <p:nvSpPr>
-            <p:cNvPr id="6" name="Rectangle: Rounded Corners 5">
-              <a:extLst>
-                <a:ext uri="{FF2B5EF4-FFF2-40B4-BE49-F238E27FC236}">
-                  <a16:creationId xmlns:a16="http://schemas.microsoft.com/office/drawing/2014/main" id="{362266F6-9CA6-EF3B-7E17-9F3D10DF0669}"/>
-                </a:ext>
-              </a:extLst>
-            </p:cNvPr>
-            <p:cNvSpPr/>
-            <p:nvPr/>
-          </p:nvSpPr>
-          <p:spPr>
-            <a:xfrm>
-              <a:off x="5922708" y="2325939"/>
-              <a:ext cx="2351623" cy="741849"/>
-            </a:xfrm>
-            <a:prstGeom prst="roundRect">
-              <a:avLst/>
-            </a:prstGeom>
-            <a:solidFill>
-              <a:srgbClr val="FFFFFF"/>
-            </a:solidFill>
-            <a:ln>
-              <a:noFill/>
-            </a:ln>
-          </p:spPr>
-          <p:style>
-            <a:lnRef idx="2">
-              <a:schemeClr val="accent1">
-                <a:shade val="15000"/>
-              </a:schemeClr>
-            </a:lnRef>
-            <a:fillRef idx="1">
-              <a:schemeClr val="accent1"/>
-            </a:fillRef>
-            <a:effectRef idx="0">
-              <a:schemeClr val="accent1"/>
-            </a:effectRef>
-            <a:fontRef idx="minor">
-              <a:schemeClr val="lt1"/>
-            </a:fontRef>
-          </p:style>
-          <p:txBody>
-            <a:bodyPr rtlCol="0" anchor="ctr"/>
-            <a:lstStyle/>
-            <a:p>
-              <a:pPr algn="ctr"/>
-              <a:endParaRPr lang="en-US"/>
-            </a:p>
-          </p:txBody>
-        </p:sp>
-        <p:sp>
-          <p:nvSpPr>
-            <p:cNvPr id="8" name="TextBox 7">
-              <a:extLst>
-                <a:ext uri="{FF2B5EF4-FFF2-40B4-BE49-F238E27FC236}">
-                  <a16:creationId xmlns:a16="http://schemas.microsoft.com/office/drawing/2014/main" id="{9DB96E50-BEA2-D003-2438-C1FF964DEF33}"/>
-                </a:ext>
-              </a:extLst>
-            </p:cNvPr>
-            <p:cNvSpPr txBox="1"/>
-            <p:nvPr/>
-          </p:nvSpPr>
-          <p:spPr>
-            <a:xfrm>
-              <a:off x="6035849" y="2403829"/>
-              <a:ext cx="2314444" cy="553998"/>
-            </a:xfrm>
-            <a:prstGeom prst="rect">
-              <a:avLst/>
-            </a:prstGeom>
-            <a:noFill/>
-          </p:spPr>
-          <p:txBody>
-            <a:bodyPr wrap="square" rtlCol="0">
-              <a:spAutoFit/>
-            </a:bodyPr>
-            <a:lstStyle/>
-            <a:p>
-              <a:r>
-                <a:rPr lang="en-US" sz="1200" b="1" dirty="0"/>
-                <a:t>Total Value</a:t>
-              </a:r>
-            </a:p>
-            <a:p>
-              <a:endParaRPr lang="en-US" dirty="0"/>
-            </a:p>
-          </p:txBody>
-        </p:sp>
-        <p:sp>
-          <p:nvSpPr>
-            <p:cNvPr id="9" name="TextBox 8">
-              <a:extLst>
-                <a:ext uri="{FF2B5EF4-FFF2-40B4-BE49-F238E27FC236}">
-                  <a16:creationId xmlns:a16="http://schemas.microsoft.com/office/drawing/2014/main" id="{D52EF5E0-1984-25FF-C91F-C25F1477D3E4}"/>
-                </a:ext>
-              </a:extLst>
-            </p:cNvPr>
-            <p:cNvSpPr txBox="1"/>
-            <p:nvPr/>
-          </p:nvSpPr>
-          <p:spPr>
-            <a:xfrm>
-              <a:off x="6035850" y="2636448"/>
-              <a:ext cx="1139741" cy="369332"/>
-            </a:xfrm>
-            <a:prstGeom prst="rect">
-              <a:avLst/>
-            </a:prstGeom>
-            <a:noFill/>
-          </p:spPr>
-          <p:txBody>
-            <a:bodyPr wrap="square" rtlCol="0">
-              <a:spAutoFit/>
-            </a:bodyPr>
-            <a:lstStyle/>
-            <a:p>
-              <a:r>
-                <a:rPr lang="en-US" b="1" dirty="0">
-                  <a:latin typeface="+mj-lt"/>
-                </a:rPr>
-                <a:t>3000 LKR</a:t>
-              </a:r>
-            </a:p>
-          </p:txBody>
-        </p:sp>
-      </p:grpSp>
-      <p:grpSp>
-        <p:nvGrpSpPr>
-          <p:cNvPr id="18" name="Group 17">
-            <a:extLst>
-              <a:ext uri="{FF2B5EF4-FFF2-40B4-BE49-F238E27FC236}">
-                <a16:creationId xmlns:a16="http://schemas.microsoft.com/office/drawing/2014/main" id="{A985E7E5-7D3C-6848-F856-219ACC47F89D}"/>
-              </a:ext>
-            </a:extLst>
-          </p:cNvPr>
-          <p:cNvGrpSpPr/>
-          <p:nvPr/>
-        </p:nvGrpSpPr>
-        <p:grpSpPr>
-          <a:xfrm>
-            <a:off x="3202989" y="1808052"/>
-            <a:ext cx="5219700" cy="369332"/>
-            <a:chOff x="2933700" y="1713523"/>
-            <a:chExt cx="5219700" cy="369332"/>
-          </a:xfrm>
-        </p:grpSpPr>
-        <p:grpSp>
-          <p:nvGrpSpPr>
-            <p:cNvPr id="21" name="Group 20">
-              <a:extLst>
-                <a:ext uri="{FF2B5EF4-FFF2-40B4-BE49-F238E27FC236}">
-                  <a16:creationId xmlns:a16="http://schemas.microsoft.com/office/drawing/2014/main" id="{6D8887F5-5525-EF88-CE61-D69607C10A99}"/>
-                </a:ext>
-              </a:extLst>
-            </p:cNvPr>
-            <p:cNvGrpSpPr/>
-            <p:nvPr/>
-          </p:nvGrpSpPr>
-          <p:grpSpPr>
-            <a:xfrm>
-              <a:off x="2933700" y="1713523"/>
-              <a:ext cx="5219700" cy="369332"/>
-              <a:chOff x="2933700" y="1713523"/>
-              <a:chExt cx="5219700" cy="369332"/>
-            </a:xfrm>
-          </p:grpSpPr>
-          <p:sp>
-            <p:nvSpPr>
-              <p:cNvPr id="64" name="Rectangle: Rounded Corners 63">
-                <a:extLst>
-                  <a:ext uri="{FF2B5EF4-FFF2-40B4-BE49-F238E27FC236}">
-                    <a16:creationId xmlns:a16="http://schemas.microsoft.com/office/drawing/2014/main" id="{8F5B824B-3110-D5CA-5574-BDE1C9FA96B0}"/>
-                  </a:ext>
-                </a:extLst>
-              </p:cNvPr>
-              <p:cNvSpPr/>
-              <p:nvPr/>
-            </p:nvSpPr>
-            <p:spPr>
-              <a:xfrm>
-                <a:off x="2933700" y="1713523"/>
-                <a:ext cx="5219700" cy="369332"/>
-              </a:xfrm>
-              <a:prstGeom prst="roundRect">
-                <a:avLst>
-                  <a:gd name="adj" fmla="val 50000"/>
-                </a:avLst>
-              </a:prstGeom>
-              <a:solidFill>
-                <a:schemeClr val="bg1"/>
-              </a:solidFill>
-              <a:ln>
-                <a:noFill/>
-              </a:ln>
-            </p:spPr>
-            <p:style>
-              <a:lnRef idx="2">
-                <a:schemeClr val="accent1">
-                  <a:shade val="50000"/>
-                </a:schemeClr>
-              </a:lnRef>
-              <a:fillRef idx="1">
-                <a:schemeClr val="accent1"/>
-              </a:fillRef>
-              <a:effectRef idx="0">
-                <a:schemeClr val="accent1"/>
-              </a:effectRef>
-              <a:fontRef idx="minor">
-                <a:schemeClr val="lt1"/>
-              </a:fontRef>
-            </p:style>
-            <p:txBody>
-              <a:bodyPr rtlCol="0" anchor="ctr"/>
-              <a:lstStyle/>
-              <a:p>
-                <a:pPr algn="ctr"/>
-                <a:endParaRPr lang="en-US"/>
-              </a:p>
-            </p:txBody>
-          </p:sp>
-          <p:cxnSp>
-            <p:nvCxnSpPr>
-              <p:cNvPr id="65" name="Straight Connector 64">
-                <a:extLst>
-                  <a:ext uri="{FF2B5EF4-FFF2-40B4-BE49-F238E27FC236}">
-                    <a16:creationId xmlns:a16="http://schemas.microsoft.com/office/drawing/2014/main" id="{99FA061F-4E80-C5DB-4A82-3CC6F5F1A84D}"/>
-                  </a:ext>
-                </a:extLst>
-              </p:cNvPr>
-              <p:cNvCxnSpPr>
-                <a:cxnSpLocks/>
-                <a:stCxn id="64" idx="0"/>
-                <a:endCxn id="64" idx="2"/>
-              </p:cNvCxnSpPr>
-              <p:nvPr/>
-            </p:nvCxnSpPr>
-            <p:spPr>
-              <a:xfrm>
-                <a:off x="5543550" y="1713523"/>
-                <a:ext cx="0" cy="369332"/>
-              </a:xfrm>
-              <a:prstGeom prst="line">
-                <a:avLst/>
-              </a:prstGeom>
-              <a:ln w="38100">
-                <a:solidFill>
-                  <a:srgbClr val="0068FF"/>
-                </a:solidFill>
-              </a:ln>
-            </p:spPr>
-            <p:style>
-              <a:lnRef idx="1">
-                <a:schemeClr val="accent1"/>
-              </a:lnRef>
-              <a:fillRef idx="0">
-                <a:schemeClr val="accent1"/>
-              </a:fillRef>
-              <a:effectRef idx="0">
-                <a:schemeClr val="accent1"/>
-              </a:effectRef>
-              <a:fontRef idx="minor">
-                <a:schemeClr val="tx1"/>
-              </a:fontRef>
-            </p:style>
-          </p:cxnSp>
-        </p:grpSp>
-        <p:sp>
-          <p:nvSpPr>
-            <p:cNvPr id="23" name="TextBox 22">
-              <a:extLst>
-                <a:ext uri="{FF2B5EF4-FFF2-40B4-BE49-F238E27FC236}">
-                  <a16:creationId xmlns:a16="http://schemas.microsoft.com/office/drawing/2014/main" id="{5F272157-747D-86D4-E502-AA400F2AB9AB}"/>
-                </a:ext>
-              </a:extLst>
-            </p:cNvPr>
-            <p:cNvSpPr txBox="1"/>
-            <p:nvPr/>
-          </p:nvSpPr>
-          <p:spPr>
-            <a:xfrm>
-              <a:off x="3120065" y="1757598"/>
-              <a:ext cx="1795773" cy="276999"/>
-            </a:xfrm>
-            <a:prstGeom prst="rect">
-              <a:avLst/>
-            </a:prstGeom>
-            <a:noFill/>
-          </p:spPr>
-          <p:txBody>
-            <a:bodyPr wrap="square">
-              <a:spAutoFit/>
-            </a:bodyPr>
-            <a:lstStyle/>
-            <a:p>
-              <a:r>
-                <a:rPr lang="en-US" sz="1200" b="1" dirty="0"/>
-                <a:t>Unit Price (Per Kg / L)</a:t>
-              </a:r>
-            </a:p>
-          </p:txBody>
-        </p:sp>
-        <p:sp>
-          <p:nvSpPr>
-            <p:cNvPr id="26" name="TextBox 25">
-              <a:extLst>
-                <a:ext uri="{FF2B5EF4-FFF2-40B4-BE49-F238E27FC236}">
-                  <a16:creationId xmlns:a16="http://schemas.microsoft.com/office/drawing/2014/main" id="{A96B816E-E2C5-06F1-6D9B-3109B65C26DE}"/>
-                </a:ext>
-              </a:extLst>
-            </p:cNvPr>
-            <p:cNvSpPr txBox="1"/>
-            <p:nvPr/>
-          </p:nvSpPr>
-          <p:spPr>
-            <a:xfrm>
-              <a:off x="6310932" y="1767332"/>
-              <a:ext cx="1214757" cy="276999"/>
-            </a:xfrm>
-            <a:prstGeom prst="rect">
-              <a:avLst/>
-            </a:prstGeom>
-            <a:noFill/>
-          </p:spPr>
-          <p:txBody>
-            <a:bodyPr wrap="square">
-              <a:spAutoFit/>
-            </a:bodyPr>
-            <a:lstStyle/>
-            <a:p>
-              <a:r>
-                <a:rPr lang="en-US" sz="1200" i="1" dirty="0">
-                  <a:solidFill>
-                    <a:srgbClr val="DAE5EF"/>
-                  </a:solidFill>
-                </a:rPr>
-                <a:t>Enter Unit Price </a:t>
-              </a:r>
-            </a:p>
-          </p:txBody>
-        </p:sp>
-      </p:grpSp>
-      <p:sp>
-        <p:nvSpPr>
-          <p:cNvPr id="4" name="Slide Number Placeholder 3">
-            <a:extLst>
-              <a:ext uri="{FF2B5EF4-FFF2-40B4-BE49-F238E27FC236}">
-                <a16:creationId xmlns:a16="http://schemas.microsoft.com/office/drawing/2014/main" id="{220B037D-7227-B534-0FB1-C626D9122E25}"/>
-              </a:ext>
-            </a:extLst>
-          </p:cNvPr>
-          <p:cNvSpPr>
-            <a:spLocks noGrp="1"/>
-          </p:cNvSpPr>
-          <p:nvPr>
-            <p:ph type="sldNum" sz="quarter" idx="4"/>
-          </p:nvPr>
-        </p:nvSpPr>
-        <p:spPr/>
-        <p:txBody>
-          <a:bodyPr/>
-          <a:lstStyle/>
-          <a:p>
-            <a:fld id="{294A09A9-5501-47C1-A89A-A340965A2BE2}" type="slidenum">
-              <a:rPr lang="en-US" smtClean="0"/>
-              <a:pPr/>
-              <a:t>10</a:t>
-            </a:fld>
-            <a:endParaRPr lang="en-US" dirty="0"/>
-          </a:p>
-        </p:txBody>
-      </p:sp>
-    </p:spTree>
-    <p:extLst>
-      <p:ext uri="{BB962C8B-B14F-4D97-AF65-F5344CB8AC3E}">
-        <p14:creationId xmlns:p14="http://schemas.microsoft.com/office/powerpoint/2010/main" val="198236642"/>
-      </p:ext>
-    </p:extLst>
-  </p:cSld>
-  <p:clrMapOvr>
-    <a:masterClrMapping/>
-  </p:clrMapOvr>
-  <p:transition>
-    <p:fade/>
-  </p:transition>
-</p:sld>
-</file>
-
-<file path=ppt/slides/slide11.xml><?xml version="1.0" encoding="utf-8"?>
-<p:sld xmlns:a="http://schemas.openxmlformats.org/drawingml/2006/main" xmlns:r="http://schemas.openxmlformats.org/officeDocument/2006/relationships" xmlns:p="http://schemas.openxmlformats.org/presentationml/2006/main">
-  <p:cSld>
-    <p:spTree>
-      <p:nvGrpSpPr>
-        <p:cNvPr id="1" name=""/>
-        <p:cNvGrpSpPr/>
-        <p:nvPr/>
-      </p:nvGrpSpPr>
-      <p:grpSpPr>
-        <a:xfrm>
-          <a:off x="0" y="0"/>
-          <a:ext cx="0" cy="0"/>
-          <a:chOff x="0" y="0"/>
-          <a:chExt cx="0" cy="0"/>
-        </a:xfrm>
-      </p:grpSpPr>
-      <p:sp>
-        <p:nvSpPr>
-          <p:cNvPr id="11" name="Rectangle 10">
-            <a:extLst>
-              <a:ext uri="{FF2B5EF4-FFF2-40B4-BE49-F238E27FC236}">
-                <a16:creationId xmlns:a16="http://schemas.microsoft.com/office/drawing/2014/main" id="{EC100C05-0550-213C-2A7A-88F3CD32BE23}"/>
-              </a:ext>
-            </a:extLst>
-          </p:cNvPr>
-          <p:cNvSpPr/>
-          <p:nvPr/>
-        </p:nvSpPr>
-        <p:spPr>
-          <a:xfrm>
-            <a:off x="1114159" y="320849"/>
-            <a:ext cx="9524144" cy="4921333"/>
-          </a:xfrm>
-          <a:prstGeom prst="rect">
-            <a:avLst/>
-          </a:prstGeom>
-          <a:ln>
-            <a:noFill/>
-          </a:ln>
-        </p:spPr>
-        <p:style>
-          <a:lnRef idx="2">
-            <a:schemeClr val="accent1">
-              <a:shade val="50000"/>
-            </a:schemeClr>
-          </a:lnRef>
-          <a:fillRef idx="1">
-            <a:schemeClr val="accent1"/>
-          </a:fillRef>
-          <a:effectRef idx="0">
-            <a:schemeClr val="accent1"/>
-          </a:effectRef>
-          <a:fontRef idx="minor">
-            <a:schemeClr val="lt1"/>
-          </a:fontRef>
-        </p:style>
-        <p:txBody>
-          <a:bodyPr rtlCol="0" anchor="ctr"/>
-          <a:lstStyle/>
-          <a:p>
-            <a:pPr algn="ctr"/>
-            <a:endParaRPr lang="en-US" dirty="0">
-              <a:solidFill>
-                <a:srgbClr val="DAE5EF"/>
-              </a:solidFill>
-            </a:endParaRPr>
-          </a:p>
-        </p:txBody>
-      </p:sp>
-      <p:grpSp>
-        <p:nvGrpSpPr>
-          <p:cNvPr id="60" name="Group 59">
-            <a:extLst>
-              <a:ext uri="{FF2B5EF4-FFF2-40B4-BE49-F238E27FC236}">
-                <a16:creationId xmlns:a16="http://schemas.microsoft.com/office/drawing/2014/main" id="{A3BA8360-9F05-657F-5392-73F72D0E7FE4}"/>
-              </a:ext>
-            </a:extLst>
-          </p:cNvPr>
-          <p:cNvGrpSpPr/>
-          <p:nvPr/>
-        </p:nvGrpSpPr>
-        <p:grpSpPr>
-          <a:xfrm>
-            <a:off x="9581239" y="680144"/>
-            <a:ext cx="320408" cy="320408"/>
-            <a:chOff x="10207784" y="2359292"/>
-            <a:chExt cx="389459" cy="389459"/>
-          </a:xfrm>
-        </p:grpSpPr>
-        <p:sp>
-          <p:nvSpPr>
-            <p:cNvPr id="59" name="Oval 58">
-              <a:extLst>
-                <a:ext uri="{FF2B5EF4-FFF2-40B4-BE49-F238E27FC236}">
-                  <a16:creationId xmlns:a16="http://schemas.microsoft.com/office/drawing/2014/main" id="{E829299C-0B39-B2A2-3A09-EEE4CB004520}"/>
-                </a:ext>
-              </a:extLst>
-            </p:cNvPr>
-            <p:cNvSpPr/>
-            <p:nvPr/>
-          </p:nvSpPr>
-          <p:spPr>
-            <a:xfrm>
-              <a:off x="10207784" y="2359292"/>
-              <a:ext cx="389459" cy="389459"/>
-            </a:xfrm>
-            <a:prstGeom prst="ellipse">
-              <a:avLst/>
-            </a:prstGeom>
-            <a:solidFill>
-              <a:schemeClr val="bg1"/>
-            </a:solidFill>
-            <a:ln>
-              <a:noFill/>
-            </a:ln>
-          </p:spPr>
-          <p:style>
-            <a:lnRef idx="2">
-              <a:schemeClr val="accent1">
-                <a:shade val="50000"/>
-              </a:schemeClr>
-            </a:lnRef>
-            <a:fillRef idx="1">
-              <a:schemeClr val="accent1"/>
-            </a:fillRef>
-            <a:effectRef idx="0">
-              <a:schemeClr val="accent1"/>
-            </a:effectRef>
-            <a:fontRef idx="minor">
-              <a:schemeClr val="lt1"/>
-            </a:fontRef>
-          </p:style>
-          <p:txBody>
-            <a:bodyPr rtlCol="0" anchor="ctr"/>
-            <a:lstStyle/>
-            <a:p>
-              <a:pPr algn="ctr"/>
-              <a:endParaRPr lang="en-US"/>
-            </a:p>
-          </p:txBody>
-        </p:sp>
-        <p:pic>
-          <p:nvPicPr>
-            <p:cNvPr id="58" name="Graphic 57" descr="User with solid fill">
-              <a:extLst>
-                <a:ext uri="{FF2B5EF4-FFF2-40B4-BE49-F238E27FC236}">
-                  <a16:creationId xmlns:a16="http://schemas.microsoft.com/office/drawing/2014/main" id="{606FE5C0-88E4-40FB-8984-E7BA7BBD4BD1}"/>
-                </a:ext>
-              </a:extLst>
-            </p:cNvPr>
-            <p:cNvPicPr>
-              <a:picLocks noChangeAspect="1"/>
-            </p:cNvPicPr>
-            <p:nvPr/>
-          </p:nvPicPr>
-          <p:blipFill>
-            <a:blip r:embed="rId3">
-              <a:extLst>
-                <a:ext uri="{96DAC541-7B7A-43D3-8B79-37D633B846F1}">
-                  <asvg:svgBlip xmlns:asvg="http://schemas.microsoft.com/office/drawing/2016/SVG/main" r:embed="rId4"/>
-                </a:ext>
-              </a:extLst>
-            </a:blip>
-            <a:stretch>
-              <a:fillRect/>
-            </a:stretch>
-          </p:blipFill>
-          <p:spPr>
-            <a:xfrm>
-              <a:off x="10258391" y="2409899"/>
-              <a:ext cx="288243" cy="288243"/>
-            </a:xfrm>
-            <a:prstGeom prst="rect">
-              <a:avLst/>
-            </a:prstGeom>
-          </p:spPr>
-        </p:pic>
-      </p:grpSp>
-      <p:sp>
-        <p:nvSpPr>
-          <p:cNvPr id="61" name="TextBox 60">
-            <a:extLst>
-              <a:ext uri="{FF2B5EF4-FFF2-40B4-BE49-F238E27FC236}">
-                <a16:creationId xmlns:a16="http://schemas.microsoft.com/office/drawing/2014/main" id="{3D35552B-6179-3841-9C2C-65530A4C21FE}"/>
-              </a:ext>
-            </a:extLst>
-          </p:cNvPr>
-          <p:cNvSpPr txBox="1"/>
-          <p:nvPr/>
-        </p:nvSpPr>
-        <p:spPr>
-          <a:xfrm>
-            <a:off x="8691968" y="704171"/>
-            <a:ext cx="1554338" cy="276999"/>
-          </a:xfrm>
-          <a:prstGeom prst="rect">
-            <a:avLst/>
-          </a:prstGeom>
-          <a:noFill/>
-        </p:spPr>
-        <p:txBody>
-          <a:bodyPr wrap="square" rtlCol="0">
-            <a:spAutoFit/>
-          </a:bodyPr>
-          <a:lstStyle/>
-          <a:p>
-            <a:r>
-              <a:rPr lang="en-US" sz="1200" b="1" dirty="0">
-                <a:solidFill>
-                  <a:srgbClr val="DAE5EF"/>
-                </a:solidFill>
-              </a:rPr>
-              <a:t>ACCOUNT</a:t>
-            </a:r>
-          </a:p>
-        </p:txBody>
-      </p:sp>
-      <p:sp>
-        <p:nvSpPr>
-          <p:cNvPr id="3" name="TextBox 2">
-            <a:extLst>
-              <a:ext uri="{FF2B5EF4-FFF2-40B4-BE49-F238E27FC236}">
-                <a16:creationId xmlns:a16="http://schemas.microsoft.com/office/drawing/2014/main" id="{94E82F74-A55E-6A46-4B66-2EC897EBDFF1}"/>
-              </a:ext>
-            </a:extLst>
-          </p:cNvPr>
-          <p:cNvSpPr txBox="1"/>
-          <p:nvPr/>
-        </p:nvSpPr>
-        <p:spPr>
-          <a:xfrm>
-            <a:off x="1609438" y="658004"/>
-            <a:ext cx="2171700" cy="369332"/>
-          </a:xfrm>
-          <a:prstGeom prst="rect">
-            <a:avLst/>
-          </a:prstGeom>
-          <a:noFill/>
-        </p:spPr>
-        <p:txBody>
-          <a:bodyPr wrap="square" rtlCol="0">
-            <a:spAutoFit/>
-          </a:bodyPr>
-          <a:lstStyle/>
-          <a:p>
-            <a:r>
-              <a:rPr lang="en-US" b="1" dirty="0">
-                <a:solidFill>
-                  <a:schemeClr val="bg1"/>
-                </a:solidFill>
-              </a:rPr>
-              <a:t>Delete Product</a:t>
-            </a:r>
-          </a:p>
-        </p:txBody>
-      </p:sp>
-      <p:grpSp>
-        <p:nvGrpSpPr>
-          <p:cNvPr id="12" name="Group 11">
-            <a:extLst>
-              <a:ext uri="{FF2B5EF4-FFF2-40B4-BE49-F238E27FC236}">
-                <a16:creationId xmlns:a16="http://schemas.microsoft.com/office/drawing/2014/main" id="{1B592AEA-BA1E-6150-5CE8-1AE9CC92DE8A}"/>
-              </a:ext>
-            </a:extLst>
-          </p:cNvPr>
-          <p:cNvGrpSpPr/>
-          <p:nvPr/>
-        </p:nvGrpSpPr>
-        <p:grpSpPr>
-          <a:xfrm>
-            <a:off x="3204627" y="1939510"/>
-            <a:ext cx="5219700" cy="369332"/>
-            <a:chOff x="2933700" y="1713523"/>
-            <a:chExt cx="5219700" cy="369332"/>
-          </a:xfrm>
-        </p:grpSpPr>
-        <p:grpSp>
-          <p:nvGrpSpPr>
-            <p:cNvPr id="13" name="Group 12">
-              <a:extLst>
-                <a:ext uri="{FF2B5EF4-FFF2-40B4-BE49-F238E27FC236}">
-                  <a16:creationId xmlns:a16="http://schemas.microsoft.com/office/drawing/2014/main" id="{BAF7258C-A358-F9C1-439E-215F9B4C63DA}"/>
-                </a:ext>
-              </a:extLst>
-            </p:cNvPr>
-            <p:cNvGrpSpPr/>
-            <p:nvPr/>
-          </p:nvGrpSpPr>
-          <p:grpSpPr>
-            <a:xfrm>
-              <a:off x="2933700" y="1713523"/>
-              <a:ext cx="5219700" cy="369332"/>
-              <a:chOff x="2933700" y="1713523"/>
-              <a:chExt cx="5219700" cy="369332"/>
-            </a:xfrm>
-          </p:grpSpPr>
-          <p:sp>
-            <p:nvSpPr>
-              <p:cNvPr id="16" name="Rectangle: Rounded Corners 15">
-                <a:extLst>
-                  <a:ext uri="{FF2B5EF4-FFF2-40B4-BE49-F238E27FC236}">
-                    <a16:creationId xmlns:a16="http://schemas.microsoft.com/office/drawing/2014/main" id="{7A759431-45FE-EAD3-F12E-EF963EAA8132}"/>
-                  </a:ext>
-                </a:extLst>
-              </p:cNvPr>
-              <p:cNvSpPr/>
-              <p:nvPr/>
-            </p:nvSpPr>
-            <p:spPr>
-              <a:xfrm>
-                <a:off x="2933700" y="1713523"/>
-                <a:ext cx="5219700" cy="369332"/>
-              </a:xfrm>
-              <a:prstGeom prst="roundRect">
-                <a:avLst>
-                  <a:gd name="adj" fmla="val 50000"/>
-                </a:avLst>
-              </a:prstGeom>
-              <a:solidFill>
-                <a:schemeClr val="bg1"/>
-              </a:solidFill>
-              <a:ln>
-                <a:noFill/>
-              </a:ln>
-            </p:spPr>
-            <p:style>
-              <a:lnRef idx="2">
-                <a:schemeClr val="accent1">
-                  <a:shade val="50000"/>
-                </a:schemeClr>
-              </a:lnRef>
-              <a:fillRef idx="1">
-                <a:schemeClr val="accent1"/>
-              </a:fillRef>
-              <a:effectRef idx="0">
-                <a:schemeClr val="accent1"/>
-              </a:effectRef>
-              <a:fontRef idx="minor">
-                <a:schemeClr val="lt1"/>
-              </a:fontRef>
-            </p:style>
-            <p:txBody>
-              <a:bodyPr rtlCol="0" anchor="ctr"/>
-              <a:lstStyle/>
-              <a:p>
-                <a:pPr algn="ctr"/>
-                <a:endParaRPr lang="en-US"/>
-              </a:p>
-            </p:txBody>
-          </p:sp>
-          <p:cxnSp>
-            <p:nvCxnSpPr>
-              <p:cNvPr id="19" name="Straight Connector 18">
-                <a:extLst>
-                  <a:ext uri="{FF2B5EF4-FFF2-40B4-BE49-F238E27FC236}">
-                    <a16:creationId xmlns:a16="http://schemas.microsoft.com/office/drawing/2014/main" id="{0AB46215-4289-EAF1-AD89-481D95934E7E}"/>
-                  </a:ext>
-                </a:extLst>
-              </p:cNvPr>
-              <p:cNvCxnSpPr>
-                <a:cxnSpLocks/>
-                <a:stCxn id="16" idx="0"/>
-                <a:endCxn id="16" idx="2"/>
-              </p:cNvCxnSpPr>
-              <p:nvPr/>
-            </p:nvCxnSpPr>
-            <p:spPr>
-              <a:xfrm>
-                <a:off x="5543550" y="1713523"/>
-                <a:ext cx="0" cy="369332"/>
-              </a:xfrm>
-              <a:prstGeom prst="line">
-                <a:avLst/>
-              </a:prstGeom>
-              <a:ln w="38100">
-                <a:solidFill>
-                  <a:srgbClr val="0068FF"/>
-                </a:solidFill>
-              </a:ln>
-            </p:spPr>
-            <p:style>
-              <a:lnRef idx="1">
-                <a:schemeClr val="accent1"/>
-              </a:lnRef>
-              <a:fillRef idx="0">
-                <a:schemeClr val="accent1"/>
-              </a:fillRef>
-              <a:effectRef idx="0">
-                <a:schemeClr val="accent1"/>
-              </a:effectRef>
-              <a:fontRef idx="minor">
-                <a:schemeClr val="tx1"/>
-              </a:fontRef>
-            </p:style>
-          </p:cxnSp>
-        </p:grpSp>
-        <p:sp>
-          <p:nvSpPr>
-            <p:cNvPr id="14" name="TextBox 13">
-              <a:extLst>
-                <a:ext uri="{FF2B5EF4-FFF2-40B4-BE49-F238E27FC236}">
-                  <a16:creationId xmlns:a16="http://schemas.microsoft.com/office/drawing/2014/main" id="{B1977854-7882-8BB4-D1C0-CA1B6BDFC4FE}"/>
-                </a:ext>
-              </a:extLst>
-            </p:cNvPr>
-            <p:cNvSpPr txBox="1"/>
-            <p:nvPr/>
-          </p:nvSpPr>
-          <p:spPr>
-            <a:xfrm>
-              <a:off x="3120066" y="1757598"/>
-              <a:ext cx="1528134" cy="276999"/>
-            </a:xfrm>
-            <a:prstGeom prst="rect">
-              <a:avLst/>
-            </a:prstGeom>
-            <a:noFill/>
-          </p:spPr>
-          <p:txBody>
-            <a:bodyPr wrap="square">
-              <a:spAutoFit/>
-            </a:bodyPr>
-            <a:lstStyle/>
-            <a:p>
-              <a:r>
-                <a:rPr lang="en-US" sz="1200" b="1" dirty="0"/>
-                <a:t>Product ID</a:t>
-              </a:r>
-            </a:p>
-          </p:txBody>
-        </p:sp>
-        <p:sp>
-          <p:nvSpPr>
-            <p:cNvPr id="15" name="TextBox 14">
-              <a:extLst>
-                <a:ext uri="{FF2B5EF4-FFF2-40B4-BE49-F238E27FC236}">
-                  <a16:creationId xmlns:a16="http://schemas.microsoft.com/office/drawing/2014/main" id="{164CD48C-F18C-1EB6-59ED-52B78224F19E}"/>
-                </a:ext>
-              </a:extLst>
-            </p:cNvPr>
-            <p:cNvSpPr txBox="1"/>
-            <p:nvPr/>
-          </p:nvSpPr>
-          <p:spPr>
-            <a:xfrm>
-              <a:off x="6310932" y="1767332"/>
-              <a:ext cx="1323086" cy="276999"/>
-            </a:xfrm>
-            <a:prstGeom prst="rect">
-              <a:avLst/>
-            </a:prstGeom>
-            <a:noFill/>
-          </p:spPr>
-          <p:txBody>
-            <a:bodyPr wrap="square">
-              <a:spAutoFit/>
-            </a:bodyPr>
-            <a:lstStyle/>
-            <a:p>
-              <a:r>
-                <a:rPr lang="en-US" sz="1200" i="1" dirty="0">
-                  <a:solidFill>
-                    <a:srgbClr val="DAE5EF"/>
-                  </a:solidFill>
-                </a:rPr>
-                <a:t>Enter Product ID</a:t>
-              </a:r>
-            </a:p>
-          </p:txBody>
-        </p:sp>
-      </p:grpSp>
-      <p:sp>
-        <p:nvSpPr>
-          <p:cNvPr id="63" name="Rectangle: Rounded Corners 62">
-            <a:extLst>
-              <a:ext uri="{FF2B5EF4-FFF2-40B4-BE49-F238E27FC236}">
-                <a16:creationId xmlns:a16="http://schemas.microsoft.com/office/drawing/2014/main" id="{E8483715-6418-4BF3-8606-CD81240AA6BF}"/>
-              </a:ext>
-            </a:extLst>
-          </p:cNvPr>
-          <p:cNvSpPr/>
-          <p:nvPr/>
-        </p:nvSpPr>
-        <p:spPr>
-          <a:xfrm>
-            <a:off x="4217473" y="2959806"/>
-            <a:ext cx="3194008" cy="469194"/>
-          </a:xfrm>
-          <a:prstGeom prst="roundRect">
-            <a:avLst/>
-          </a:prstGeom>
-          <a:solidFill>
-            <a:srgbClr val="FFFFFF"/>
-          </a:solidFill>
-          <a:ln>
-            <a:noFill/>
-          </a:ln>
-        </p:spPr>
-        <p:style>
-          <a:lnRef idx="2">
-            <a:schemeClr val="accent1">
-              <a:shade val="15000"/>
-            </a:schemeClr>
-          </a:lnRef>
-          <a:fillRef idx="1">
-            <a:schemeClr val="accent1"/>
-          </a:fillRef>
-          <a:effectRef idx="0">
-            <a:schemeClr val="accent1"/>
-          </a:effectRef>
-          <a:fontRef idx="minor">
-            <a:schemeClr val="lt1"/>
-          </a:fontRef>
-        </p:style>
-        <p:txBody>
-          <a:bodyPr rtlCol="0" anchor="ctr"/>
-          <a:lstStyle/>
-          <a:p>
-            <a:pPr algn="ctr"/>
-            <a:r>
-              <a:rPr lang="en-US" b="1" dirty="0">
-                <a:solidFill>
-                  <a:schemeClr val="tx1"/>
-                </a:solidFill>
-              </a:rPr>
-              <a:t>Delete Product</a:t>
-            </a:r>
-          </a:p>
-        </p:txBody>
-      </p:sp>
-      <p:grpSp>
-        <p:nvGrpSpPr>
-          <p:cNvPr id="9" name="Group 8">
-            <a:extLst>
-              <a:ext uri="{FF2B5EF4-FFF2-40B4-BE49-F238E27FC236}">
-                <a16:creationId xmlns:a16="http://schemas.microsoft.com/office/drawing/2014/main" id="{7189A7FA-5074-1BDC-0FCD-5522A1A7BE76}"/>
-              </a:ext>
-            </a:extLst>
-          </p:cNvPr>
-          <p:cNvGrpSpPr/>
-          <p:nvPr/>
-        </p:nvGrpSpPr>
-        <p:grpSpPr>
-          <a:xfrm>
-            <a:off x="3390992" y="2438400"/>
-            <a:ext cx="133257" cy="123732"/>
-            <a:chOff x="3390992" y="2438400"/>
-            <a:chExt cx="133257" cy="123732"/>
-          </a:xfrm>
-        </p:grpSpPr>
-        <p:sp>
-          <p:nvSpPr>
-            <p:cNvPr id="8" name="Rectangle 7">
-              <a:extLst>
-                <a:ext uri="{FF2B5EF4-FFF2-40B4-BE49-F238E27FC236}">
-                  <a16:creationId xmlns:a16="http://schemas.microsoft.com/office/drawing/2014/main" id="{1DE8DCE1-2934-0963-3EB2-3FB91461F356}"/>
-                </a:ext>
-              </a:extLst>
-            </p:cNvPr>
-            <p:cNvSpPr/>
-            <p:nvPr/>
-          </p:nvSpPr>
-          <p:spPr>
-            <a:xfrm>
-              <a:off x="3390992" y="2438400"/>
-              <a:ext cx="133257" cy="123732"/>
-            </a:xfrm>
-            <a:prstGeom prst="rect">
-              <a:avLst/>
-            </a:prstGeom>
-            <a:solidFill>
-              <a:srgbClr val="FFFFFF"/>
-            </a:solidFill>
-            <a:ln>
-              <a:noFill/>
-            </a:ln>
-          </p:spPr>
-          <p:style>
-            <a:lnRef idx="2">
-              <a:schemeClr val="accent1">
-                <a:shade val="15000"/>
-              </a:schemeClr>
-            </a:lnRef>
-            <a:fillRef idx="1">
-              <a:schemeClr val="accent1"/>
-            </a:fillRef>
-            <a:effectRef idx="0">
-              <a:schemeClr val="accent1"/>
-            </a:effectRef>
-            <a:fontRef idx="minor">
-              <a:schemeClr val="lt1"/>
-            </a:fontRef>
-          </p:style>
-          <p:txBody>
-            <a:bodyPr rtlCol="0" anchor="ctr"/>
-            <a:lstStyle/>
-            <a:p>
-              <a:pPr algn="ctr"/>
-              <a:endParaRPr lang="en-US"/>
-            </a:p>
-          </p:txBody>
-        </p:sp>
-        <p:sp>
-          <p:nvSpPr>
-            <p:cNvPr id="7" name="Rectangle 6">
-              <a:extLst>
-                <a:ext uri="{FF2B5EF4-FFF2-40B4-BE49-F238E27FC236}">
-                  <a16:creationId xmlns:a16="http://schemas.microsoft.com/office/drawing/2014/main" id="{81AE3B29-95C3-6471-719C-B618F487977A}"/>
-                </a:ext>
-              </a:extLst>
-            </p:cNvPr>
-            <p:cNvSpPr/>
-            <p:nvPr/>
-          </p:nvSpPr>
-          <p:spPr>
-            <a:xfrm>
-              <a:off x="3402401" y="2450342"/>
-              <a:ext cx="110017" cy="100015"/>
-            </a:xfrm>
-            <a:prstGeom prst="rect">
-              <a:avLst/>
-            </a:prstGeom>
-            <a:solidFill>
-              <a:srgbClr val="0068FF"/>
-            </a:solidFill>
-            <a:ln>
-              <a:noFill/>
-            </a:ln>
-          </p:spPr>
-          <p:style>
-            <a:lnRef idx="2">
-              <a:schemeClr val="accent1">
-                <a:shade val="15000"/>
-              </a:schemeClr>
-            </a:lnRef>
-            <a:fillRef idx="1">
-              <a:schemeClr val="accent1"/>
-            </a:fillRef>
-            <a:effectRef idx="0">
-              <a:schemeClr val="accent1"/>
-            </a:effectRef>
-            <a:fontRef idx="minor">
-              <a:schemeClr val="lt1"/>
-            </a:fontRef>
-          </p:style>
-          <p:txBody>
-            <a:bodyPr rtlCol="0" anchor="ctr"/>
-            <a:lstStyle/>
-            <a:p>
-              <a:pPr algn="ctr"/>
-              <a:endParaRPr lang="en-US"/>
-            </a:p>
-          </p:txBody>
-        </p:sp>
-      </p:grpSp>
-      <p:grpSp>
-        <p:nvGrpSpPr>
-          <p:cNvPr id="21" name="Group 20">
-            <a:extLst>
-              <a:ext uri="{FF2B5EF4-FFF2-40B4-BE49-F238E27FC236}">
-                <a16:creationId xmlns:a16="http://schemas.microsoft.com/office/drawing/2014/main" id="{D93D9793-4699-E31F-5B02-8DA28B3BDF40}"/>
-              </a:ext>
-            </a:extLst>
-          </p:cNvPr>
-          <p:cNvGrpSpPr/>
-          <p:nvPr/>
-        </p:nvGrpSpPr>
-        <p:grpSpPr>
-          <a:xfrm>
-            <a:off x="3417495" y="2461381"/>
-            <a:ext cx="78030" cy="73781"/>
-            <a:chOff x="2206170" y="2533835"/>
-            <a:chExt cx="237507" cy="187594"/>
-          </a:xfrm>
-        </p:grpSpPr>
-        <p:sp>
-          <p:nvSpPr>
-            <p:cNvPr id="17" name="Diagonal Stripe 16">
-              <a:extLst>
-                <a:ext uri="{FF2B5EF4-FFF2-40B4-BE49-F238E27FC236}">
-                  <a16:creationId xmlns:a16="http://schemas.microsoft.com/office/drawing/2014/main" id="{07D2A262-B978-14D1-121D-6469C0DFB71D}"/>
-                </a:ext>
-              </a:extLst>
-            </p:cNvPr>
-            <p:cNvSpPr/>
-            <p:nvPr/>
-          </p:nvSpPr>
-          <p:spPr>
-            <a:xfrm>
-              <a:off x="2290353" y="2533835"/>
-              <a:ext cx="153324" cy="187594"/>
-            </a:xfrm>
-            <a:prstGeom prst="diagStripe">
-              <a:avLst>
-                <a:gd name="adj" fmla="val 65412"/>
-              </a:avLst>
-            </a:prstGeom>
-            <a:solidFill>
-              <a:srgbClr val="FFFFFF"/>
-            </a:solidFill>
-            <a:ln>
-              <a:noFill/>
-            </a:ln>
-          </p:spPr>
-          <p:style>
-            <a:lnRef idx="2">
-              <a:schemeClr val="accent1">
-                <a:shade val="15000"/>
-              </a:schemeClr>
-            </a:lnRef>
-            <a:fillRef idx="1">
-              <a:schemeClr val="accent1"/>
-            </a:fillRef>
-            <a:effectRef idx="0">
-              <a:schemeClr val="accent1"/>
-            </a:effectRef>
-            <a:fontRef idx="minor">
-              <a:schemeClr val="lt1"/>
-            </a:fontRef>
-          </p:style>
-          <p:txBody>
-            <a:bodyPr rtlCol="0" anchor="ctr"/>
-            <a:lstStyle/>
-            <a:p>
-              <a:pPr algn="ctr"/>
-              <a:endParaRPr lang="en-US">
-                <a:solidFill>
-                  <a:schemeClr val="tx1"/>
-                </a:solidFill>
-              </a:endParaRPr>
-            </a:p>
-          </p:txBody>
-        </p:sp>
-        <p:sp>
-          <p:nvSpPr>
-            <p:cNvPr id="18" name="Diagonal Stripe 17">
-              <a:extLst>
-                <a:ext uri="{FF2B5EF4-FFF2-40B4-BE49-F238E27FC236}">
-                  <a16:creationId xmlns:a16="http://schemas.microsoft.com/office/drawing/2014/main" id="{2153E38E-4CFD-DF8B-9CEF-D986753BD901}"/>
-                </a:ext>
-              </a:extLst>
-            </p:cNvPr>
-            <p:cNvSpPr/>
-            <p:nvPr/>
-          </p:nvSpPr>
-          <p:spPr>
-            <a:xfrm flipH="1">
-              <a:off x="2206170" y="2631922"/>
-              <a:ext cx="84446" cy="87767"/>
-            </a:xfrm>
-            <a:prstGeom prst="diagStripe">
-              <a:avLst>
-                <a:gd name="adj" fmla="val 29096"/>
-              </a:avLst>
-            </a:prstGeom>
-            <a:solidFill>
-              <a:srgbClr val="FFFFFF"/>
-            </a:solidFill>
-            <a:ln>
-              <a:noFill/>
-            </a:ln>
-          </p:spPr>
-          <p:style>
-            <a:lnRef idx="2">
-              <a:schemeClr val="accent1">
-                <a:shade val="15000"/>
-              </a:schemeClr>
-            </a:lnRef>
-            <a:fillRef idx="1">
-              <a:schemeClr val="accent1"/>
-            </a:fillRef>
-            <a:effectRef idx="0">
-              <a:schemeClr val="accent1"/>
-            </a:effectRef>
-            <a:fontRef idx="minor">
-              <a:schemeClr val="lt1"/>
-            </a:fontRef>
-          </p:style>
-          <p:txBody>
-            <a:bodyPr rtlCol="0" anchor="ctr"/>
-            <a:lstStyle/>
-            <a:p>
-              <a:pPr algn="ctr"/>
-              <a:endParaRPr lang="en-US">
-                <a:solidFill>
-                  <a:schemeClr val="tx1"/>
-                </a:solidFill>
-              </a:endParaRPr>
-            </a:p>
-          </p:txBody>
-        </p:sp>
-      </p:grpSp>
-      <p:sp>
-        <p:nvSpPr>
-          <p:cNvPr id="23" name="TextBox 22">
-            <a:extLst>
-              <a:ext uri="{FF2B5EF4-FFF2-40B4-BE49-F238E27FC236}">
-                <a16:creationId xmlns:a16="http://schemas.microsoft.com/office/drawing/2014/main" id="{3D7CA539-ED01-076E-267F-A79C50957846}"/>
-              </a:ext>
-            </a:extLst>
-          </p:cNvPr>
-          <p:cNvSpPr txBox="1"/>
-          <p:nvPr/>
-        </p:nvSpPr>
-        <p:spPr>
-          <a:xfrm>
-            <a:off x="3531068" y="2362651"/>
-            <a:ext cx="4839298" cy="415498"/>
-          </a:xfrm>
-          <a:prstGeom prst="rect">
-            <a:avLst/>
-          </a:prstGeom>
-          <a:noFill/>
-        </p:spPr>
-        <p:txBody>
-          <a:bodyPr wrap="square" rtlCol="0">
-            <a:spAutoFit/>
-          </a:bodyPr>
-          <a:lstStyle/>
-          <a:p>
-            <a:pPr algn="just"/>
-            <a:r>
-              <a:rPr lang="en-US" sz="1000" b="0" i="0" dirty="0">
-                <a:solidFill>
-                  <a:schemeClr val="bg1"/>
-                </a:solidFill>
-                <a:effectLst/>
-                <a:latin typeface="+mj-lt"/>
-              </a:rPr>
-              <a:t>You are about to delete product(s) from the database. This action is irreversible and will permanently remove associated data. Proceed only if you're certain.</a:t>
-            </a:r>
-            <a:endParaRPr lang="en-US" sz="1000" dirty="0">
-              <a:solidFill>
-                <a:schemeClr val="bg1"/>
-              </a:solidFill>
-              <a:latin typeface="+mj-lt"/>
-            </a:endParaRPr>
-          </a:p>
-        </p:txBody>
-      </p:sp>
-      <p:sp>
-        <p:nvSpPr>
-          <p:cNvPr id="2" name="Slide Number Placeholder 1">
-            <a:extLst>
-              <a:ext uri="{FF2B5EF4-FFF2-40B4-BE49-F238E27FC236}">
-                <a16:creationId xmlns:a16="http://schemas.microsoft.com/office/drawing/2014/main" id="{11AE8727-1827-73D5-5E8B-F4456EC6C9F8}"/>
-              </a:ext>
-            </a:extLst>
-          </p:cNvPr>
-          <p:cNvSpPr>
-            <a:spLocks noGrp="1"/>
-          </p:cNvSpPr>
-          <p:nvPr>
-            <p:ph type="sldNum" sz="quarter" idx="4"/>
-          </p:nvPr>
-        </p:nvSpPr>
-        <p:spPr/>
-        <p:txBody>
-          <a:bodyPr/>
-          <a:lstStyle/>
-          <a:p>
-            <a:fld id="{294A09A9-5501-47C1-A89A-A340965A2BE2}" type="slidenum">
-              <a:rPr lang="en-US" smtClean="0"/>
-              <a:pPr/>
-              <a:t>11</a:t>
-            </a:fld>
-            <a:endParaRPr lang="en-US" dirty="0"/>
-          </a:p>
-        </p:txBody>
-      </p:sp>
-    </p:spTree>
-    <p:extLst>
-      <p:ext uri="{BB962C8B-B14F-4D97-AF65-F5344CB8AC3E}">
-        <p14:creationId xmlns:p14="http://schemas.microsoft.com/office/powerpoint/2010/main" val="2512995102"/>
-      </p:ext>
-    </p:extLst>
-  </p:cSld>
-  <p:clrMapOvr>
-    <a:masterClrMapping/>
-  </p:clrMapOvr>
-  <p:transition>
-    <p:fade/>
-  </p:transition>
-</p:sld>
-</file>
-
-<file path=ppt/slides/slide12.xml><?xml version="1.0" encoding="utf-8"?>
-<p:sld xmlns:a="http://schemas.openxmlformats.org/drawingml/2006/main" xmlns:r="http://schemas.openxmlformats.org/officeDocument/2006/relationships" xmlns:p="http://schemas.openxmlformats.org/presentationml/2006/main">
-  <p:cSld>
-    <p:spTree>
-      <p:nvGrpSpPr>
-        <p:cNvPr id="1" name=""/>
-        <p:cNvGrpSpPr/>
-        <p:nvPr/>
-      </p:nvGrpSpPr>
-      <p:grpSpPr>
-        <a:xfrm>
-          <a:off x="0" y="0"/>
-          <a:ext cx="0" cy="0"/>
-          <a:chOff x="0" y="0"/>
-          <a:chExt cx="0" cy="0"/>
-        </a:xfrm>
-      </p:grpSpPr>
-      <p:sp>
-        <p:nvSpPr>
-          <p:cNvPr id="11" name="Rectangle 10">
-            <a:extLst>
-              <a:ext uri="{FF2B5EF4-FFF2-40B4-BE49-F238E27FC236}">
-                <a16:creationId xmlns:a16="http://schemas.microsoft.com/office/drawing/2014/main" id="{EC100C05-0550-213C-2A7A-88F3CD32BE23}"/>
-              </a:ext>
-            </a:extLst>
-          </p:cNvPr>
-          <p:cNvSpPr/>
-          <p:nvPr/>
-        </p:nvSpPr>
-        <p:spPr>
-          <a:xfrm>
             <a:off x="1114159" y="320849"/>
             <a:ext cx="9524144" cy="4921333"/>
           </a:xfrm>
@@ -22913,7 +20336,7 @@
             <a:fld id="{294A09A9-5501-47C1-A89A-A340965A2BE2}" type="slidenum">
               <a:rPr lang="en-US" smtClean="0"/>
               <a:pPr/>
-              <a:t>12</a:t>
+              <a:t>10</a:t>
             </a:fld>
             <a:endParaRPr lang="en-US" dirty="0"/>
           </a:p>
@@ -22935,105 +20358,7 @@
 </p:sld>
 </file>
 
-<file path=ppt/slides/slide13.xml><?xml version="1.0" encoding="utf-8"?>
-<p:sld xmlns:a="http://schemas.openxmlformats.org/drawingml/2006/main" xmlns:r="http://schemas.openxmlformats.org/officeDocument/2006/relationships" xmlns:p="http://schemas.openxmlformats.org/presentationml/2006/main">
-  <p:cSld>
-    <p:spTree>
-      <p:nvGrpSpPr>
-        <p:cNvPr id="1" name=""/>
-        <p:cNvGrpSpPr/>
-        <p:nvPr/>
-      </p:nvGrpSpPr>
-      <p:grpSpPr>
-        <a:xfrm>
-          <a:off x="0" y="0"/>
-          <a:ext cx="0" cy="0"/>
-          <a:chOff x="0" y="0"/>
-          <a:chExt cx="0" cy="0"/>
-        </a:xfrm>
-      </p:grpSpPr>
-      <p:sp>
-        <p:nvSpPr>
-          <p:cNvPr id="2" name="Title 1">
-            <a:extLst>
-              <a:ext uri="{FF2B5EF4-FFF2-40B4-BE49-F238E27FC236}">
-                <a16:creationId xmlns:a16="http://schemas.microsoft.com/office/drawing/2014/main" id="{33AF65A7-995A-9F45-891C-82D9B9D40801}"/>
-              </a:ext>
-            </a:extLst>
-          </p:cNvPr>
-          <p:cNvSpPr>
-            <a:spLocks noGrp="1"/>
-          </p:cNvSpPr>
-          <p:nvPr>
-            <p:ph type="title"/>
-          </p:nvPr>
-        </p:nvSpPr>
-        <p:spPr>
-          <a:xfrm>
-            <a:off x="1889961" y="1791018"/>
-            <a:ext cx="8412079" cy="2810460"/>
-          </a:xfrm>
-        </p:spPr>
-        <p:txBody>
-          <a:bodyPr>
-            <a:normAutofit/>
-          </a:bodyPr>
-          <a:lstStyle/>
-          <a:p>
-            <a:r>
-              <a:rPr lang="en-US" sz="8000" b="1" dirty="0"/>
-              <a:t>Development Environment</a:t>
-            </a:r>
-          </a:p>
-        </p:txBody>
-      </p:sp>
-      <p:sp>
-        <p:nvSpPr>
-          <p:cNvPr id="3" name="Slide Number Placeholder 2">
-            <a:extLst>
-              <a:ext uri="{FF2B5EF4-FFF2-40B4-BE49-F238E27FC236}">
-                <a16:creationId xmlns:a16="http://schemas.microsoft.com/office/drawing/2014/main" id="{D47C092C-4CD2-A390-675C-3ABCFD188B66}"/>
-              </a:ext>
-            </a:extLst>
-          </p:cNvPr>
-          <p:cNvSpPr>
-            <a:spLocks noGrp="1"/>
-          </p:cNvSpPr>
-          <p:nvPr>
-            <p:ph type="sldNum" sz="quarter" idx="12"/>
-          </p:nvPr>
-        </p:nvSpPr>
-        <p:spPr/>
-        <p:txBody>
-          <a:bodyPr/>
-          <a:lstStyle/>
-          <a:p>
-            <a:fld id="{294A09A9-5501-47C1-A89A-A340965A2BE2}" type="slidenum">
-              <a:rPr lang="en-US" smtClean="0"/>
-              <a:pPr/>
-              <a:t>13</a:t>
-            </a:fld>
-            <a:endParaRPr lang="en-US" dirty="0"/>
-          </a:p>
-        </p:txBody>
-      </p:sp>
-    </p:spTree>
-    <p:extLst>
-      <p:ext uri="{BB962C8B-B14F-4D97-AF65-F5344CB8AC3E}">
-        <p14:creationId xmlns:p14="http://schemas.microsoft.com/office/powerpoint/2010/main" val="2163402784"/>
-      </p:ext>
-    </p:extLst>
-  </p:cSld>
-  <p:clrMapOvr>
-    <a:masterClrMapping/>
-  </p:clrMapOvr>
-  <p:transition>
-    <p:fade/>
-  </p:transition>
-</p:sld>
-</file>
-
-<file path=ppt/slides/slide14.xml><?xml version="1.0" encoding="utf-8"?>
+<file path=ppt/slides/slide11.xml><?xml version="1.0" encoding="utf-8"?>
 <p:sld xmlns:a="http://schemas.openxmlformats.org/drawingml/2006/main" xmlns:r="http://schemas.openxmlformats.org/officeDocument/2006/relationships" xmlns:p="http://schemas.openxmlformats.org/presentationml/2006/main">
   <p:cSld>
     <p:spTree>
@@ -23913,7 +21238,7 @@
             <a:fld id="{294A09A9-5501-47C1-A89A-A340965A2BE2}" type="slidenum">
               <a:rPr lang="en-US" smtClean="0"/>
               <a:pPr/>
-              <a:t>14</a:t>
+              <a:t>11</a:t>
             </a:fld>
             <a:endParaRPr lang="en-US" dirty="0"/>
           </a:p>
@@ -23935,105 +21260,7 @@
 </p:sld>
 </file>
 
-<file path=ppt/slides/slide15.xml><?xml version="1.0" encoding="utf-8"?>
-<p:sld xmlns:a="http://schemas.openxmlformats.org/drawingml/2006/main" xmlns:r="http://schemas.openxmlformats.org/officeDocument/2006/relationships" xmlns:p="http://schemas.openxmlformats.org/presentationml/2006/main">
-  <p:cSld>
-    <p:spTree>
-      <p:nvGrpSpPr>
-        <p:cNvPr id="1" name=""/>
-        <p:cNvGrpSpPr/>
-        <p:nvPr/>
-      </p:nvGrpSpPr>
-      <p:grpSpPr>
-        <a:xfrm>
-          <a:off x="0" y="0"/>
-          <a:ext cx="0" cy="0"/>
-          <a:chOff x="0" y="0"/>
-          <a:chExt cx="0" cy="0"/>
-        </a:xfrm>
-      </p:grpSpPr>
-      <p:sp>
-        <p:nvSpPr>
-          <p:cNvPr id="2" name="Title 1">
-            <a:extLst>
-              <a:ext uri="{FF2B5EF4-FFF2-40B4-BE49-F238E27FC236}">
-                <a16:creationId xmlns:a16="http://schemas.microsoft.com/office/drawing/2014/main" id="{33AF65A7-995A-9F45-891C-82D9B9D40801}"/>
-              </a:ext>
-            </a:extLst>
-          </p:cNvPr>
-          <p:cNvSpPr>
-            <a:spLocks noGrp="1"/>
-          </p:cNvSpPr>
-          <p:nvPr>
-            <p:ph type="title"/>
-          </p:nvPr>
-        </p:nvSpPr>
-        <p:spPr>
-          <a:xfrm>
-            <a:off x="944980" y="2023770"/>
-            <a:ext cx="10302039" cy="2810460"/>
-          </a:xfrm>
-        </p:spPr>
-        <p:txBody>
-          <a:bodyPr>
-            <a:normAutofit/>
-          </a:bodyPr>
-          <a:lstStyle/>
-          <a:p>
-            <a:r>
-              <a:rPr lang="en-US" sz="8000" b="1" dirty="0"/>
-              <a:t>Estimated Timeline </a:t>
-            </a:r>
-          </a:p>
-        </p:txBody>
-      </p:sp>
-      <p:sp>
-        <p:nvSpPr>
-          <p:cNvPr id="3" name="Slide Number Placeholder 2">
-            <a:extLst>
-              <a:ext uri="{FF2B5EF4-FFF2-40B4-BE49-F238E27FC236}">
-                <a16:creationId xmlns:a16="http://schemas.microsoft.com/office/drawing/2014/main" id="{DE3505EA-D325-B548-E8D6-2573257FA8CE}"/>
-              </a:ext>
-            </a:extLst>
-          </p:cNvPr>
-          <p:cNvSpPr>
-            <a:spLocks noGrp="1"/>
-          </p:cNvSpPr>
-          <p:nvPr>
-            <p:ph type="sldNum" sz="quarter" idx="12"/>
-          </p:nvPr>
-        </p:nvSpPr>
-        <p:spPr/>
-        <p:txBody>
-          <a:bodyPr/>
-          <a:lstStyle/>
-          <a:p>
-            <a:fld id="{294A09A9-5501-47C1-A89A-A340965A2BE2}" type="slidenum">
-              <a:rPr lang="en-US" smtClean="0"/>
-              <a:pPr/>
-              <a:t>15</a:t>
-            </a:fld>
-            <a:endParaRPr lang="en-US" dirty="0"/>
-          </a:p>
-        </p:txBody>
-      </p:sp>
-    </p:spTree>
-    <p:extLst>
-      <p:ext uri="{BB962C8B-B14F-4D97-AF65-F5344CB8AC3E}">
-        <p14:creationId xmlns:p14="http://schemas.microsoft.com/office/powerpoint/2010/main" val="3718206932"/>
-      </p:ext>
-    </p:extLst>
-  </p:cSld>
-  <p:clrMapOvr>
-    <a:masterClrMapping/>
-  </p:clrMapOvr>
-  <p:transition>
-    <p:fade/>
-  </p:transition>
-</p:sld>
-</file>
-
-<file path=ppt/slides/slide16.xml><?xml version="1.0" encoding="utf-8"?>
+<file path=ppt/slides/slide12.xml><?xml version="1.0" encoding="utf-8"?>
 <p:sld xmlns:a="http://schemas.openxmlformats.org/drawingml/2006/main" xmlns:r="http://schemas.openxmlformats.org/officeDocument/2006/relationships" xmlns:p="http://schemas.openxmlformats.org/presentationml/2006/main">
   <p:cSld>
     <p:spTree>
@@ -24130,7 +21357,7 @@
             <a:fld id="{294A09A9-5501-47C1-A89A-A340965A2BE2}" type="slidenum">
               <a:rPr lang="en-US" smtClean="0"/>
               <a:pPr/>
-              <a:t>16</a:t>
+              <a:t>12</a:t>
             </a:fld>
             <a:endParaRPr lang="en-US" dirty="0"/>
           </a:p>
@@ -24152,7 +21379,7 @@
 </p:sld>
 </file>
 
-<file path=ppt/slides/slide17.xml><?xml version="1.0" encoding="utf-8"?>
+<file path=ppt/slides/slide13.xml><?xml version="1.0" encoding="utf-8"?>
 <p:sld xmlns:a="http://schemas.openxmlformats.org/drawingml/2006/main" xmlns:r="http://schemas.openxmlformats.org/officeDocument/2006/relationships" xmlns:p="http://schemas.openxmlformats.org/presentationml/2006/main">
   <p:cSld>
     <p:spTree>
@@ -24919,7 +22146,7 @@
             <a:fld id="{294A09A9-5501-47C1-A89A-A340965A2BE2}" type="slidenum">
               <a:rPr lang="en-US" smtClean="0"/>
               <a:pPr/>
-              <a:t>17</a:t>
+              <a:t>13</a:t>
             </a:fld>
             <a:endParaRPr lang="en-US" dirty="0"/>
           </a:p>
@@ -24941,7 +22168,7 @@
 </p:sld>
 </file>
 
-<file path=ppt/slides/slide18.xml><?xml version="1.0" encoding="utf-8"?>
+<file path=ppt/slides/slide14.xml><?xml version="1.0" encoding="utf-8"?>
 <p:sld xmlns:a="http://schemas.openxmlformats.org/drawingml/2006/main" xmlns:r="http://schemas.openxmlformats.org/officeDocument/2006/relationships" xmlns:p="http://schemas.openxmlformats.org/presentationml/2006/main">
   <p:cSld>
     <p:spTree>
@@ -25072,8 +22299,8 @@
         </p:nvSpPr>
         <p:spPr>
           <a:xfrm>
-            <a:off x="1739579" y="2301412"/>
-            <a:ext cx="8352890" cy="3048142"/>
+            <a:off x="1647215" y="2079740"/>
+            <a:ext cx="8352890" cy="2155205"/>
           </a:xfrm>
           <a:prstGeom prst="rect">
             <a:avLst/>
@@ -25125,28 +22352,6 @@
               <a:ea typeface="Calibri" panose="020F0502020204030204" pitchFamily="34" charset="0"/>
               <a:cs typeface="Latha" panose="020B0502040204020203" pitchFamily="34" charset="0"/>
             </a:endParaRPr>
-          </a:p>
-          <a:p>
-            <a:pPr marL="0" marR="0" algn="just">
-              <a:lnSpc>
-                <a:spcPct val="107000"/>
-              </a:lnSpc>
-              <a:spcBef>
-                <a:spcPts val="0"/>
-              </a:spcBef>
-              <a:spcAft>
-                <a:spcPts val="800"/>
-              </a:spcAft>
-            </a:pPr>
-            <a:r>
-              <a:rPr lang="en-US" sz="2400" kern="100" dirty="0">
-                <a:effectLst/>
-                <a:latin typeface="Calibri" panose="020F0502020204030204" pitchFamily="34" charset="0"/>
-                <a:ea typeface="Calibri" panose="020F0502020204030204" pitchFamily="34" charset="0"/>
-                <a:cs typeface="Latha" panose="020B0502040204020203" pitchFamily="34" charset="0"/>
-              </a:rPr>
-              <a:t>As a small business, you can use your inventory sheet and sales records to predict your customer needs and meet their demands.</a:t>
-            </a:r>
           </a:p>
           <a:p>
             <a:endParaRPr lang="en-US" dirty="0"/>
@@ -25200,104 +22405,6 @@
 </file>
 
 <file path=ppt/slides/slide3.xml><?xml version="1.0" encoding="utf-8"?>
-<p:sld xmlns:a="http://schemas.openxmlformats.org/drawingml/2006/main" xmlns:r="http://schemas.openxmlformats.org/officeDocument/2006/relationships" xmlns:p="http://schemas.openxmlformats.org/presentationml/2006/main">
-  <p:cSld>
-    <p:spTree>
-      <p:nvGrpSpPr>
-        <p:cNvPr id="1" name=""/>
-        <p:cNvGrpSpPr/>
-        <p:nvPr/>
-      </p:nvGrpSpPr>
-      <p:grpSpPr>
-        <a:xfrm>
-          <a:off x="0" y="0"/>
-          <a:ext cx="0" cy="0"/>
-          <a:chOff x="0" y="0"/>
-          <a:chExt cx="0" cy="0"/>
-        </a:xfrm>
-      </p:grpSpPr>
-      <p:sp>
-        <p:nvSpPr>
-          <p:cNvPr id="2" name="Title 1">
-            <a:extLst>
-              <a:ext uri="{FF2B5EF4-FFF2-40B4-BE49-F238E27FC236}">
-                <a16:creationId xmlns:a16="http://schemas.microsoft.com/office/drawing/2014/main" id="{33AF65A7-995A-9F45-891C-82D9B9D40801}"/>
-              </a:ext>
-            </a:extLst>
-          </p:cNvPr>
-          <p:cNvSpPr>
-            <a:spLocks noGrp="1"/>
-          </p:cNvSpPr>
-          <p:nvPr>
-            <p:ph type="title"/>
-          </p:nvPr>
-        </p:nvSpPr>
-        <p:spPr>
-          <a:xfrm>
-            <a:off x="1889961" y="1791018"/>
-            <a:ext cx="8412079" cy="2810460"/>
-          </a:xfrm>
-        </p:spPr>
-        <p:txBody>
-          <a:bodyPr>
-            <a:normAutofit/>
-          </a:bodyPr>
-          <a:lstStyle/>
-          <a:p>
-            <a:r>
-              <a:rPr lang="en-US" sz="8000" b="1" dirty="0"/>
-              <a:t>Objectives</a:t>
-            </a:r>
-          </a:p>
-        </p:txBody>
-      </p:sp>
-      <p:sp>
-        <p:nvSpPr>
-          <p:cNvPr id="3" name="Slide Number Placeholder 2">
-            <a:extLst>
-              <a:ext uri="{FF2B5EF4-FFF2-40B4-BE49-F238E27FC236}">
-                <a16:creationId xmlns:a16="http://schemas.microsoft.com/office/drawing/2014/main" id="{0F831A42-F6F8-E699-58EC-FE498821E3EE}"/>
-              </a:ext>
-            </a:extLst>
-          </p:cNvPr>
-          <p:cNvSpPr>
-            <a:spLocks noGrp="1"/>
-          </p:cNvSpPr>
-          <p:nvPr>
-            <p:ph type="sldNum" sz="quarter" idx="12"/>
-          </p:nvPr>
-        </p:nvSpPr>
-        <p:spPr/>
-        <p:txBody>
-          <a:bodyPr/>
-          <a:lstStyle/>
-          <a:p>
-            <a:fld id="{294A09A9-5501-47C1-A89A-A340965A2BE2}" type="slidenum">
-              <a:rPr lang="en-US" smtClean="0"/>
-              <a:pPr/>
-              <a:t>3</a:t>
-            </a:fld>
-            <a:endParaRPr lang="en-US" dirty="0"/>
-          </a:p>
-        </p:txBody>
-      </p:sp>
-    </p:spTree>
-    <p:extLst>
-      <p:ext uri="{BB962C8B-B14F-4D97-AF65-F5344CB8AC3E}">
-        <p14:creationId xmlns:p14="http://schemas.microsoft.com/office/powerpoint/2010/main" val="2639983765"/>
-      </p:ext>
-    </p:extLst>
-  </p:cSld>
-  <p:clrMapOvr>
-    <a:masterClrMapping/>
-  </p:clrMapOvr>
-  <p:transition>
-    <p:fade/>
-  </p:transition>
-</p:sld>
-</file>
-
-<file path=ppt/slides/slide4.xml><?xml version="1.0" encoding="utf-8"?>
 <p:sld xmlns:a="http://schemas.openxmlformats.org/drawingml/2006/main" xmlns:r="http://schemas.openxmlformats.org/officeDocument/2006/relationships" xmlns:p="http://schemas.openxmlformats.org/presentationml/2006/main">
   <p:cSld>
     <p:spTree>
@@ -25362,7 +22469,7 @@
         </p:nvSpPr>
         <p:spPr>
           <a:xfrm>
-            <a:off x="4308437" y="3977845"/>
+            <a:off x="2358074" y="3956669"/>
             <a:ext cx="3575125" cy="1200562"/>
           </a:xfrm>
           <a:prstGeom prst="roundRect">
@@ -25400,7 +22507,7 @@
               <a:rPr lang="en-US" sz="2400" b="1" dirty="0">
                 <a:latin typeface="+mj-lt"/>
               </a:rPr>
-              <a:t>Predicting Supply And Demand. </a:t>
+              <a:t>Maintain correct inventory</a:t>
             </a:r>
           </a:p>
         </p:txBody>
@@ -25457,7 +22564,7 @@
               <a:rPr lang="en-US" sz="2400" b="1" dirty="0">
                 <a:latin typeface="+mj-lt"/>
               </a:rPr>
-              <a:t>Cost Reduction. </a:t>
+              <a:t>Reduce Stockouts. </a:t>
             </a:r>
           </a:p>
         </p:txBody>
@@ -25543,9 +22650,66 @@
             <a:fld id="{294A09A9-5501-47C1-A89A-A340965A2BE2}" type="slidenum">
               <a:rPr lang="en-US" smtClean="0"/>
               <a:pPr/>
-              <a:t>4</a:t>
+              <a:t>3</a:t>
             </a:fld>
             <a:endParaRPr lang="en-US" dirty="0"/>
+          </a:p>
+        </p:txBody>
+      </p:sp>
+      <p:sp>
+        <p:nvSpPr>
+          <p:cNvPr id="4" name="Rectangle: Rounded Corners 3">
+            <a:extLst>
+              <a:ext uri="{FF2B5EF4-FFF2-40B4-BE49-F238E27FC236}">
+                <a16:creationId xmlns:a16="http://schemas.microsoft.com/office/drawing/2014/main" id="{A376E2DD-A956-C8ED-0CA7-F94AEB7D59AB}"/>
+              </a:ext>
+            </a:extLst>
+          </p:cNvPr>
+          <p:cNvSpPr/>
+          <p:nvPr/>
+        </p:nvSpPr>
+        <p:spPr>
+          <a:xfrm>
+            <a:off x="6321911" y="3956669"/>
+            <a:ext cx="3575125" cy="1200562"/>
+          </a:xfrm>
+          <a:prstGeom prst="roundRect">
+            <a:avLst/>
+          </a:prstGeom>
+          <a:solidFill>
+            <a:srgbClr val="0068FF"/>
+          </a:solidFill>
+          <a:ln>
+            <a:noFill/>
+          </a:ln>
+        </p:spPr>
+        <p:style>
+          <a:lnRef idx="2">
+            <a:schemeClr val="accent1">
+              <a:shade val="15000"/>
+            </a:schemeClr>
+          </a:lnRef>
+          <a:fillRef idx="1">
+            <a:schemeClr val="accent1"/>
+          </a:fillRef>
+          <a:effectRef idx="0">
+            <a:schemeClr val="accent1"/>
+          </a:effectRef>
+          <a:fontRef idx="minor">
+            <a:schemeClr val="lt1"/>
+          </a:fontRef>
+        </p:style>
+        <p:txBody>
+          <a:bodyPr rtlCol="0" anchor="ctr"/>
+          <a:lstStyle/>
+          <a:p>
+            <a:pPr algn="ctr"/>
+            <a:r>
+              <a:rPr lang="en-US" sz="2400" b="1" dirty="0">
+                <a:latin typeface="+mj-lt"/>
+              </a:rPr>
+              <a:t>Provide Real Time data </a:t>
+            </a:r>
           </a:p>
         </p:txBody>
       </p:sp>
@@ -25553,6 +22717,455 @@
     <p:extLst>
       <p:ext uri="{BB962C8B-B14F-4D97-AF65-F5344CB8AC3E}">
         <p14:creationId xmlns:p14="http://schemas.microsoft.com/office/powerpoint/2010/main" val="3208598292"/>
+      </p:ext>
+    </p:extLst>
+  </p:cSld>
+  <p:clrMapOvr>
+    <a:masterClrMapping/>
+  </p:clrMapOvr>
+</p:sld>
+</file>
+
+<file path=ppt/slides/slide4.xml><?xml version="1.0" encoding="utf-8"?>
+<p:sld xmlns:a="http://schemas.openxmlformats.org/drawingml/2006/main" xmlns:r="http://schemas.openxmlformats.org/officeDocument/2006/relationships" xmlns:p="http://schemas.openxmlformats.org/presentationml/2006/main">
+  <p:cSld>
+    <p:spTree>
+      <p:nvGrpSpPr>
+        <p:cNvPr id="1" name=""/>
+        <p:cNvGrpSpPr/>
+        <p:nvPr/>
+      </p:nvGrpSpPr>
+      <p:grpSpPr>
+        <a:xfrm>
+          <a:off x="0" y="0"/>
+          <a:ext cx="0" cy="0"/>
+          <a:chOff x="0" y="0"/>
+          <a:chExt cx="0" cy="0"/>
+        </a:xfrm>
+      </p:grpSpPr>
+      <p:sp>
+        <p:nvSpPr>
+          <p:cNvPr id="2" name="Title 1">
+            <a:extLst>
+              <a:ext uri="{FF2B5EF4-FFF2-40B4-BE49-F238E27FC236}">
+                <a16:creationId xmlns:a16="http://schemas.microsoft.com/office/drawing/2014/main" id="{89E58602-3863-B917-DE7F-70AEFACA93EB}"/>
+              </a:ext>
+            </a:extLst>
+          </p:cNvPr>
+          <p:cNvSpPr>
+            <a:spLocks noGrp="1"/>
+          </p:cNvSpPr>
+          <p:nvPr>
+            <p:ph type="title"/>
+          </p:nvPr>
+        </p:nvSpPr>
+        <p:spPr>
+          <a:xfrm>
+            <a:off x="4006361" y="397163"/>
+            <a:ext cx="4049967" cy="579727"/>
+          </a:xfrm>
+        </p:spPr>
+        <p:txBody>
+          <a:bodyPr/>
+          <a:lstStyle/>
+          <a:p>
+            <a:r>
+              <a:rPr lang="en-US" sz="4000" b="1" dirty="0"/>
+              <a:t>Requirements</a:t>
+            </a:r>
+            <a:endParaRPr lang="en-US" sz="4000" dirty="0"/>
+          </a:p>
+        </p:txBody>
+      </p:sp>
+      <p:sp>
+        <p:nvSpPr>
+          <p:cNvPr id="3" name="Content Placeholder 2">
+            <a:extLst>
+              <a:ext uri="{FF2B5EF4-FFF2-40B4-BE49-F238E27FC236}">
+                <a16:creationId xmlns:a16="http://schemas.microsoft.com/office/drawing/2014/main" id="{CEE32DC9-698F-C56A-8834-32AB349819EB}"/>
+              </a:ext>
+            </a:extLst>
+          </p:cNvPr>
+          <p:cNvSpPr>
+            <a:spLocks noGrp="1"/>
+          </p:cNvSpPr>
+          <p:nvPr>
+            <p:ph idx="1"/>
+          </p:nvPr>
+        </p:nvSpPr>
+        <p:spPr>
+          <a:xfrm>
+            <a:off x="920817" y="1091738"/>
+            <a:ext cx="9740763" cy="4937760"/>
+          </a:xfrm>
+        </p:spPr>
+        <p:txBody>
+          <a:bodyPr/>
+          <a:lstStyle/>
+          <a:p>
+            <a:pPr marR="0" algn="just">
+              <a:lnSpc>
+                <a:spcPct val="107000"/>
+              </a:lnSpc>
+              <a:spcBef>
+                <a:spcPts val="0"/>
+              </a:spcBef>
+              <a:spcAft>
+                <a:spcPts val="800"/>
+              </a:spcAft>
+            </a:pPr>
+            <a:r>
+              <a:rPr lang="en-US" sz="1400" b="1" kern="100" dirty="0">
+                <a:effectLst/>
+                <a:latin typeface="Calibri" panose="020F0502020204030204" pitchFamily="34" charset="0"/>
+                <a:ea typeface="Calibri" panose="020F0502020204030204" pitchFamily="34" charset="0"/>
+                <a:cs typeface="Latha" panose="020B0604020202020204" pitchFamily="34" charset="0"/>
+              </a:rPr>
+              <a:t>Functional Requirements:</a:t>
+            </a:r>
+          </a:p>
+          <a:p>
+            <a:pPr marL="342900" marR="0" indent="-342900" algn="just">
+              <a:lnSpc>
+                <a:spcPct val="107000"/>
+              </a:lnSpc>
+              <a:spcBef>
+                <a:spcPts val="0"/>
+              </a:spcBef>
+              <a:spcAft>
+                <a:spcPts val="800"/>
+              </a:spcAft>
+              <a:buFont typeface="Wingdings" panose="05000000000000000000" pitchFamily="2" charset="2"/>
+              <a:buChar char="§"/>
+            </a:pPr>
+            <a:r>
+              <a:rPr lang="en-US" sz="1400" kern="100" dirty="0">
+                <a:effectLst/>
+                <a:latin typeface="Calibri" panose="020F0502020204030204" pitchFamily="34" charset="0"/>
+                <a:ea typeface="Calibri" panose="020F0502020204030204" pitchFamily="34" charset="0"/>
+                <a:cs typeface="Latha" panose="020B0604020202020204" pitchFamily="34" charset="0"/>
+              </a:rPr>
+              <a:t>User Authentication and Authorization</a:t>
+            </a:r>
+          </a:p>
+          <a:p>
+            <a:pPr marL="342900" marR="0" lvl="0" indent="-342900">
+              <a:lnSpc>
+                <a:spcPct val="107000"/>
+              </a:lnSpc>
+              <a:spcBef>
+                <a:spcPts val="0"/>
+              </a:spcBef>
+              <a:spcAft>
+                <a:spcPts val="800"/>
+              </a:spcAft>
+              <a:buFont typeface="Wingdings" panose="05000000000000000000" pitchFamily="2" charset="2"/>
+              <a:buChar char="§"/>
+              <a:tabLst>
+                <a:tab pos="457200" algn="l"/>
+              </a:tabLst>
+            </a:pPr>
+            <a:r>
+              <a:rPr lang="en-US" sz="1400" kern="100" dirty="0">
+                <a:effectLst/>
+                <a:latin typeface="Calibri" panose="020F0502020204030204" pitchFamily="34" charset="0"/>
+                <a:ea typeface="Calibri" panose="020F0502020204030204" pitchFamily="34" charset="0"/>
+                <a:cs typeface="Latha" panose="020B0604020202020204" pitchFamily="34" charset="0"/>
+              </a:rPr>
+              <a:t>Product Management</a:t>
+            </a:r>
+          </a:p>
+          <a:p>
+            <a:pPr marL="342900" marR="0" lvl="0" indent="-342900">
+              <a:lnSpc>
+                <a:spcPct val="107000"/>
+              </a:lnSpc>
+              <a:spcBef>
+                <a:spcPts val="0"/>
+              </a:spcBef>
+              <a:spcAft>
+                <a:spcPts val="800"/>
+              </a:spcAft>
+              <a:buFont typeface="Wingdings" panose="05000000000000000000" pitchFamily="2" charset="2"/>
+              <a:buChar char="§"/>
+              <a:tabLst>
+                <a:tab pos="457200" algn="l"/>
+              </a:tabLst>
+            </a:pPr>
+            <a:r>
+              <a:rPr lang="en-US" sz="1400" kern="100" dirty="0">
+                <a:effectLst/>
+                <a:latin typeface="Calibri" panose="020F0502020204030204" pitchFamily="34" charset="0"/>
+                <a:ea typeface="Calibri" panose="020F0502020204030204" pitchFamily="34" charset="0"/>
+                <a:cs typeface="Latha" panose="020B0604020202020204" pitchFamily="34" charset="0"/>
+              </a:rPr>
+              <a:t>Inventory Tracking</a:t>
+            </a:r>
+          </a:p>
+          <a:p>
+            <a:pPr marL="342900" marR="0" lvl="0" indent="-342900">
+              <a:lnSpc>
+                <a:spcPct val="107000"/>
+              </a:lnSpc>
+              <a:spcBef>
+                <a:spcPts val="0"/>
+              </a:spcBef>
+              <a:spcAft>
+                <a:spcPts val="800"/>
+              </a:spcAft>
+              <a:buFont typeface="Wingdings" panose="05000000000000000000" pitchFamily="2" charset="2"/>
+              <a:buChar char="§"/>
+              <a:tabLst>
+                <a:tab pos="457200" algn="l"/>
+              </a:tabLst>
+            </a:pPr>
+            <a:r>
+              <a:rPr lang="en-US" sz="1400" kern="100" dirty="0">
+                <a:effectLst/>
+                <a:latin typeface="Calibri" panose="020F0502020204030204" pitchFamily="34" charset="0"/>
+                <a:ea typeface="Calibri" panose="020F0502020204030204" pitchFamily="34" charset="0"/>
+                <a:cs typeface="Latha" panose="020B0604020202020204" pitchFamily="34" charset="0"/>
+              </a:rPr>
+              <a:t>Low Stock Alerts</a:t>
+            </a:r>
+          </a:p>
+          <a:p>
+            <a:pPr marL="342900" marR="0" lvl="0" indent="-342900">
+              <a:lnSpc>
+                <a:spcPct val="107000"/>
+              </a:lnSpc>
+              <a:spcBef>
+                <a:spcPts val="0"/>
+              </a:spcBef>
+              <a:spcAft>
+                <a:spcPts val="800"/>
+              </a:spcAft>
+              <a:buFont typeface="Wingdings" panose="05000000000000000000" pitchFamily="2" charset="2"/>
+              <a:buChar char="§"/>
+              <a:tabLst>
+                <a:tab pos="457200" algn="l"/>
+              </a:tabLst>
+            </a:pPr>
+            <a:r>
+              <a:rPr lang="en-US" sz="1400" kern="100" dirty="0">
+                <a:effectLst/>
+                <a:latin typeface="Calibri" panose="020F0502020204030204" pitchFamily="34" charset="0"/>
+                <a:ea typeface="Calibri" panose="020F0502020204030204" pitchFamily="34" charset="0"/>
+                <a:cs typeface="Latha" panose="020B0604020202020204" pitchFamily="34" charset="0"/>
+              </a:rPr>
+              <a:t>Sales Record Management</a:t>
+            </a:r>
+          </a:p>
+          <a:p>
+            <a:pPr marR="0" algn="just">
+              <a:lnSpc>
+                <a:spcPct val="107000"/>
+              </a:lnSpc>
+              <a:spcBef>
+                <a:spcPts val="0"/>
+              </a:spcBef>
+              <a:spcAft>
+                <a:spcPts val="800"/>
+              </a:spcAft>
+            </a:pPr>
+            <a:r>
+              <a:rPr lang="en-US" sz="1400" b="1" kern="100" dirty="0">
+                <a:effectLst/>
+                <a:latin typeface="Calibri" panose="020F0502020204030204" pitchFamily="34" charset="0"/>
+                <a:ea typeface="Calibri" panose="020F0502020204030204" pitchFamily="34" charset="0"/>
+                <a:cs typeface="Latha" panose="020B0604020202020204" pitchFamily="34" charset="0"/>
+              </a:rPr>
+              <a:t>Non-Functional Requirements:</a:t>
+            </a:r>
+          </a:p>
+          <a:p>
+            <a:pPr marL="342900" marR="0" indent="-342900" algn="just">
+              <a:lnSpc>
+                <a:spcPct val="107000"/>
+              </a:lnSpc>
+              <a:spcBef>
+                <a:spcPts val="0"/>
+              </a:spcBef>
+              <a:spcAft>
+                <a:spcPts val="800"/>
+              </a:spcAft>
+              <a:buFont typeface="Wingdings" panose="05000000000000000000" pitchFamily="2" charset="2"/>
+              <a:buChar char="§"/>
+            </a:pPr>
+            <a:r>
+              <a:rPr lang="en-US" sz="1400" kern="100" dirty="0">
+                <a:effectLst/>
+                <a:latin typeface="Calibri" panose="020F0502020204030204" pitchFamily="34" charset="0"/>
+                <a:ea typeface="Calibri" panose="020F0502020204030204" pitchFamily="34" charset="0"/>
+                <a:cs typeface="Latha" panose="020B0604020202020204" pitchFamily="34" charset="0"/>
+              </a:rPr>
+              <a:t>An easy-to-use interface that doesn’t require advanced training, support or documentation.</a:t>
+            </a:r>
+          </a:p>
+          <a:p>
+            <a:pPr marL="342900" marR="0" indent="-342900" algn="just">
+              <a:lnSpc>
+                <a:spcPct val="107000"/>
+              </a:lnSpc>
+              <a:spcBef>
+                <a:spcPts val="0"/>
+              </a:spcBef>
+              <a:spcAft>
+                <a:spcPts val="800"/>
+              </a:spcAft>
+              <a:buFont typeface="Wingdings" panose="05000000000000000000" pitchFamily="2" charset="2"/>
+              <a:buChar char="§"/>
+            </a:pPr>
+            <a:r>
+              <a:rPr lang="en-US" sz="1400" kern="100" dirty="0">
+                <a:effectLst/>
+                <a:latin typeface="Calibri" panose="020F0502020204030204" pitchFamily="34" charset="0"/>
+                <a:ea typeface="Calibri" panose="020F0502020204030204" pitchFamily="34" charset="0"/>
+                <a:cs typeface="Latha" panose="020B0604020202020204" pitchFamily="34" charset="0"/>
+              </a:rPr>
+              <a:t>A reliable, secure database that provides accurate, real-time data.</a:t>
+            </a:r>
+          </a:p>
+          <a:p>
+            <a:pPr marL="342900" marR="0" indent="-342900" algn="just">
+              <a:lnSpc>
+                <a:spcPct val="107000"/>
+              </a:lnSpc>
+              <a:spcBef>
+                <a:spcPts val="0"/>
+              </a:spcBef>
+              <a:spcAft>
+                <a:spcPts val="800"/>
+              </a:spcAft>
+              <a:buFont typeface="Wingdings" panose="05000000000000000000" pitchFamily="2" charset="2"/>
+              <a:buChar char="§"/>
+            </a:pPr>
+            <a:r>
+              <a:rPr lang="en-US" sz="1400" kern="100" dirty="0">
+                <a:effectLst/>
+                <a:latin typeface="Calibri" panose="020F0502020204030204" pitchFamily="34" charset="0"/>
+                <a:ea typeface="Calibri" panose="020F0502020204030204" pitchFamily="34" charset="0"/>
+                <a:cs typeface="Latha" panose="020B0604020202020204" pitchFamily="34" charset="0"/>
+              </a:rPr>
+              <a:t>Performance that enables fast, actionable inventory monitoring and control.</a:t>
+            </a:r>
+          </a:p>
+          <a:p>
+            <a:pPr marL="342900" marR="0" indent="-342900" algn="just">
+              <a:lnSpc>
+                <a:spcPct val="107000"/>
+              </a:lnSpc>
+              <a:spcBef>
+                <a:spcPts val="0"/>
+              </a:spcBef>
+              <a:spcAft>
+                <a:spcPts val="800"/>
+              </a:spcAft>
+              <a:buFont typeface="Wingdings" panose="05000000000000000000" pitchFamily="2" charset="2"/>
+              <a:buChar char="§"/>
+            </a:pPr>
+            <a:r>
+              <a:rPr lang="en-US" sz="1400" kern="100" dirty="0">
+                <a:effectLst/>
+                <a:latin typeface="Calibri" panose="020F0502020204030204" pitchFamily="34" charset="0"/>
+                <a:ea typeface="Calibri" panose="020F0502020204030204" pitchFamily="34" charset="0"/>
+                <a:cs typeface="Latha" panose="020B0604020202020204" pitchFamily="34" charset="0"/>
+              </a:rPr>
+              <a:t>The ability for administrators to easily add software modules with minimal configuration so that the system is scalable.</a:t>
+            </a:r>
+          </a:p>
+          <a:p>
+            <a:pPr marL="0" marR="0" algn="just">
+              <a:lnSpc>
+                <a:spcPct val="107000"/>
+              </a:lnSpc>
+              <a:spcBef>
+                <a:spcPts val="0"/>
+              </a:spcBef>
+              <a:spcAft>
+                <a:spcPts val="800"/>
+              </a:spcAft>
+            </a:pPr>
+            <a:endParaRPr lang="en-US" sz="1400" kern="100" dirty="0">
+              <a:effectLst/>
+              <a:latin typeface="Calibri" panose="020F0502020204030204" pitchFamily="34" charset="0"/>
+              <a:ea typeface="Calibri" panose="020F0502020204030204" pitchFamily="34" charset="0"/>
+              <a:cs typeface="Latha" panose="020B0604020202020204" pitchFamily="34" charset="0"/>
+            </a:endParaRPr>
+          </a:p>
+          <a:p>
+            <a:pPr marL="0" marR="0" algn="just">
+              <a:lnSpc>
+                <a:spcPct val="107000"/>
+              </a:lnSpc>
+              <a:spcBef>
+                <a:spcPts val="0"/>
+              </a:spcBef>
+              <a:spcAft>
+                <a:spcPts val="800"/>
+              </a:spcAft>
+            </a:pPr>
+            <a:endParaRPr lang="en-US" sz="2400" kern="100" dirty="0">
+              <a:latin typeface="Calibri" panose="020F0502020204030204" pitchFamily="34" charset="0"/>
+              <a:ea typeface="Calibri" panose="020F0502020204030204" pitchFamily="34" charset="0"/>
+              <a:cs typeface="Latha" panose="020B0604020202020204" pitchFamily="34" charset="0"/>
+            </a:endParaRPr>
+          </a:p>
+          <a:p>
+            <a:pPr marL="0" marR="0" algn="just">
+              <a:lnSpc>
+                <a:spcPct val="107000"/>
+              </a:lnSpc>
+              <a:spcBef>
+                <a:spcPts val="0"/>
+              </a:spcBef>
+              <a:spcAft>
+                <a:spcPts val="800"/>
+              </a:spcAft>
+            </a:pPr>
+            <a:endParaRPr lang="en-US" sz="2400" kern="100" dirty="0">
+              <a:effectLst/>
+              <a:latin typeface="Calibri" panose="020F0502020204030204" pitchFamily="34" charset="0"/>
+              <a:ea typeface="Calibri" panose="020F0502020204030204" pitchFamily="34" charset="0"/>
+              <a:cs typeface="Latha" panose="020B0604020202020204" pitchFamily="34" charset="0"/>
+            </a:endParaRPr>
+          </a:p>
+        </p:txBody>
+      </p:sp>
+      <p:sp>
+        <p:nvSpPr>
+          <p:cNvPr id="4" name="Slide Number Placeholder 3">
+            <a:extLst>
+              <a:ext uri="{FF2B5EF4-FFF2-40B4-BE49-F238E27FC236}">
+                <a16:creationId xmlns:a16="http://schemas.microsoft.com/office/drawing/2014/main" id="{2F7CD3C3-0102-FBCE-4573-547CCB940856}"/>
+              </a:ext>
+            </a:extLst>
+          </p:cNvPr>
+          <p:cNvSpPr>
+            <a:spLocks noGrp="1"/>
+          </p:cNvSpPr>
+          <p:nvPr>
+            <p:ph type="sldNum" sz="quarter" idx="4"/>
+          </p:nvPr>
+        </p:nvSpPr>
+        <p:spPr/>
+        <p:txBody>
+          <a:bodyPr/>
+          <a:lstStyle/>
+          <a:p>
+            <a:fld id="{294A09A9-5501-47C1-A89A-A340965A2BE2}" type="slidenum">
+              <a:rPr lang="en-US" smtClean="0"/>
+              <a:pPr/>
+              <a:t>4</a:t>
+            </a:fld>
+            <a:endParaRPr lang="en-US" dirty="0"/>
+          </a:p>
+        </p:txBody>
+      </p:sp>
+    </p:spTree>
+    <p:extLst>
+      <p:ext uri="{BB962C8B-B14F-4D97-AF65-F5344CB8AC3E}">
+        <p14:creationId xmlns:p14="http://schemas.microsoft.com/office/powerpoint/2010/main" val="2985686951"/>
       </p:ext>
     </p:extLst>
   </p:cSld>
@@ -25609,553 +23222,6 @@
           <a:p>
             <a:r>
               <a:rPr lang="en-US" sz="8000" b="1" dirty="0"/>
-              <a:t>Requirements</a:t>
-            </a:r>
-          </a:p>
-        </p:txBody>
-      </p:sp>
-      <p:sp>
-        <p:nvSpPr>
-          <p:cNvPr id="3" name="Slide Number Placeholder 2">
-            <a:extLst>
-              <a:ext uri="{FF2B5EF4-FFF2-40B4-BE49-F238E27FC236}">
-                <a16:creationId xmlns:a16="http://schemas.microsoft.com/office/drawing/2014/main" id="{49F7BB59-3D2B-8FAB-1D25-8D8F66E25173}"/>
-              </a:ext>
-            </a:extLst>
-          </p:cNvPr>
-          <p:cNvSpPr>
-            <a:spLocks noGrp="1"/>
-          </p:cNvSpPr>
-          <p:nvPr>
-            <p:ph type="sldNum" sz="quarter" idx="12"/>
-          </p:nvPr>
-        </p:nvSpPr>
-        <p:spPr/>
-        <p:txBody>
-          <a:bodyPr/>
-          <a:lstStyle/>
-          <a:p>
-            <a:fld id="{294A09A9-5501-47C1-A89A-A340965A2BE2}" type="slidenum">
-              <a:rPr lang="en-US" smtClean="0"/>
-              <a:pPr/>
-              <a:t>5</a:t>
-            </a:fld>
-            <a:endParaRPr lang="en-US" dirty="0"/>
-          </a:p>
-        </p:txBody>
-      </p:sp>
-    </p:spTree>
-    <p:extLst>
-      <p:ext uri="{BB962C8B-B14F-4D97-AF65-F5344CB8AC3E}">
-        <p14:creationId xmlns:p14="http://schemas.microsoft.com/office/powerpoint/2010/main" val="3729370850"/>
-      </p:ext>
-    </p:extLst>
-  </p:cSld>
-  <p:clrMapOvr>
-    <a:masterClrMapping/>
-  </p:clrMapOvr>
-  <p:transition>
-    <p:fade/>
-  </p:transition>
-</p:sld>
-</file>
-
-<file path=ppt/slides/slide6.xml><?xml version="1.0" encoding="utf-8"?>
-<p:sld xmlns:a="http://schemas.openxmlformats.org/drawingml/2006/main" xmlns:r="http://schemas.openxmlformats.org/officeDocument/2006/relationships" xmlns:p="http://schemas.openxmlformats.org/presentationml/2006/main">
-  <p:cSld>
-    <p:spTree>
-      <p:nvGrpSpPr>
-        <p:cNvPr id="1" name=""/>
-        <p:cNvGrpSpPr/>
-        <p:nvPr/>
-      </p:nvGrpSpPr>
-      <p:grpSpPr>
-        <a:xfrm>
-          <a:off x="0" y="0"/>
-          <a:ext cx="0" cy="0"/>
-          <a:chOff x="0" y="0"/>
-          <a:chExt cx="0" cy="0"/>
-        </a:xfrm>
-      </p:grpSpPr>
-      <p:sp>
-        <p:nvSpPr>
-          <p:cNvPr id="2" name="Title 1">
-            <a:extLst>
-              <a:ext uri="{FF2B5EF4-FFF2-40B4-BE49-F238E27FC236}">
-                <a16:creationId xmlns:a16="http://schemas.microsoft.com/office/drawing/2014/main" id="{89E58602-3863-B917-DE7F-70AEFACA93EB}"/>
-              </a:ext>
-            </a:extLst>
-          </p:cNvPr>
-          <p:cNvSpPr>
-            <a:spLocks noGrp="1"/>
-          </p:cNvSpPr>
-          <p:nvPr>
-            <p:ph type="title"/>
-          </p:nvPr>
-        </p:nvSpPr>
-        <p:spPr>
-          <a:xfrm>
-            <a:off x="4006361" y="397163"/>
-            <a:ext cx="4049967" cy="579727"/>
-          </a:xfrm>
-        </p:spPr>
-        <p:txBody>
-          <a:bodyPr/>
-          <a:lstStyle/>
-          <a:p>
-            <a:r>
-              <a:rPr lang="en-US" sz="4000" b="1" dirty="0"/>
-              <a:t>Requirements</a:t>
-            </a:r>
-            <a:endParaRPr lang="en-US" sz="4000" dirty="0"/>
-          </a:p>
-        </p:txBody>
-      </p:sp>
-      <p:sp>
-        <p:nvSpPr>
-          <p:cNvPr id="3" name="Content Placeholder 2">
-            <a:extLst>
-              <a:ext uri="{FF2B5EF4-FFF2-40B4-BE49-F238E27FC236}">
-                <a16:creationId xmlns:a16="http://schemas.microsoft.com/office/drawing/2014/main" id="{CEE32DC9-698F-C56A-8834-32AB349819EB}"/>
-              </a:ext>
-            </a:extLst>
-          </p:cNvPr>
-          <p:cNvSpPr>
-            <a:spLocks noGrp="1"/>
-          </p:cNvSpPr>
-          <p:nvPr>
-            <p:ph idx="1"/>
-          </p:nvPr>
-        </p:nvSpPr>
-        <p:spPr>
-          <a:xfrm>
-            <a:off x="920817" y="1091738"/>
-            <a:ext cx="9740763" cy="4937760"/>
-          </a:xfrm>
-        </p:spPr>
-        <p:txBody>
-          <a:bodyPr/>
-          <a:lstStyle/>
-          <a:p>
-            <a:pPr marR="0" algn="just">
-              <a:lnSpc>
-                <a:spcPct val="107000"/>
-              </a:lnSpc>
-              <a:spcBef>
-                <a:spcPts val="0"/>
-              </a:spcBef>
-              <a:spcAft>
-                <a:spcPts val="800"/>
-              </a:spcAft>
-            </a:pPr>
-            <a:r>
-              <a:rPr lang="en-US" sz="1400" b="1" kern="100" dirty="0">
-                <a:effectLst/>
-                <a:latin typeface="Calibri" panose="020F0502020204030204" pitchFamily="34" charset="0"/>
-                <a:ea typeface="Calibri" panose="020F0502020204030204" pitchFamily="34" charset="0"/>
-                <a:cs typeface="Latha" panose="020B0604020202020204" pitchFamily="34" charset="0"/>
-              </a:rPr>
-              <a:t>Functional Requirements:</a:t>
-            </a:r>
-          </a:p>
-          <a:p>
-            <a:pPr marL="342900" marR="0" indent="-342900" algn="just">
-              <a:lnSpc>
-                <a:spcPct val="107000"/>
-              </a:lnSpc>
-              <a:spcBef>
-                <a:spcPts val="0"/>
-              </a:spcBef>
-              <a:spcAft>
-                <a:spcPts val="800"/>
-              </a:spcAft>
-              <a:buFont typeface="Wingdings" panose="05000000000000000000" pitchFamily="2" charset="2"/>
-              <a:buChar char="§"/>
-            </a:pPr>
-            <a:r>
-              <a:rPr lang="en-US" sz="1400" kern="100" dirty="0">
-                <a:effectLst/>
-                <a:latin typeface="Calibri" panose="020F0502020204030204" pitchFamily="34" charset="0"/>
-                <a:ea typeface="Calibri" panose="020F0502020204030204" pitchFamily="34" charset="0"/>
-                <a:cs typeface="Latha" panose="020B0604020202020204" pitchFamily="34" charset="0"/>
-              </a:rPr>
-              <a:t>User Authentication and Authorization</a:t>
-            </a:r>
-          </a:p>
-          <a:p>
-            <a:pPr marL="342900" marR="0" lvl="0" indent="-342900">
-              <a:lnSpc>
-                <a:spcPct val="107000"/>
-              </a:lnSpc>
-              <a:spcBef>
-                <a:spcPts val="0"/>
-              </a:spcBef>
-              <a:spcAft>
-                <a:spcPts val="800"/>
-              </a:spcAft>
-              <a:buFont typeface="Wingdings" panose="05000000000000000000" pitchFamily="2" charset="2"/>
-              <a:buChar char="§"/>
-              <a:tabLst>
-                <a:tab pos="457200" algn="l"/>
-              </a:tabLst>
-            </a:pPr>
-            <a:r>
-              <a:rPr lang="en-US" sz="1400" kern="100" dirty="0">
-                <a:effectLst/>
-                <a:latin typeface="Calibri" panose="020F0502020204030204" pitchFamily="34" charset="0"/>
-                <a:ea typeface="Calibri" panose="020F0502020204030204" pitchFamily="34" charset="0"/>
-                <a:cs typeface="Latha" panose="020B0604020202020204" pitchFamily="34" charset="0"/>
-              </a:rPr>
-              <a:t>Product Management</a:t>
-            </a:r>
-          </a:p>
-          <a:p>
-            <a:pPr marL="342900" marR="0" lvl="0" indent="-342900">
-              <a:lnSpc>
-                <a:spcPct val="107000"/>
-              </a:lnSpc>
-              <a:spcBef>
-                <a:spcPts val="0"/>
-              </a:spcBef>
-              <a:spcAft>
-                <a:spcPts val="800"/>
-              </a:spcAft>
-              <a:buFont typeface="Wingdings" panose="05000000000000000000" pitchFamily="2" charset="2"/>
-              <a:buChar char="§"/>
-              <a:tabLst>
-                <a:tab pos="457200" algn="l"/>
-              </a:tabLst>
-            </a:pPr>
-            <a:r>
-              <a:rPr lang="en-US" sz="1400" kern="100" dirty="0">
-                <a:effectLst/>
-                <a:latin typeface="Calibri" panose="020F0502020204030204" pitchFamily="34" charset="0"/>
-                <a:ea typeface="Calibri" panose="020F0502020204030204" pitchFamily="34" charset="0"/>
-                <a:cs typeface="Latha" panose="020B0604020202020204" pitchFamily="34" charset="0"/>
-              </a:rPr>
-              <a:t>Inventory Tracking</a:t>
-            </a:r>
-          </a:p>
-          <a:p>
-            <a:pPr marL="342900" marR="0" lvl="0" indent="-342900">
-              <a:lnSpc>
-                <a:spcPct val="107000"/>
-              </a:lnSpc>
-              <a:spcBef>
-                <a:spcPts val="0"/>
-              </a:spcBef>
-              <a:spcAft>
-                <a:spcPts val="800"/>
-              </a:spcAft>
-              <a:buFont typeface="Wingdings" panose="05000000000000000000" pitchFamily="2" charset="2"/>
-              <a:buChar char="§"/>
-              <a:tabLst>
-                <a:tab pos="457200" algn="l"/>
-              </a:tabLst>
-            </a:pPr>
-            <a:r>
-              <a:rPr lang="en-US" sz="1400" kern="100" dirty="0">
-                <a:effectLst/>
-                <a:latin typeface="Calibri" panose="020F0502020204030204" pitchFamily="34" charset="0"/>
-                <a:ea typeface="Calibri" panose="020F0502020204030204" pitchFamily="34" charset="0"/>
-                <a:cs typeface="Latha" panose="020B0604020202020204" pitchFamily="34" charset="0"/>
-              </a:rPr>
-              <a:t>Low Stock Alerts</a:t>
-            </a:r>
-          </a:p>
-          <a:p>
-            <a:pPr marL="342900" marR="0" lvl="0" indent="-342900">
-              <a:lnSpc>
-                <a:spcPct val="107000"/>
-              </a:lnSpc>
-              <a:spcBef>
-                <a:spcPts val="0"/>
-              </a:spcBef>
-              <a:spcAft>
-                <a:spcPts val="800"/>
-              </a:spcAft>
-              <a:buFont typeface="Wingdings" panose="05000000000000000000" pitchFamily="2" charset="2"/>
-              <a:buChar char="§"/>
-              <a:tabLst>
-                <a:tab pos="457200" algn="l"/>
-              </a:tabLst>
-            </a:pPr>
-            <a:r>
-              <a:rPr lang="en-US" sz="1400" kern="100" dirty="0">
-                <a:effectLst/>
-                <a:latin typeface="Calibri" panose="020F0502020204030204" pitchFamily="34" charset="0"/>
-                <a:ea typeface="Calibri" panose="020F0502020204030204" pitchFamily="34" charset="0"/>
-                <a:cs typeface="Latha" panose="020B0604020202020204" pitchFamily="34" charset="0"/>
-              </a:rPr>
-              <a:t>Sales Record Management</a:t>
-            </a:r>
-          </a:p>
-          <a:p>
-            <a:pPr marR="0" algn="just">
-              <a:lnSpc>
-                <a:spcPct val="107000"/>
-              </a:lnSpc>
-              <a:spcBef>
-                <a:spcPts val="0"/>
-              </a:spcBef>
-              <a:spcAft>
-                <a:spcPts val="800"/>
-              </a:spcAft>
-            </a:pPr>
-            <a:r>
-              <a:rPr lang="en-US" sz="1400" b="1" kern="100" dirty="0">
-                <a:effectLst/>
-                <a:latin typeface="Calibri" panose="020F0502020204030204" pitchFamily="34" charset="0"/>
-                <a:ea typeface="Calibri" panose="020F0502020204030204" pitchFamily="34" charset="0"/>
-                <a:cs typeface="Latha" panose="020B0604020202020204" pitchFamily="34" charset="0"/>
-              </a:rPr>
-              <a:t>Non-Functional Requirements:</a:t>
-            </a:r>
-          </a:p>
-          <a:p>
-            <a:pPr marL="342900" marR="0" indent="-342900" algn="just">
-              <a:lnSpc>
-                <a:spcPct val="107000"/>
-              </a:lnSpc>
-              <a:spcBef>
-                <a:spcPts val="0"/>
-              </a:spcBef>
-              <a:spcAft>
-                <a:spcPts val="800"/>
-              </a:spcAft>
-              <a:buFont typeface="Wingdings" panose="05000000000000000000" pitchFamily="2" charset="2"/>
-              <a:buChar char="§"/>
-            </a:pPr>
-            <a:r>
-              <a:rPr lang="en-US" sz="1400" kern="100" dirty="0">
-                <a:effectLst/>
-                <a:latin typeface="Calibri" panose="020F0502020204030204" pitchFamily="34" charset="0"/>
-                <a:ea typeface="Calibri" panose="020F0502020204030204" pitchFamily="34" charset="0"/>
-                <a:cs typeface="Latha" panose="020B0604020202020204" pitchFamily="34" charset="0"/>
-              </a:rPr>
-              <a:t>An easy-to-use interface that doesn’t require advanced training, support or documentation.</a:t>
-            </a:r>
-          </a:p>
-          <a:p>
-            <a:pPr marL="342900" marR="0" indent="-342900" algn="just">
-              <a:lnSpc>
-                <a:spcPct val="107000"/>
-              </a:lnSpc>
-              <a:spcBef>
-                <a:spcPts val="0"/>
-              </a:spcBef>
-              <a:spcAft>
-                <a:spcPts val="800"/>
-              </a:spcAft>
-              <a:buFont typeface="Wingdings" panose="05000000000000000000" pitchFamily="2" charset="2"/>
-              <a:buChar char="§"/>
-            </a:pPr>
-            <a:r>
-              <a:rPr lang="en-US" sz="1400" kern="100" dirty="0">
-                <a:effectLst/>
-                <a:latin typeface="Calibri" panose="020F0502020204030204" pitchFamily="34" charset="0"/>
-                <a:ea typeface="Calibri" panose="020F0502020204030204" pitchFamily="34" charset="0"/>
-                <a:cs typeface="Latha" panose="020B0604020202020204" pitchFamily="34" charset="0"/>
-              </a:rPr>
-              <a:t>A reliable, secure database that provides accurate, real-time data.</a:t>
-            </a:r>
-          </a:p>
-          <a:p>
-            <a:pPr marL="342900" marR="0" indent="-342900" algn="just">
-              <a:lnSpc>
-                <a:spcPct val="107000"/>
-              </a:lnSpc>
-              <a:spcBef>
-                <a:spcPts val="0"/>
-              </a:spcBef>
-              <a:spcAft>
-                <a:spcPts val="800"/>
-              </a:spcAft>
-              <a:buFont typeface="Wingdings" panose="05000000000000000000" pitchFamily="2" charset="2"/>
-              <a:buChar char="§"/>
-            </a:pPr>
-            <a:r>
-              <a:rPr lang="en-US" sz="1400" kern="100" dirty="0">
-                <a:effectLst/>
-                <a:latin typeface="Calibri" panose="020F0502020204030204" pitchFamily="34" charset="0"/>
-                <a:ea typeface="Calibri" panose="020F0502020204030204" pitchFamily="34" charset="0"/>
-                <a:cs typeface="Latha" panose="020B0604020202020204" pitchFamily="34" charset="0"/>
-              </a:rPr>
-              <a:t>Performance that enables fast, actionable inventory monitoring and control.</a:t>
-            </a:r>
-          </a:p>
-          <a:p>
-            <a:pPr marL="342900" marR="0" indent="-342900" algn="just">
-              <a:lnSpc>
-                <a:spcPct val="107000"/>
-              </a:lnSpc>
-              <a:spcBef>
-                <a:spcPts val="0"/>
-              </a:spcBef>
-              <a:spcAft>
-                <a:spcPts val="800"/>
-              </a:spcAft>
-              <a:buFont typeface="Wingdings" panose="05000000000000000000" pitchFamily="2" charset="2"/>
-              <a:buChar char="§"/>
-            </a:pPr>
-            <a:r>
-              <a:rPr lang="en-US" sz="1400" kern="100" dirty="0">
-                <a:effectLst/>
-                <a:latin typeface="Calibri" panose="020F0502020204030204" pitchFamily="34" charset="0"/>
-                <a:ea typeface="Calibri" panose="020F0502020204030204" pitchFamily="34" charset="0"/>
-                <a:cs typeface="Latha" panose="020B0604020202020204" pitchFamily="34" charset="0"/>
-              </a:rPr>
-              <a:t>The ability for administrators to easily add software modules with minimal configuration so that the system is scalable.</a:t>
-            </a:r>
-          </a:p>
-          <a:p>
-            <a:pPr marL="0" marR="0" algn="just">
-              <a:lnSpc>
-                <a:spcPct val="107000"/>
-              </a:lnSpc>
-              <a:spcBef>
-                <a:spcPts val="0"/>
-              </a:spcBef>
-              <a:spcAft>
-                <a:spcPts val="800"/>
-              </a:spcAft>
-            </a:pPr>
-            <a:endParaRPr lang="en-US" sz="1400" kern="100" dirty="0">
-              <a:effectLst/>
-              <a:latin typeface="Calibri" panose="020F0502020204030204" pitchFamily="34" charset="0"/>
-              <a:ea typeface="Calibri" panose="020F0502020204030204" pitchFamily="34" charset="0"/>
-              <a:cs typeface="Latha" panose="020B0604020202020204" pitchFamily="34" charset="0"/>
-            </a:endParaRPr>
-          </a:p>
-          <a:p>
-            <a:pPr marL="0" marR="0" algn="just">
-              <a:lnSpc>
-                <a:spcPct val="107000"/>
-              </a:lnSpc>
-              <a:spcBef>
-                <a:spcPts val="0"/>
-              </a:spcBef>
-              <a:spcAft>
-                <a:spcPts val="800"/>
-              </a:spcAft>
-            </a:pPr>
-            <a:endParaRPr lang="en-US" sz="2400" kern="100" dirty="0">
-              <a:latin typeface="Calibri" panose="020F0502020204030204" pitchFamily="34" charset="0"/>
-              <a:ea typeface="Calibri" panose="020F0502020204030204" pitchFamily="34" charset="0"/>
-              <a:cs typeface="Latha" panose="020B0604020202020204" pitchFamily="34" charset="0"/>
-            </a:endParaRPr>
-          </a:p>
-          <a:p>
-            <a:pPr marL="0" marR="0" algn="just">
-              <a:lnSpc>
-                <a:spcPct val="107000"/>
-              </a:lnSpc>
-              <a:spcBef>
-                <a:spcPts val="0"/>
-              </a:spcBef>
-              <a:spcAft>
-                <a:spcPts val="800"/>
-              </a:spcAft>
-            </a:pPr>
-            <a:endParaRPr lang="en-US" sz="2400" kern="100" dirty="0">
-              <a:effectLst/>
-              <a:latin typeface="Calibri" panose="020F0502020204030204" pitchFamily="34" charset="0"/>
-              <a:ea typeface="Calibri" panose="020F0502020204030204" pitchFamily="34" charset="0"/>
-              <a:cs typeface="Latha" panose="020B0604020202020204" pitchFamily="34" charset="0"/>
-            </a:endParaRPr>
-          </a:p>
-        </p:txBody>
-      </p:sp>
-      <p:sp>
-        <p:nvSpPr>
-          <p:cNvPr id="4" name="Slide Number Placeholder 3">
-            <a:extLst>
-              <a:ext uri="{FF2B5EF4-FFF2-40B4-BE49-F238E27FC236}">
-                <a16:creationId xmlns:a16="http://schemas.microsoft.com/office/drawing/2014/main" id="{2F7CD3C3-0102-FBCE-4573-547CCB940856}"/>
-              </a:ext>
-            </a:extLst>
-          </p:cNvPr>
-          <p:cNvSpPr>
-            <a:spLocks noGrp="1"/>
-          </p:cNvSpPr>
-          <p:nvPr>
-            <p:ph type="sldNum" sz="quarter" idx="4"/>
-          </p:nvPr>
-        </p:nvSpPr>
-        <p:spPr/>
-        <p:txBody>
-          <a:bodyPr/>
-          <a:lstStyle/>
-          <a:p>
-            <a:fld id="{294A09A9-5501-47C1-A89A-A340965A2BE2}" type="slidenum">
-              <a:rPr lang="en-US" smtClean="0"/>
-              <a:pPr/>
-              <a:t>6</a:t>
-            </a:fld>
-            <a:endParaRPr lang="en-US" dirty="0"/>
-          </a:p>
-        </p:txBody>
-      </p:sp>
-    </p:spTree>
-    <p:extLst>
-      <p:ext uri="{BB962C8B-B14F-4D97-AF65-F5344CB8AC3E}">
-        <p14:creationId xmlns:p14="http://schemas.microsoft.com/office/powerpoint/2010/main" val="2985686951"/>
-      </p:ext>
-    </p:extLst>
-  </p:cSld>
-  <p:clrMapOvr>
-    <a:masterClrMapping/>
-  </p:clrMapOvr>
-</p:sld>
-</file>
-
-<file path=ppt/slides/slide7.xml><?xml version="1.0" encoding="utf-8"?>
-<p:sld xmlns:a="http://schemas.openxmlformats.org/drawingml/2006/main" xmlns:r="http://schemas.openxmlformats.org/officeDocument/2006/relationships" xmlns:p="http://schemas.openxmlformats.org/presentationml/2006/main">
-  <p:cSld>
-    <p:spTree>
-      <p:nvGrpSpPr>
-        <p:cNvPr id="1" name=""/>
-        <p:cNvGrpSpPr/>
-        <p:nvPr/>
-      </p:nvGrpSpPr>
-      <p:grpSpPr>
-        <a:xfrm>
-          <a:off x="0" y="0"/>
-          <a:ext cx="0" cy="0"/>
-          <a:chOff x="0" y="0"/>
-          <a:chExt cx="0" cy="0"/>
-        </a:xfrm>
-      </p:grpSpPr>
-      <p:sp>
-        <p:nvSpPr>
-          <p:cNvPr id="2" name="Title 1">
-            <a:extLst>
-              <a:ext uri="{FF2B5EF4-FFF2-40B4-BE49-F238E27FC236}">
-                <a16:creationId xmlns:a16="http://schemas.microsoft.com/office/drawing/2014/main" id="{33AF65A7-995A-9F45-891C-82D9B9D40801}"/>
-              </a:ext>
-            </a:extLst>
-          </p:cNvPr>
-          <p:cNvSpPr>
-            <a:spLocks noGrp="1"/>
-          </p:cNvSpPr>
-          <p:nvPr>
-            <p:ph type="title"/>
-          </p:nvPr>
-        </p:nvSpPr>
-        <p:spPr>
-          <a:xfrm>
-            <a:off x="1889961" y="1791018"/>
-            <a:ext cx="8412079" cy="2810460"/>
-          </a:xfrm>
-        </p:spPr>
-        <p:txBody>
-          <a:bodyPr>
-            <a:normAutofit/>
-          </a:bodyPr>
-          <a:lstStyle/>
-          <a:p>
-            <a:r>
-              <a:rPr lang="en-US" sz="8000" b="1" dirty="0"/>
               <a:t>Functionalities</a:t>
             </a:r>
           </a:p>
@@ -26185,7 +23251,7 @@
             <a:fld id="{294A09A9-5501-47C1-A89A-A340965A2BE2}" type="slidenum">
               <a:rPr lang="en-US" smtClean="0"/>
               <a:pPr/>
-              <a:t>7</a:t>
+              <a:t>5</a:t>
             </a:fld>
             <a:endParaRPr lang="en-US" dirty="0"/>
           </a:p>
@@ -26207,7 +23273,7 @@
 </p:sld>
 </file>
 
-<file path=ppt/slides/slide8.xml><?xml version="1.0" encoding="utf-8"?>
+<file path=ppt/slides/slide6.xml><?xml version="1.0" encoding="utf-8"?>
 <p:sld xmlns:a="http://schemas.openxmlformats.org/drawingml/2006/main" xmlns:r="http://schemas.openxmlformats.org/officeDocument/2006/relationships" xmlns:p="http://schemas.openxmlformats.org/presentationml/2006/main">
   <p:cSld>
     <p:spTree>
@@ -27470,7 +24536,7 @@
             <a:fld id="{294A09A9-5501-47C1-A89A-A340965A2BE2}" type="slidenum">
               <a:rPr lang="en-US" smtClean="0"/>
               <a:pPr/>
-              <a:t>8</a:t>
+              <a:t>6</a:t>
             </a:fld>
             <a:endParaRPr lang="en-US" dirty="0"/>
           </a:p>
@@ -27492,7 +24558,7 @@
 </p:sld>
 </file>
 
-<file path=ppt/slides/slide9.xml><?xml version="1.0" encoding="utf-8"?>
+<file path=ppt/slides/slide7.xml><?xml version="1.0" encoding="utf-8"?>
 <p:sld xmlns:a="http://schemas.openxmlformats.org/drawingml/2006/main" xmlns:r="http://schemas.openxmlformats.org/officeDocument/2006/relationships" xmlns:p="http://schemas.openxmlformats.org/presentationml/2006/main">
   <p:cSld>
     <p:spTree>
@@ -29183,7 +26249,7 @@
             <a:fld id="{294A09A9-5501-47C1-A89A-A340965A2BE2}" type="slidenum">
               <a:rPr lang="en-US" smtClean="0"/>
               <a:pPr/>
-              <a:t>9</a:t>
+              <a:t>7</a:t>
             </a:fld>
             <a:endParaRPr lang="en-US" dirty="0"/>
           </a:p>
@@ -29193,6 +26259,2231 @@
     <p:extLst>
       <p:ext uri="{BB962C8B-B14F-4D97-AF65-F5344CB8AC3E}">
         <p14:creationId xmlns:p14="http://schemas.microsoft.com/office/powerpoint/2010/main" val="633327559"/>
+      </p:ext>
+    </p:extLst>
+  </p:cSld>
+  <p:clrMapOvr>
+    <a:masterClrMapping/>
+  </p:clrMapOvr>
+  <p:transition>
+    <p:fade/>
+  </p:transition>
+</p:sld>
+</file>
+
+<file path=ppt/slides/slide8.xml><?xml version="1.0" encoding="utf-8"?>
+<p:sld xmlns:a="http://schemas.openxmlformats.org/drawingml/2006/main" xmlns:r="http://schemas.openxmlformats.org/officeDocument/2006/relationships" xmlns:p="http://schemas.openxmlformats.org/presentationml/2006/main">
+  <p:cSld>
+    <p:spTree>
+      <p:nvGrpSpPr>
+        <p:cNvPr id="1" name=""/>
+        <p:cNvGrpSpPr/>
+        <p:nvPr/>
+      </p:nvGrpSpPr>
+      <p:grpSpPr>
+        <a:xfrm>
+          <a:off x="0" y="0"/>
+          <a:ext cx="0" cy="0"/>
+          <a:chOff x="0" y="0"/>
+          <a:chExt cx="0" cy="0"/>
+        </a:xfrm>
+      </p:grpSpPr>
+      <p:sp>
+        <p:nvSpPr>
+          <p:cNvPr id="11" name="Rectangle 10">
+            <a:extLst>
+              <a:ext uri="{FF2B5EF4-FFF2-40B4-BE49-F238E27FC236}">
+                <a16:creationId xmlns:a16="http://schemas.microsoft.com/office/drawing/2014/main" id="{EC100C05-0550-213C-2A7A-88F3CD32BE23}"/>
+              </a:ext>
+            </a:extLst>
+          </p:cNvPr>
+          <p:cNvSpPr/>
+          <p:nvPr/>
+        </p:nvSpPr>
+        <p:spPr>
+          <a:xfrm>
+            <a:off x="1192740" y="349310"/>
+            <a:ext cx="9524144" cy="4921333"/>
+          </a:xfrm>
+          <a:prstGeom prst="rect">
+            <a:avLst/>
+          </a:prstGeom>
+          <a:ln>
+            <a:noFill/>
+          </a:ln>
+        </p:spPr>
+        <p:style>
+          <a:lnRef idx="2">
+            <a:schemeClr val="accent1">
+              <a:shade val="50000"/>
+            </a:schemeClr>
+          </a:lnRef>
+          <a:fillRef idx="1">
+            <a:schemeClr val="accent1"/>
+          </a:fillRef>
+          <a:effectRef idx="0">
+            <a:schemeClr val="accent1"/>
+          </a:effectRef>
+          <a:fontRef idx="minor">
+            <a:schemeClr val="lt1"/>
+          </a:fontRef>
+        </p:style>
+        <p:txBody>
+          <a:bodyPr rtlCol="0" anchor="ctr"/>
+          <a:lstStyle/>
+          <a:p>
+            <a:pPr algn="ctr"/>
+            <a:endParaRPr lang="en-US" dirty="0">
+              <a:solidFill>
+                <a:srgbClr val="DAE5EF"/>
+              </a:solidFill>
+            </a:endParaRPr>
+          </a:p>
+        </p:txBody>
+      </p:sp>
+      <p:grpSp>
+        <p:nvGrpSpPr>
+          <p:cNvPr id="60" name="Group 59">
+            <a:extLst>
+              <a:ext uri="{FF2B5EF4-FFF2-40B4-BE49-F238E27FC236}">
+                <a16:creationId xmlns:a16="http://schemas.microsoft.com/office/drawing/2014/main" id="{A3BA8360-9F05-657F-5392-73F72D0E7FE4}"/>
+              </a:ext>
+            </a:extLst>
+          </p:cNvPr>
+          <p:cNvGrpSpPr/>
+          <p:nvPr/>
+        </p:nvGrpSpPr>
+        <p:grpSpPr>
+          <a:xfrm>
+            <a:off x="9581239" y="680144"/>
+            <a:ext cx="320408" cy="320408"/>
+            <a:chOff x="10207784" y="2359292"/>
+            <a:chExt cx="389459" cy="389459"/>
+          </a:xfrm>
+        </p:grpSpPr>
+        <p:sp>
+          <p:nvSpPr>
+            <p:cNvPr id="59" name="Oval 58">
+              <a:extLst>
+                <a:ext uri="{FF2B5EF4-FFF2-40B4-BE49-F238E27FC236}">
+                  <a16:creationId xmlns:a16="http://schemas.microsoft.com/office/drawing/2014/main" id="{E829299C-0B39-B2A2-3A09-EEE4CB004520}"/>
+                </a:ext>
+              </a:extLst>
+            </p:cNvPr>
+            <p:cNvSpPr/>
+            <p:nvPr/>
+          </p:nvSpPr>
+          <p:spPr>
+            <a:xfrm>
+              <a:off x="10207784" y="2359292"/>
+              <a:ext cx="389459" cy="389459"/>
+            </a:xfrm>
+            <a:prstGeom prst="ellipse">
+              <a:avLst/>
+            </a:prstGeom>
+            <a:solidFill>
+              <a:schemeClr val="bg1"/>
+            </a:solidFill>
+            <a:ln>
+              <a:noFill/>
+            </a:ln>
+          </p:spPr>
+          <p:style>
+            <a:lnRef idx="2">
+              <a:schemeClr val="accent1">
+                <a:shade val="50000"/>
+              </a:schemeClr>
+            </a:lnRef>
+            <a:fillRef idx="1">
+              <a:schemeClr val="accent1"/>
+            </a:fillRef>
+            <a:effectRef idx="0">
+              <a:schemeClr val="accent1"/>
+            </a:effectRef>
+            <a:fontRef idx="minor">
+              <a:schemeClr val="lt1"/>
+            </a:fontRef>
+          </p:style>
+          <p:txBody>
+            <a:bodyPr rtlCol="0" anchor="ctr"/>
+            <a:lstStyle/>
+            <a:p>
+              <a:pPr algn="ctr"/>
+              <a:endParaRPr lang="en-US"/>
+            </a:p>
+          </p:txBody>
+        </p:sp>
+        <p:pic>
+          <p:nvPicPr>
+            <p:cNvPr id="58" name="Graphic 57" descr="User with solid fill">
+              <a:extLst>
+                <a:ext uri="{FF2B5EF4-FFF2-40B4-BE49-F238E27FC236}">
+                  <a16:creationId xmlns:a16="http://schemas.microsoft.com/office/drawing/2014/main" id="{606FE5C0-88E4-40FB-8984-E7BA7BBD4BD1}"/>
+                </a:ext>
+              </a:extLst>
+            </p:cNvPr>
+            <p:cNvPicPr>
+              <a:picLocks noChangeAspect="1"/>
+            </p:cNvPicPr>
+            <p:nvPr/>
+          </p:nvPicPr>
+          <p:blipFill>
+            <a:blip r:embed="rId3">
+              <a:extLst>
+                <a:ext uri="{96DAC541-7B7A-43D3-8B79-37D633B846F1}">
+                  <asvg:svgBlip xmlns:asvg="http://schemas.microsoft.com/office/drawing/2016/SVG/main" r:embed="rId4"/>
+                </a:ext>
+              </a:extLst>
+            </a:blip>
+            <a:stretch>
+              <a:fillRect/>
+            </a:stretch>
+          </p:blipFill>
+          <p:spPr>
+            <a:xfrm>
+              <a:off x="10258391" y="2409899"/>
+              <a:ext cx="288243" cy="288243"/>
+            </a:xfrm>
+            <a:prstGeom prst="rect">
+              <a:avLst/>
+            </a:prstGeom>
+          </p:spPr>
+        </p:pic>
+      </p:grpSp>
+      <p:sp>
+        <p:nvSpPr>
+          <p:cNvPr id="61" name="TextBox 60">
+            <a:extLst>
+              <a:ext uri="{FF2B5EF4-FFF2-40B4-BE49-F238E27FC236}">
+                <a16:creationId xmlns:a16="http://schemas.microsoft.com/office/drawing/2014/main" id="{3D35552B-6179-3841-9C2C-65530A4C21FE}"/>
+              </a:ext>
+            </a:extLst>
+          </p:cNvPr>
+          <p:cNvSpPr txBox="1"/>
+          <p:nvPr/>
+        </p:nvSpPr>
+        <p:spPr>
+          <a:xfrm>
+            <a:off x="8691968" y="704171"/>
+            <a:ext cx="1554338" cy="276999"/>
+          </a:xfrm>
+          <a:prstGeom prst="rect">
+            <a:avLst/>
+          </a:prstGeom>
+          <a:noFill/>
+        </p:spPr>
+        <p:txBody>
+          <a:bodyPr wrap="square" rtlCol="0">
+            <a:spAutoFit/>
+          </a:bodyPr>
+          <a:lstStyle/>
+          <a:p>
+            <a:r>
+              <a:rPr lang="en-US" sz="1200" b="1" dirty="0">
+                <a:solidFill>
+                  <a:srgbClr val="DAE5EF"/>
+                </a:solidFill>
+              </a:rPr>
+              <a:t>ACCOUNT</a:t>
+            </a:r>
+          </a:p>
+        </p:txBody>
+      </p:sp>
+      <p:sp>
+        <p:nvSpPr>
+          <p:cNvPr id="3" name="TextBox 2">
+            <a:extLst>
+              <a:ext uri="{FF2B5EF4-FFF2-40B4-BE49-F238E27FC236}">
+                <a16:creationId xmlns:a16="http://schemas.microsoft.com/office/drawing/2014/main" id="{94E82F74-A55E-6A46-4B66-2EC897EBDFF1}"/>
+              </a:ext>
+            </a:extLst>
+          </p:cNvPr>
+          <p:cNvSpPr txBox="1"/>
+          <p:nvPr/>
+        </p:nvSpPr>
+        <p:spPr>
+          <a:xfrm>
+            <a:off x="1609438" y="658004"/>
+            <a:ext cx="2171700" cy="369332"/>
+          </a:xfrm>
+          <a:prstGeom prst="rect">
+            <a:avLst/>
+          </a:prstGeom>
+          <a:noFill/>
+        </p:spPr>
+        <p:txBody>
+          <a:bodyPr wrap="square" rtlCol="0">
+            <a:spAutoFit/>
+          </a:bodyPr>
+          <a:lstStyle/>
+          <a:p>
+            <a:r>
+              <a:rPr lang="en-US" b="1" dirty="0">
+                <a:solidFill>
+                  <a:schemeClr val="bg1"/>
+                </a:solidFill>
+              </a:rPr>
+              <a:t>Update Product</a:t>
+            </a:r>
+          </a:p>
+        </p:txBody>
+      </p:sp>
+      <p:grpSp>
+        <p:nvGrpSpPr>
+          <p:cNvPr id="2" name="Group 1">
+            <a:extLst>
+              <a:ext uri="{FF2B5EF4-FFF2-40B4-BE49-F238E27FC236}">
+                <a16:creationId xmlns:a16="http://schemas.microsoft.com/office/drawing/2014/main" id="{A9743871-02CA-1B99-38E5-9F637E6382FD}"/>
+              </a:ext>
+            </a:extLst>
+          </p:cNvPr>
+          <p:cNvGrpSpPr/>
+          <p:nvPr/>
+        </p:nvGrpSpPr>
+        <p:grpSpPr>
+          <a:xfrm>
+            <a:off x="8691968" y="1402126"/>
+            <a:ext cx="152401" cy="2901456"/>
+            <a:chOff x="8617789" y="2352807"/>
+            <a:chExt cx="152401" cy="3237110"/>
+          </a:xfrm>
+        </p:grpSpPr>
+        <p:sp>
+          <p:nvSpPr>
+            <p:cNvPr id="5" name="Rectangle 4">
+              <a:extLst>
+                <a:ext uri="{FF2B5EF4-FFF2-40B4-BE49-F238E27FC236}">
+                  <a16:creationId xmlns:a16="http://schemas.microsoft.com/office/drawing/2014/main" id="{08931242-082A-DA1F-6D18-87899BF0B5BE}"/>
+                </a:ext>
+              </a:extLst>
+            </p:cNvPr>
+            <p:cNvSpPr/>
+            <p:nvPr/>
+          </p:nvSpPr>
+          <p:spPr>
+            <a:xfrm>
+              <a:off x="8617789" y="2359292"/>
+              <a:ext cx="152400" cy="3230625"/>
+            </a:xfrm>
+            <a:prstGeom prst="rect">
+              <a:avLst/>
+            </a:prstGeom>
+            <a:solidFill>
+              <a:schemeClr val="bg1">
+                <a:lumMod val="95000"/>
+              </a:schemeClr>
+            </a:solidFill>
+            <a:ln>
+              <a:noFill/>
+            </a:ln>
+          </p:spPr>
+          <p:style>
+            <a:lnRef idx="2">
+              <a:schemeClr val="accent1">
+                <a:shade val="50000"/>
+              </a:schemeClr>
+            </a:lnRef>
+            <a:fillRef idx="1">
+              <a:schemeClr val="accent1"/>
+            </a:fillRef>
+            <a:effectRef idx="0">
+              <a:schemeClr val="accent1"/>
+            </a:effectRef>
+            <a:fontRef idx="minor">
+              <a:schemeClr val="lt1"/>
+            </a:fontRef>
+          </p:style>
+          <p:txBody>
+            <a:bodyPr rtlCol="0" anchor="ctr"/>
+            <a:lstStyle/>
+            <a:p>
+              <a:pPr algn="ctr"/>
+              <a:endParaRPr lang="en-US"/>
+            </a:p>
+          </p:txBody>
+        </p:sp>
+        <p:sp>
+          <p:nvSpPr>
+            <p:cNvPr id="10" name="Rectangle 9">
+              <a:extLst>
+                <a:ext uri="{FF2B5EF4-FFF2-40B4-BE49-F238E27FC236}">
+                  <a16:creationId xmlns:a16="http://schemas.microsoft.com/office/drawing/2014/main" id="{EB01BF08-E041-ECF8-A0B4-DB056D50C82B}"/>
+                </a:ext>
+              </a:extLst>
+            </p:cNvPr>
+            <p:cNvSpPr/>
+            <p:nvPr/>
+          </p:nvSpPr>
+          <p:spPr>
+            <a:xfrm>
+              <a:off x="8621532" y="2352807"/>
+              <a:ext cx="148658" cy="1287542"/>
+            </a:xfrm>
+            <a:prstGeom prst="rect">
+              <a:avLst/>
+            </a:prstGeom>
+            <a:solidFill>
+              <a:schemeClr val="bg1">
+                <a:lumMod val="85000"/>
+              </a:schemeClr>
+            </a:solidFill>
+            <a:ln>
+              <a:noFill/>
+            </a:ln>
+          </p:spPr>
+          <p:style>
+            <a:lnRef idx="2">
+              <a:schemeClr val="accent1">
+                <a:shade val="50000"/>
+              </a:schemeClr>
+            </a:lnRef>
+            <a:fillRef idx="1">
+              <a:schemeClr val="accent1"/>
+            </a:fillRef>
+            <a:effectRef idx="0">
+              <a:schemeClr val="accent1"/>
+            </a:effectRef>
+            <a:fontRef idx="minor">
+              <a:schemeClr val="lt1"/>
+            </a:fontRef>
+          </p:style>
+          <p:txBody>
+            <a:bodyPr rtlCol="0" anchor="ctr"/>
+            <a:lstStyle/>
+            <a:p>
+              <a:pPr algn="ctr"/>
+              <a:endParaRPr lang="en-US"/>
+            </a:p>
+          </p:txBody>
+        </p:sp>
+      </p:grpSp>
+      <p:grpSp>
+        <p:nvGrpSpPr>
+          <p:cNvPr id="12" name="Group 11">
+            <a:extLst>
+              <a:ext uri="{FF2B5EF4-FFF2-40B4-BE49-F238E27FC236}">
+                <a16:creationId xmlns:a16="http://schemas.microsoft.com/office/drawing/2014/main" id="{1B592AEA-BA1E-6150-5CE8-1AE9CC92DE8A}"/>
+              </a:ext>
+            </a:extLst>
+          </p:cNvPr>
+          <p:cNvGrpSpPr/>
+          <p:nvPr/>
+        </p:nvGrpSpPr>
+        <p:grpSpPr>
+          <a:xfrm>
+            <a:off x="3204627" y="1402126"/>
+            <a:ext cx="5219700" cy="369332"/>
+            <a:chOff x="2933700" y="1713523"/>
+            <a:chExt cx="5219700" cy="369332"/>
+          </a:xfrm>
+        </p:grpSpPr>
+        <p:grpSp>
+          <p:nvGrpSpPr>
+            <p:cNvPr id="13" name="Group 12">
+              <a:extLst>
+                <a:ext uri="{FF2B5EF4-FFF2-40B4-BE49-F238E27FC236}">
+                  <a16:creationId xmlns:a16="http://schemas.microsoft.com/office/drawing/2014/main" id="{BAF7258C-A358-F9C1-439E-215F9B4C63DA}"/>
+                </a:ext>
+              </a:extLst>
+            </p:cNvPr>
+            <p:cNvGrpSpPr/>
+            <p:nvPr/>
+          </p:nvGrpSpPr>
+          <p:grpSpPr>
+            <a:xfrm>
+              <a:off x="2933700" y="1713523"/>
+              <a:ext cx="5219700" cy="369332"/>
+              <a:chOff x="2933700" y="1713523"/>
+              <a:chExt cx="5219700" cy="369332"/>
+            </a:xfrm>
+          </p:grpSpPr>
+          <p:sp>
+            <p:nvSpPr>
+              <p:cNvPr id="16" name="Rectangle: Rounded Corners 15">
+                <a:extLst>
+                  <a:ext uri="{FF2B5EF4-FFF2-40B4-BE49-F238E27FC236}">
+                    <a16:creationId xmlns:a16="http://schemas.microsoft.com/office/drawing/2014/main" id="{7A759431-45FE-EAD3-F12E-EF963EAA8132}"/>
+                  </a:ext>
+                </a:extLst>
+              </p:cNvPr>
+              <p:cNvSpPr/>
+              <p:nvPr/>
+            </p:nvSpPr>
+            <p:spPr>
+              <a:xfrm>
+                <a:off x="2933700" y="1713523"/>
+                <a:ext cx="5219700" cy="369332"/>
+              </a:xfrm>
+              <a:prstGeom prst="roundRect">
+                <a:avLst>
+                  <a:gd name="adj" fmla="val 50000"/>
+                </a:avLst>
+              </a:prstGeom>
+              <a:solidFill>
+                <a:schemeClr val="bg1"/>
+              </a:solidFill>
+              <a:ln>
+                <a:noFill/>
+              </a:ln>
+            </p:spPr>
+            <p:style>
+              <a:lnRef idx="2">
+                <a:schemeClr val="accent1">
+                  <a:shade val="50000"/>
+                </a:schemeClr>
+              </a:lnRef>
+              <a:fillRef idx="1">
+                <a:schemeClr val="accent1"/>
+              </a:fillRef>
+              <a:effectRef idx="0">
+                <a:schemeClr val="accent1"/>
+              </a:effectRef>
+              <a:fontRef idx="minor">
+                <a:schemeClr val="lt1"/>
+              </a:fontRef>
+            </p:style>
+            <p:txBody>
+              <a:bodyPr rtlCol="0" anchor="ctr"/>
+              <a:lstStyle/>
+              <a:p>
+                <a:pPr algn="ctr"/>
+                <a:endParaRPr lang="en-US"/>
+              </a:p>
+            </p:txBody>
+          </p:sp>
+          <p:cxnSp>
+            <p:nvCxnSpPr>
+              <p:cNvPr id="19" name="Straight Connector 18">
+                <a:extLst>
+                  <a:ext uri="{FF2B5EF4-FFF2-40B4-BE49-F238E27FC236}">
+                    <a16:creationId xmlns:a16="http://schemas.microsoft.com/office/drawing/2014/main" id="{0AB46215-4289-EAF1-AD89-481D95934E7E}"/>
+                  </a:ext>
+                </a:extLst>
+              </p:cNvPr>
+              <p:cNvCxnSpPr>
+                <a:cxnSpLocks/>
+                <a:stCxn id="16" idx="0"/>
+                <a:endCxn id="16" idx="2"/>
+              </p:cNvCxnSpPr>
+              <p:nvPr/>
+            </p:nvCxnSpPr>
+            <p:spPr>
+              <a:xfrm>
+                <a:off x="5543550" y="1713523"/>
+                <a:ext cx="0" cy="369332"/>
+              </a:xfrm>
+              <a:prstGeom prst="line">
+                <a:avLst/>
+              </a:prstGeom>
+              <a:ln w="38100">
+                <a:solidFill>
+                  <a:srgbClr val="0068FF"/>
+                </a:solidFill>
+              </a:ln>
+            </p:spPr>
+            <p:style>
+              <a:lnRef idx="1">
+                <a:schemeClr val="accent1"/>
+              </a:lnRef>
+              <a:fillRef idx="0">
+                <a:schemeClr val="accent1"/>
+              </a:fillRef>
+              <a:effectRef idx="0">
+                <a:schemeClr val="accent1"/>
+              </a:effectRef>
+              <a:fontRef idx="minor">
+                <a:schemeClr val="tx1"/>
+              </a:fontRef>
+            </p:style>
+          </p:cxnSp>
+        </p:grpSp>
+        <p:sp>
+          <p:nvSpPr>
+            <p:cNvPr id="14" name="TextBox 13">
+              <a:extLst>
+                <a:ext uri="{FF2B5EF4-FFF2-40B4-BE49-F238E27FC236}">
+                  <a16:creationId xmlns:a16="http://schemas.microsoft.com/office/drawing/2014/main" id="{B1977854-7882-8BB4-D1C0-CA1B6BDFC4FE}"/>
+                </a:ext>
+              </a:extLst>
+            </p:cNvPr>
+            <p:cNvSpPr txBox="1"/>
+            <p:nvPr/>
+          </p:nvSpPr>
+          <p:spPr>
+            <a:xfrm>
+              <a:off x="3120066" y="1757598"/>
+              <a:ext cx="1528134" cy="276999"/>
+            </a:xfrm>
+            <a:prstGeom prst="rect">
+              <a:avLst/>
+            </a:prstGeom>
+            <a:noFill/>
+          </p:spPr>
+          <p:txBody>
+            <a:bodyPr wrap="square">
+              <a:spAutoFit/>
+            </a:bodyPr>
+            <a:lstStyle/>
+            <a:p>
+              <a:r>
+                <a:rPr lang="en-US" sz="1200" b="1" dirty="0"/>
+                <a:t>Product Name</a:t>
+              </a:r>
+            </a:p>
+          </p:txBody>
+        </p:sp>
+        <p:sp>
+          <p:nvSpPr>
+            <p:cNvPr id="15" name="TextBox 14">
+              <a:extLst>
+                <a:ext uri="{FF2B5EF4-FFF2-40B4-BE49-F238E27FC236}">
+                  <a16:creationId xmlns:a16="http://schemas.microsoft.com/office/drawing/2014/main" id="{164CD48C-F18C-1EB6-59ED-52B78224F19E}"/>
+                </a:ext>
+              </a:extLst>
+            </p:cNvPr>
+            <p:cNvSpPr txBox="1"/>
+            <p:nvPr/>
+          </p:nvSpPr>
+          <p:spPr>
+            <a:xfrm>
+              <a:off x="6310932" y="1767332"/>
+              <a:ext cx="1065297" cy="276999"/>
+            </a:xfrm>
+            <a:prstGeom prst="rect">
+              <a:avLst/>
+            </a:prstGeom>
+            <a:noFill/>
+          </p:spPr>
+          <p:txBody>
+            <a:bodyPr wrap="square">
+              <a:spAutoFit/>
+            </a:bodyPr>
+            <a:lstStyle/>
+            <a:p>
+              <a:r>
+                <a:rPr lang="en-US" sz="1200" i="1" dirty="0">
+                  <a:solidFill>
+                    <a:srgbClr val="DAE5EF"/>
+                  </a:solidFill>
+                </a:rPr>
+                <a:t>Enter Name </a:t>
+              </a:r>
+            </a:p>
+          </p:txBody>
+        </p:sp>
+      </p:grpSp>
+      <p:grpSp>
+        <p:nvGrpSpPr>
+          <p:cNvPr id="20" name="Group 19">
+            <a:extLst>
+              <a:ext uri="{FF2B5EF4-FFF2-40B4-BE49-F238E27FC236}">
+                <a16:creationId xmlns:a16="http://schemas.microsoft.com/office/drawing/2014/main" id="{C7051B87-C67B-8146-C29A-3573F6BEC840}"/>
+              </a:ext>
+            </a:extLst>
+          </p:cNvPr>
+          <p:cNvGrpSpPr/>
+          <p:nvPr/>
+        </p:nvGrpSpPr>
+        <p:grpSpPr>
+          <a:xfrm>
+            <a:off x="3202989" y="2219247"/>
+            <a:ext cx="5219700" cy="369332"/>
+            <a:chOff x="2933700" y="1713523"/>
+            <a:chExt cx="5219700" cy="369332"/>
+          </a:xfrm>
+        </p:grpSpPr>
+        <p:grpSp>
+          <p:nvGrpSpPr>
+            <p:cNvPr id="22" name="Group 21">
+              <a:extLst>
+                <a:ext uri="{FF2B5EF4-FFF2-40B4-BE49-F238E27FC236}">
+                  <a16:creationId xmlns:a16="http://schemas.microsoft.com/office/drawing/2014/main" id="{7E3E440C-FD1F-0653-3672-DCA1BC99C8DB}"/>
+                </a:ext>
+              </a:extLst>
+            </p:cNvPr>
+            <p:cNvGrpSpPr/>
+            <p:nvPr/>
+          </p:nvGrpSpPr>
+          <p:grpSpPr>
+            <a:xfrm>
+              <a:off x="2933700" y="1713523"/>
+              <a:ext cx="5219700" cy="369332"/>
+              <a:chOff x="2933700" y="1713523"/>
+              <a:chExt cx="5219700" cy="369332"/>
+            </a:xfrm>
+          </p:grpSpPr>
+          <p:sp>
+            <p:nvSpPr>
+              <p:cNvPr id="27" name="Rectangle: Rounded Corners 26">
+                <a:extLst>
+                  <a:ext uri="{FF2B5EF4-FFF2-40B4-BE49-F238E27FC236}">
+                    <a16:creationId xmlns:a16="http://schemas.microsoft.com/office/drawing/2014/main" id="{5653DD23-76C8-CBB2-9958-F49451A2D6E6}"/>
+                  </a:ext>
+                </a:extLst>
+              </p:cNvPr>
+              <p:cNvSpPr/>
+              <p:nvPr/>
+            </p:nvSpPr>
+            <p:spPr>
+              <a:xfrm>
+                <a:off x="2933700" y="1713523"/>
+                <a:ext cx="5219700" cy="369332"/>
+              </a:xfrm>
+              <a:prstGeom prst="roundRect">
+                <a:avLst>
+                  <a:gd name="adj" fmla="val 50000"/>
+                </a:avLst>
+              </a:prstGeom>
+              <a:solidFill>
+                <a:schemeClr val="bg1"/>
+              </a:solidFill>
+              <a:ln>
+                <a:noFill/>
+              </a:ln>
+            </p:spPr>
+            <p:style>
+              <a:lnRef idx="2">
+                <a:schemeClr val="accent1">
+                  <a:shade val="50000"/>
+                </a:schemeClr>
+              </a:lnRef>
+              <a:fillRef idx="1">
+                <a:schemeClr val="accent1"/>
+              </a:fillRef>
+              <a:effectRef idx="0">
+                <a:schemeClr val="accent1"/>
+              </a:effectRef>
+              <a:fontRef idx="minor">
+                <a:schemeClr val="lt1"/>
+              </a:fontRef>
+            </p:style>
+            <p:txBody>
+              <a:bodyPr rtlCol="0" anchor="ctr"/>
+              <a:lstStyle/>
+              <a:p>
+                <a:pPr algn="ctr"/>
+                <a:endParaRPr lang="en-US"/>
+              </a:p>
+            </p:txBody>
+          </p:sp>
+          <p:cxnSp>
+            <p:nvCxnSpPr>
+              <p:cNvPr id="28" name="Straight Connector 27">
+                <a:extLst>
+                  <a:ext uri="{FF2B5EF4-FFF2-40B4-BE49-F238E27FC236}">
+                    <a16:creationId xmlns:a16="http://schemas.microsoft.com/office/drawing/2014/main" id="{D9B53800-8B2D-5445-71FC-F4F751B79665}"/>
+                  </a:ext>
+                </a:extLst>
+              </p:cNvPr>
+              <p:cNvCxnSpPr>
+                <a:cxnSpLocks/>
+                <a:stCxn id="27" idx="0"/>
+                <a:endCxn id="27" idx="2"/>
+              </p:cNvCxnSpPr>
+              <p:nvPr/>
+            </p:nvCxnSpPr>
+            <p:spPr>
+              <a:xfrm>
+                <a:off x="5543550" y="1713523"/>
+                <a:ext cx="0" cy="369332"/>
+              </a:xfrm>
+              <a:prstGeom prst="line">
+                <a:avLst/>
+              </a:prstGeom>
+              <a:ln w="38100">
+                <a:solidFill>
+                  <a:srgbClr val="0068FF"/>
+                </a:solidFill>
+              </a:ln>
+            </p:spPr>
+            <p:style>
+              <a:lnRef idx="1">
+                <a:schemeClr val="accent1"/>
+              </a:lnRef>
+              <a:fillRef idx="0">
+                <a:schemeClr val="accent1"/>
+              </a:fillRef>
+              <a:effectRef idx="0">
+                <a:schemeClr val="accent1"/>
+              </a:effectRef>
+              <a:fontRef idx="minor">
+                <a:schemeClr val="tx1"/>
+              </a:fontRef>
+            </p:style>
+          </p:cxnSp>
+        </p:grpSp>
+        <p:sp>
+          <p:nvSpPr>
+            <p:cNvPr id="24" name="TextBox 23">
+              <a:extLst>
+                <a:ext uri="{FF2B5EF4-FFF2-40B4-BE49-F238E27FC236}">
+                  <a16:creationId xmlns:a16="http://schemas.microsoft.com/office/drawing/2014/main" id="{6261F304-0B18-89A5-AB6F-6B4EBD52346A}"/>
+                </a:ext>
+              </a:extLst>
+            </p:cNvPr>
+            <p:cNvSpPr txBox="1"/>
+            <p:nvPr/>
+          </p:nvSpPr>
+          <p:spPr>
+            <a:xfrm>
+              <a:off x="3120065" y="1757598"/>
+              <a:ext cx="2004857" cy="276999"/>
+            </a:xfrm>
+            <a:prstGeom prst="rect">
+              <a:avLst/>
+            </a:prstGeom>
+            <a:noFill/>
+          </p:spPr>
+          <p:txBody>
+            <a:bodyPr wrap="square">
+              <a:spAutoFit/>
+            </a:bodyPr>
+            <a:lstStyle/>
+            <a:p>
+              <a:r>
+                <a:rPr lang="en-US" sz="1200" b="1" dirty="0"/>
+                <a:t>Product Quantity</a:t>
+              </a:r>
+            </a:p>
+          </p:txBody>
+        </p:sp>
+        <p:sp>
+          <p:nvSpPr>
+            <p:cNvPr id="25" name="TextBox 24">
+              <a:extLst>
+                <a:ext uri="{FF2B5EF4-FFF2-40B4-BE49-F238E27FC236}">
+                  <a16:creationId xmlns:a16="http://schemas.microsoft.com/office/drawing/2014/main" id="{61F5BEC6-7F49-83C3-9B6A-6BBAB78FB070}"/>
+                </a:ext>
+              </a:extLst>
+            </p:cNvPr>
+            <p:cNvSpPr txBox="1"/>
+            <p:nvPr/>
+          </p:nvSpPr>
+          <p:spPr>
+            <a:xfrm>
+              <a:off x="6310932" y="1767332"/>
+              <a:ext cx="1214754" cy="276999"/>
+            </a:xfrm>
+            <a:prstGeom prst="rect">
+              <a:avLst/>
+            </a:prstGeom>
+            <a:noFill/>
+          </p:spPr>
+          <p:txBody>
+            <a:bodyPr wrap="square">
+              <a:spAutoFit/>
+            </a:bodyPr>
+            <a:lstStyle/>
+            <a:p>
+              <a:r>
+                <a:rPr lang="en-US" sz="1200" i="1" dirty="0">
+                  <a:solidFill>
+                    <a:srgbClr val="DAE5EF"/>
+                  </a:solidFill>
+                </a:rPr>
+                <a:t>Enter Quantity</a:t>
+              </a:r>
+            </a:p>
+          </p:txBody>
+        </p:sp>
+      </p:grpSp>
+      <p:sp>
+        <p:nvSpPr>
+          <p:cNvPr id="63" name="Rectangle: Rounded Corners 62">
+            <a:extLst>
+              <a:ext uri="{FF2B5EF4-FFF2-40B4-BE49-F238E27FC236}">
+                <a16:creationId xmlns:a16="http://schemas.microsoft.com/office/drawing/2014/main" id="{E8483715-6418-4BF3-8606-CD81240AA6BF}"/>
+              </a:ext>
+            </a:extLst>
+          </p:cNvPr>
+          <p:cNvSpPr/>
+          <p:nvPr/>
+        </p:nvSpPr>
+        <p:spPr>
+          <a:xfrm>
+            <a:off x="4215835" y="4303582"/>
+            <a:ext cx="3194008" cy="469194"/>
+          </a:xfrm>
+          <a:prstGeom prst="roundRect">
+            <a:avLst/>
+          </a:prstGeom>
+          <a:solidFill>
+            <a:srgbClr val="FFFFFF"/>
+          </a:solidFill>
+          <a:ln>
+            <a:noFill/>
+          </a:ln>
+        </p:spPr>
+        <p:style>
+          <a:lnRef idx="2">
+            <a:schemeClr val="accent1">
+              <a:shade val="15000"/>
+            </a:schemeClr>
+          </a:lnRef>
+          <a:fillRef idx="1">
+            <a:schemeClr val="accent1"/>
+          </a:fillRef>
+          <a:effectRef idx="0">
+            <a:schemeClr val="accent1"/>
+          </a:effectRef>
+          <a:fontRef idx="minor">
+            <a:schemeClr val="lt1"/>
+          </a:fontRef>
+        </p:style>
+        <p:txBody>
+          <a:bodyPr rtlCol="0" anchor="ctr"/>
+          <a:lstStyle/>
+          <a:p>
+            <a:pPr algn="ctr"/>
+            <a:r>
+              <a:rPr lang="en-US" b="1" dirty="0">
+                <a:solidFill>
+                  <a:schemeClr val="tx1"/>
+                </a:solidFill>
+              </a:rPr>
+              <a:t>Update Product</a:t>
+            </a:r>
+          </a:p>
+        </p:txBody>
+      </p:sp>
+      <p:sp>
+        <p:nvSpPr>
+          <p:cNvPr id="7" name="Isosceles Triangle 6">
+            <a:extLst>
+              <a:ext uri="{FF2B5EF4-FFF2-40B4-BE49-F238E27FC236}">
+                <a16:creationId xmlns:a16="http://schemas.microsoft.com/office/drawing/2014/main" id="{351D19D4-322D-6BD5-FDB4-EED211D4B95C}"/>
+              </a:ext>
+            </a:extLst>
+          </p:cNvPr>
+          <p:cNvSpPr/>
+          <p:nvPr/>
+        </p:nvSpPr>
+        <p:spPr>
+          <a:xfrm flipV="1">
+            <a:off x="7971274" y="1995131"/>
+            <a:ext cx="132113" cy="45719"/>
+          </a:xfrm>
+          <a:prstGeom prst="triangle">
+            <a:avLst/>
+          </a:prstGeom>
+          <a:solidFill>
+            <a:srgbClr val="0068FF"/>
+          </a:solidFill>
+          <a:ln>
+            <a:solidFill>
+              <a:srgbClr val="0068FF"/>
+            </a:solidFill>
+          </a:ln>
+        </p:spPr>
+        <p:style>
+          <a:lnRef idx="2">
+            <a:schemeClr val="accent1">
+              <a:shade val="15000"/>
+            </a:schemeClr>
+          </a:lnRef>
+          <a:fillRef idx="1">
+            <a:schemeClr val="accent1"/>
+          </a:fillRef>
+          <a:effectRef idx="0">
+            <a:schemeClr val="accent1"/>
+          </a:effectRef>
+          <a:fontRef idx="minor">
+            <a:schemeClr val="lt1"/>
+          </a:fontRef>
+        </p:style>
+        <p:txBody>
+          <a:bodyPr rtlCol="0" anchor="ctr"/>
+          <a:lstStyle/>
+          <a:p>
+            <a:pPr algn="ctr"/>
+            <a:endParaRPr lang="en-US"/>
+          </a:p>
+        </p:txBody>
+      </p:sp>
+      <p:grpSp>
+        <p:nvGrpSpPr>
+          <p:cNvPr id="66" name="Group 65">
+            <a:extLst>
+              <a:ext uri="{FF2B5EF4-FFF2-40B4-BE49-F238E27FC236}">
+                <a16:creationId xmlns:a16="http://schemas.microsoft.com/office/drawing/2014/main" id="{2289F8D6-E38B-0D80-DF5A-7616E605330E}"/>
+              </a:ext>
+            </a:extLst>
+          </p:cNvPr>
+          <p:cNvGrpSpPr/>
+          <p:nvPr/>
+        </p:nvGrpSpPr>
+        <p:grpSpPr>
+          <a:xfrm>
+            <a:off x="5812839" y="2639857"/>
+            <a:ext cx="2675837" cy="741849"/>
+            <a:chOff x="5922708" y="2325939"/>
+            <a:chExt cx="2427585" cy="741849"/>
+          </a:xfrm>
+        </p:grpSpPr>
+        <p:sp>
+          <p:nvSpPr>
+            <p:cNvPr id="6" name="Rectangle: Rounded Corners 5">
+              <a:extLst>
+                <a:ext uri="{FF2B5EF4-FFF2-40B4-BE49-F238E27FC236}">
+                  <a16:creationId xmlns:a16="http://schemas.microsoft.com/office/drawing/2014/main" id="{362266F6-9CA6-EF3B-7E17-9F3D10DF0669}"/>
+                </a:ext>
+              </a:extLst>
+            </p:cNvPr>
+            <p:cNvSpPr/>
+            <p:nvPr/>
+          </p:nvSpPr>
+          <p:spPr>
+            <a:xfrm>
+              <a:off x="5922708" y="2325939"/>
+              <a:ext cx="2351623" cy="741849"/>
+            </a:xfrm>
+            <a:prstGeom prst="roundRect">
+              <a:avLst/>
+            </a:prstGeom>
+            <a:solidFill>
+              <a:srgbClr val="FFFFFF"/>
+            </a:solidFill>
+            <a:ln>
+              <a:noFill/>
+            </a:ln>
+          </p:spPr>
+          <p:style>
+            <a:lnRef idx="2">
+              <a:schemeClr val="accent1">
+                <a:shade val="15000"/>
+              </a:schemeClr>
+            </a:lnRef>
+            <a:fillRef idx="1">
+              <a:schemeClr val="accent1"/>
+            </a:fillRef>
+            <a:effectRef idx="0">
+              <a:schemeClr val="accent1"/>
+            </a:effectRef>
+            <a:fontRef idx="minor">
+              <a:schemeClr val="lt1"/>
+            </a:fontRef>
+          </p:style>
+          <p:txBody>
+            <a:bodyPr rtlCol="0" anchor="ctr"/>
+            <a:lstStyle/>
+            <a:p>
+              <a:pPr algn="ctr"/>
+              <a:endParaRPr lang="en-US"/>
+            </a:p>
+          </p:txBody>
+        </p:sp>
+        <p:sp>
+          <p:nvSpPr>
+            <p:cNvPr id="8" name="TextBox 7">
+              <a:extLst>
+                <a:ext uri="{FF2B5EF4-FFF2-40B4-BE49-F238E27FC236}">
+                  <a16:creationId xmlns:a16="http://schemas.microsoft.com/office/drawing/2014/main" id="{9DB96E50-BEA2-D003-2438-C1FF964DEF33}"/>
+                </a:ext>
+              </a:extLst>
+            </p:cNvPr>
+            <p:cNvSpPr txBox="1"/>
+            <p:nvPr/>
+          </p:nvSpPr>
+          <p:spPr>
+            <a:xfrm>
+              <a:off x="6035849" y="2403829"/>
+              <a:ext cx="2314444" cy="553998"/>
+            </a:xfrm>
+            <a:prstGeom prst="rect">
+              <a:avLst/>
+            </a:prstGeom>
+            <a:noFill/>
+          </p:spPr>
+          <p:txBody>
+            <a:bodyPr wrap="square" rtlCol="0">
+              <a:spAutoFit/>
+            </a:bodyPr>
+            <a:lstStyle/>
+            <a:p>
+              <a:r>
+                <a:rPr lang="en-US" sz="1200" b="1" dirty="0"/>
+                <a:t>Total Value</a:t>
+              </a:r>
+            </a:p>
+            <a:p>
+              <a:endParaRPr lang="en-US" dirty="0"/>
+            </a:p>
+          </p:txBody>
+        </p:sp>
+        <p:sp>
+          <p:nvSpPr>
+            <p:cNvPr id="9" name="TextBox 8">
+              <a:extLst>
+                <a:ext uri="{FF2B5EF4-FFF2-40B4-BE49-F238E27FC236}">
+                  <a16:creationId xmlns:a16="http://schemas.microsoft.com/office/drawing/2014/main" id="{D52EF5E0-1984-25FF-C91F-C25F1477D3E4}"/>
+                </a:ext>
+              </a:extLst>
+            </p:cNvPr>
+            <p:cNvSpPr txBox="1"/>
+            <p:nvPr/>
+          </p:nvSpPr>
+          <p:spPr>
+            <a:xfrm>
+              <a:off x="6035850" y="2636448"/>
+              <a:ext cx="1139741" cy="369332"/>
+            </a:xfrm>
+            <a:prstGeom prst="rect">
+              <a:avLst/>
+            </a:prstGeom>
+            <a:noFill/>
+          </p:spPr>
+          <p:txBody>
+            <a:bodyPr wrap="square" rtlCol="0">
+              <a:spAutoFit/>
+            </a:bodyPr>
+            <a:lstStyle/>
+            <a:p>
+              <a:r>
+                <a:rPr lang="en-US" b="1" dirty="0">
+                  <a:latin typeface="+mj-lt"/>
+                </a:rPr>
+                <a:t>3000 LKR</a:t>
+              </a:r>
+            </a:p>
+          </p:txBody>
+        </p:sp>
+      </p:grpSp>
+      <p:grpSp>
+        <p:nvGrpSpPr>
+          <p:cNvPr id="18" name="Group 17">
+            <a:extLst>
+              <a:ext uri="{FF2B5EF4-FFF2-40B4-BE49-F238E27FC236}">
+                <a16:creationId xmlns:a16="http://schemas.microsoft.com/office/drawing/2014/main" id="{A985E7E5-7D3C-6848-F856-219ACC47F89D}"/>
+              </a:ext>
+            </a:extLst>
+          </p:cNvPr>
+          <p:cNvGrpSpPr/>
+          <p:nvPr/>
+        </p:nvGrpSpPr>
+        <p:grpSpPr>
+          <a:xfrm>
+            <a:off x="3202989" y="1808052"/>
+            <a:ext cx="5219700" cy="369332"/>
+            <a:chOff x="2933700" y="1713523"/>
+            <a:chExt cx="5219700" cy="369332"/>
+          </a:xfrm>
+        </p:grpSpPr>
+        <p:grpSp>
+          <p:nvGrpSpPr>
+            <p:cNvPr id="21" name="Group 20">
+              <a:extLst>
+                <a:ext uri="{FF2B5EF4-FFF2-40B4-BE49-F238E27FC236}">
+                  <a16:creationId xmlns:a16="http://schemas.microsoft.com/office/drawing/2014/main" id="{6D8887F5-5525-EF88-CE61-D69607C10A99}"/>
+                </a:ext>
+              </a:extLst>
+            </p:cNvPr>
+            <p:cNvGrpSpPr/>
+            <p:nvPr/>
+          </p:nvGrpSpPr>
+          <p:grpSpPr>
+            <a:xfrm>
+              <a:off x="2933700" y="1713523"/>
+              <a:ext cx="5219700" cy="369332"/>
+              <a:chOff x="2933700" y="1713523"/>
+              <a:chExt cx="5219700" cy="369332"/>
+            </a:xfrm>
+          </p:grpSpPr>
+          <p:sp>
+            <p:nvSpPr>
+              <p:cNvPr id="64" name="Rectangle: Rounded Corners 63">
+                <a:extLst>
+                  <a:ext uri="{FF2B5EF4-FFF2-40B4-BE49-F238E27FC236}">
+                    <a16:creationId xmlns:a16="http://schemas.microsoft.com/office/drawing/2014/main" id="{8F5B824B-3110-D5CA-5574-BDE1C9FA96B0}"/>
+                  </a:ext>
+                </a:extLst>
+              </p:cNvPr>
+              <p:cNvSpPr/>
+              <p:nvPr/>
+            </p:nvSpPr>
+            <p:spPr>
+              <a:xfrm>
+                <a:off x="2933700" y="1713523"/>
+                <a:ext cx="5219700" cy="369332"/>
+              </a:xfrm>
+              <a:prstGeom prst="roundRect">
+                <a:avLst>
+                  <a:gd name="adj" fmla="val 50000"/>
+                </a:avLst>
+              </a:prstGeom>
+              <a:solidFill>
+                <a:schemeClr val="bg1"/>
+              </a:solidFill>
+              <a:ln>
+                <a:noFill/>
+              </a:ln>
+            </p:spPr>
+            <p:style>
+              <a:lnRef idx="2">
+                <a:schemeClr val="accent1">
+                  <a:shade val="50000"/>
+                </a:schemeClr>
+              </a:lnRef>
+              <a:fillRef idx="1">
+                <a:schemeClr val="accent1"/>
+              </a:fillRef>
+              <a:effectRef idx="0">
+                <a:schemeClr val="accent1"/>
+              </a:effectRef>
+              <a:fontRef idx="minor">
+                <a:schemeClr val="lt1"/>
+              </a:fontRef>
+            </p:style>
+            <p:txBody>
+              <a:bodyPr rtlCol="0" anchor="ctr"/>
+              <a:lstStyle/>
+              <a:p>
+                <a:pPr algn="ctr"/>
+                <a:endParaRPr lang="en-US"/>
+              </a:p>
+            </p:txBody>
+          </p:sp>
+          <p:cxnSp>
+            <p:nvCxnSpPr>
+              <p:cNvPr id="65" name="Straight Connector 64">
+                <a:extLst>
+                  <a:ext uri="{FF2B5EF4-FFF2-40B4-BE49-F238E27FC236}">
+                    <a16:creationId xmlns:a16="http://schemas.microsoft.com/office/drawing/2014/main" id="{99FA061F-4E80-C5DB-4A82-3CC6F5F1A84D}"/>
+                  </a:ext>
+                </a:extLst>
+              </p:cNvPr>
+              <p:cNvCxnSpPr>
+                <a:cxnSpLocks/>
+                <a:stCxn id="64" idx="0"/>
+                <a:endCxn id="64" idx="2"/>
+              </p:cNvCxnSpPr>
+              <p:nvPr/>
+            </p:nvCxnSpPr>
+            <p:spPr>
+              <a:xfrm>
+                <a:off x="5543550" y="1713523"/>
+                <a:ext cx="0" cy="369332"/>
+              </a:xfrm>
+              <a:prstGeom prst="line">
+                <a:avLst/>
+              </a:prstGeom>
+              <a:ln w="38100">
+                <a:solidFill>
+                  <a:srgbClr val="0068FF"/>
+                </a:solidFill>
+              </a:ln>
+            </p:spPr>
+            <p:style>
+              <a:lnRef idx="1">
+                <a:schemeClr val="accent1"/>
+              </a:lnRef>
+              <a:fillRef idx="0">
+                <a:schemeClr val="accent1"/>
+              </a:fillRef>
+              <a:effectRef idx="0">
+                <a:schemeClr val="accent1"/>
+              </a:effectRef>
+              <a:fontRef idx="minor">
+                <a:schemeClr val="tx1"/>
+              </a:fontRef>
+            </p:style>
+          </p:cxnSp>
+        </p:grpSp>
+        <p:sp>
+          <p:nvSpPr>
+            <p:cNvPr id="23" name="TextBox 22">
+              <a:extLst>
+                <a:ext uri="{FF2B5EF4-FFF2-40B4-BE49-F238E27FC236}">
+                  <a16:creationId xmlns:a16="http://schemas.microsoft.com/office/drawing/2014/main" id="{5F272157-747D-86D4-E502-AA400F2AB9AB}"/>
+                </a:ext>
+              </a:extLst>
+            </p:cNvPr>
+            <p:cNvSpPr txBox="1"/>
+            <p:nvPr/>
+          </p:nvSpPr>
+          <p:spPr>
+            <a:xfrm>
+              <a:off x="3120065" y="1757598"/>
+              <a:ext cx="1795773" cy="276999"/>
+            </a:xfrm>
+            <a:prstGeom prst="rect">
+              <a:avLst/>
+            </a:prstGeom>
+            <a:noFill/>
+          </p:spPr>
+          <p:txBody>
+            <a:bodyPr wrap="square">
+              <a:spAutoFit/>
+            </a:bodyPr>
+            <a:lstStyle/>
+            <a:p>
+              <a:r>
+                <a:rPr lang="en-US" sz="1200" b="1" dirty="0"/>
+                <a:t>Unit Price (Per Kg / L)</a:t>
+              </a:r>
+            </a:p>
+          </p:txBody>
+        </p:sp>
+        <p:sp>
+          <p:nvSpPr>
+            <p:cNvPr id="26" name="TextBox 25">
+              <a:extLst>
+                <a:ext uri="{FF2B5EF4-FFF2-40B4-BE49-F238E27FC236}">
+                  <a16:creationId xmlns:a16="http://schemas.microsoft.com/office/drawing/2014/main" id="{A96B816E-E2C5-06F1-6D9B-3109B65C26DE}"/>
+                </a:ext>
+              </a:extLst>
+            </p:cNvPr>
+            <p:cNvSpPr txBox="1"/>
+            <p:nvPr/>
+          </p:nvSpPr>
+          <p:spPr>
+            <a:xfrm>
+              <a:off x="6310932" y="1767332"/>
+              <a:ext cx="1214757" cy="276999"/>
+            </a:xfrm>
+            <a:prstGeom prst="rect">
+              <a:avLst/>
+            </a:prstGeom>
+            <a:noFill/>
+          </p:spPr>
+          <p:txBody>
+            <a:bodyPr wrap="square">
+              <a:spAutoFit/>
+            </a:bodyPr>
+            <a:lstStyle/>
+            <a:p>
+              <a:r>
+                <a:rPr lang="en-US" sz="1200" i="1" dirty="0">
+                  <a:solidFill>
+                    <a:srgbClr val="DAE5EF"/>
+                  </a:solidFill>
+                </a:rPr>
+                <a:t>Enter Unit Price </a:t>
+              </a:r>
+            </a:p>
+          </p:txBody>
+        </p:sp>
+      </p:grpSp>
+      <p:sp>
+        <p:nvSpPr>
+          <p:cNvPr id="4" name="Slide Number Placeholder 3">
+            <a:extLst>
+              <a:ext uri="{FF2B5EF4-FFF2-40B4-BE49-F238E27FC236}">
+                <a16:creationId xmlns:a16="http://schemas.microsoft.com/office/drawing/2014/main" id="{220B037D-7227-B534-0FB1-C626D9122E25}"/>
+              </a:ext>
+            </a:extLst>
+          </p:cNvPr>
+          <p:cNvSpPr>
+            <a:spLocks noGrp="1"/>
+          </p:cNvSpPr>
+          <p:nvPr>
+            <p:ph type="sldNum" sz="quarter" idx="4"/>
+          </p:nvPr>
+        </p:nvSpPr>
+        <p:spPr/>
+        <p:txBody>
+          <a:bodyPr/>
+          <a:lstStyle/>
+          <a:p>
+            <a:fld id="{294A09A9-5501-47C1-A89A-A340965A2BE2}" type="slidenum">
+              <a:rPr lang="en-US" smtClean="0"/>
+              <a:pPr/>
+              <a:t>8</a:t>
+            </a:fld>
+            <a:endParaRPr lang="en-US" dirty="0"/>
+          </a:p>
+        </p:txBody>
+      </p:sp>
+    </p:spTree>
+    <p:extLst>
+      <p:ext uri="{BB962C8B-B14F-4D97-AF65-F5344CB8AC3E}">
+        <p14:creationId xmlns:p14="http://schemas.microsoft.com/office/powerpoint/2010/main" val="198236642"/>
+      </p:ext>
+    </p:extLst>
+  </p:cSld>
+  <p:clrMapOvr>
+    <a:masterClrMapping/>
+  </p:clrMapOvr>
+  <p:transition>
+    <p:fade/>
+  </p:transition>
+</p:sld>
+</file>
+
+<file path=ppt/slides/slide9.xml><?xml version="1.0" encoding="utf-8"?>
+<p:sld xmlns:a="http://schemas.openxmlformats.org/drawingml/2006/main" xmlns:r="http://schemas.openxmlformats.org/officeDocument/2006/relationships" xmlns:p="http://schemas.openxmlformats.org/presentationml/2006/main">
+  <p:cSld>
+    <p:spTree>
+      <p:nvGrpSpPr>
+        <p:cNvPr id="1" name=""/>
+        <p:cNvGrpSpPr/>
+        <p:nvPr/>
+      </p:nvGrpSpPr>
+      <p:grpSpPr>
+        <a:xfrm>
+          <a:off x="0" y="0"/>
+          <a:ext cx="0" cy="0"/>
+          <a:chOff x="0" y="0"/>
+          <a:chExt cx="0" cy="0"/>
+        </a:xfrm>
+      </p:grpSpPr>
+      <p:sp>
+        <p:nvSpPr>
+          <p:cNvPr id="11" name="Rectangle 10">
+            <a:extLst>
+              <a:ext uri="{FF2B5EF4-FFF2-40B4-BE49-F238E27FC236}">
+                <a16:creationId xmlns:a16="http://schemas.microsoft.com/office/drawing/2014/main" id="{EC100C05-0550-213C-2A7A-88F3CD32BE23}"/>
+              </a:ext>
+            </a:extLst>
+          </p:cNvPr>
+          <p:cNvSpPr/>
+          <p:nvPr/>
+        </p:nvSpPr>
+        <p:spPr>
+          <a:xfrm>
+            <a:off x="1114159" y="320849"/>
+            <a:ext cx="9524144" cy="4921333"/>
+          </a:xfrm>
+          <a:prstGeom prst="rect">
+            <a:avLst/>
+          </a:prstGeom>
+          <a:ln>
+            <a:noFill/>
+          </a:ln>
+        </p:spPr>
+        <p:style>
+          <a:lnRef idx="2">
+            <a:schemeClr val="accent1">
+              <a:shade val="50000"/>
+            </a:schemeClr>
+          </a:lnRef>
+          <a:fillRef idx="1">
+            <a:schemeClr val="accent1"/>
+          </a:fillRef>
+          <a:effectRef idx="0">
+            <a:schemeClr val="accent1"/>
+          </a:effectRef>
+          <a:fontRef idx="minor">
+            <a:schemeClr val="lt1"/>
+          </a:fontRef>
+        </p:style>
+        <p:txBody>
+          <a:bodyPr rtlCol="0" anchor="ctr"/>
+          <a:lstStyle/>
+          <a:p>
+            <a:pPr algn="ctr"/>
+            <a:endParaRPr lang="en-US" dirty="0">
+              <a:solidFill>
+                <a:srgbClr val="DAE5EF"/>
+              </a:solidFill>
+            </a:endParaRPr>
+          </a:p>
+        </p:txBody>
+      </p:sp>
+      <p:grpSp>
+        <p:nvGrpSpPr>
+          <p:cNvPr id="60" name="Group 59">
+            <a:extLst>
+              <a:ext uri="{FF2B5EF4-FFF2-40B4-BE49-F238E27FC236}">
+                <a16:creationId xmlns:a16="http://schemas.microsoft.com/office/drawing/2014/main" id="{A3BA8360-9F05-657F-5392-73F72D0E7FE4}"/>
+              </a:ext>
+            </a:extLst>
+          </p:cNvPr>
+          <p:cNvGrpSpPr/>
+          <p:nvPr/>
+        </p:nvGrpSpPr>
+        <p:grpSpPr>
+          <a:xfrm>
+            <a:off x="9581239" y="680144"/>
+            <a:ext cx="320408" cy="320408"/>
+            <a:chOff x="10207784" y="2359292"/>
+            <a:chExt cx="389459" cy="389459"/>
+          </a:xfrm>
+        </p:grpSpPr>
+        <p:sp>
+          <p:nvSpPr>
+            <p:cNvPr id="59" name="Oval 58">
+              <a:extLst>
+                <a:ext uri="{FF2B5EF4-FFF2-40B4-BE49-F238E27FC236}">
+                  <a16:creationId xmlns:a16="http://schemas.microsoft.com/office/drawing/2014/main" id="{E829299C-0B39-B2A2-3A09-EEE4CB004520}"/>
+                </a:ext>
+              </a:extLst>
+            </p:cNvPr>
+            <p:cNvSpPr/>
+            <p:nvPr/>
+          </p:nvSpPr>
+          <p:spPr>
+            <a:xfrm>
+              <a:off x="10207784" y="2359292"/>
+              <a:ext cx="389459" cy="389459"/>
+            </a:xfrm>
+            <a:prstGeom prst="ellipse">
+              <a:avLst/>
+            </a:prstGeom>
+            <a:solidFill>
+              <a:schemeClr val="bg1"/>
+            </a:solidFill>
+            <a:ln>
+              <a:noFill/>
+            </a:ln>
+          </p:spPr>
+          <p:style>
+            <a:lnRef idx="2">
+              <a:schemeClr val="accent1">
+                <a:shade val="50000"/>
+              </a:schemeClr>
+            </a:lnRef>
+            <a:fillRef idx="1">
+              <a:schemeClr val="accent1"/>
+            </a:fillRef>
+            <a:effectRef idx="0">
+              <a:schemeClr val="accent1"/>
+            </a:effectRef>
+            <a:fontRef idx="minor">
+              <a:schemeClr val="lt1"/>
+            </a:fontRef>
+          </p:style>
+          <p:txBody>
+            <a:bodyPr rtlCol="0" anchor="ctr"/>
+            <a:lstStyle/>
+            <a:p>
+              <a:pPr algn="ctr"/>
+              <a:endParaRPr lang="en-US"/>
+            </a:p>
+          </p:txBody>
+        </p:sp>
+        <p:pic>
+          <p:nvPicPr>
+            <p:cNvPr id="58" name="Graphic 57" descr="User with solid fill">
+              <a:extLst>
+                <a:ext uri="{FF2B5EF4-FFF2-40B4-BE49-F238E27FC236}">
+                  <a16:creationId xmlns:a16="http://schemas.microsoft.com/office/drawing/2014/main" id="{606FE5C0-88E4-40FB-8984-E7BA7BBD4BD1}"/>
+                </a:ext>
+              </a:extLst>
+            </p:cNvPr>
+            <p:cNvPicPr>
+              <a:picLocks noChangeAspect="1"/>
+            </p:cNvPicPr>
+            <p:nvPr/>
+          </p:nvPicPr>
+          <p:blipFill>
+            <a:blip r:embed="rId3">
+              <a:extLst>
+                <a:ext uri="{96DAC541-7B7A-43D3-8B79-37D633B846F1}">
+                  <asvg:svgBlip xmlns:asvg="http://schemas.microsoft.com/office/drawing/2016/SVG/main" r:embed="rId4"/>
+                </a:ext>
+              </a:extLst>
+            </a:blip>
+            <a:stretch>
+              <a:fillRect/>
+            </a:stretch>
+          </p:blipFill>
+          <p:spPr>
+            <a:xfrm>
+              <a:off x="10258391" y="2409899"/>
+              <a:ext cx="288243" cy="288243"/>
+            </a:xfrm>
+            <a:prstGeom prst="rect">
+              <a:avLst/>
+            </a:prstGeom>
+          </p:spPr>
+        </p:pic>
+      </p:grpSp>
+      <p:sp>
+        <p:nvSpPr>
+          <p:cNvPr id="61" name="TextBox 60">
+            <a:extLst>
+              <a:ext uri="{FF2B5EF4-FFF2-40B4-BE49-F238E27FC236}">
+                <a16:creationId xmlns:a16="http://schemas.microsoft.com/office/drawing/2014/main" id="{3D35552B-6179-3841-9C2C-65530A4C21FE}"/>
+              </a:ext>
+            </a:extLst>
+          </p:cNvPr>
+          <p:cNvSpPr txBox="1"/>
+          <p:nvPr/>
+        </p:nvSpPr>
+        <p:spPr>
+          <a:xfrm>
+            <a:off x="8691968" y="704171"/>
+            <a:ext cx="1554338" cy="276999"/>
+          </a:xfrm>
+          <a:prstGeom prst="rect">
+            <a:avLst/>
+          </a:prstGeom>
+          <a:noFill/>
+        </p:spPr>
+        <p:txBody>
+          <a:bodyPr wrap="square" rtlCol="0">
+            <a:spAutoFit/>
+          </a:bodyPr>
+          <a:lstStyle/>
+          <a:p>
+            <a:r>
+              <a:rPr lang="en-US" sz="1200" b="1" dirty="0">
+                <a:solidFill>
+                  <a:srgbClr val="DAE5EF"/>
+                </a:solidFill>
+              </a:rPr>
+              <a:t>ACCOUNT</a:t>
+            </a:r>
+          </a:p>
+        </p:txBody>
+      </p:sp>
+      <p:sp>
+        <p:nvSpPr>
+          <p:cNvPr id="3" name="TextBox 2">
+            <a:extLst>
+              <a:ext uri="{FF2B5EF4-FFF2-40B4-BE49-F238E27FC236}">
+                <a16:creationId xmlns:a16="http://schemas.microsoft.com/office/drawing/2014/main" id="{94E82F74-A55E-6A46-4B66-2EC897EBDFF1}"/>
+              </a:ext>
+            </a:extLst>
+          </p:cNvPr>
+          <p:cNvSpPr txBox="1"/>
+          <p:nvPr/>
+        </p:nvSpPr>
+        <p:spPr>
+          <a:xfrm>
+            <a:off x="1609438" y="658004"/>
+            <a:ext cx="2171700" cy="369332"/>
+          </a:xfrm>
+          <a:prstGeom prst="rect">
+            <a:avLst/>
+          </a:prstGeom>
+          <a:noFill/>
+        </p:spPr>
+        <p:txBody>
+          <a:bodyPr wrap="square" rtlCol="0">
+            <a:spAutoFit/>
+          </a:bodyPr>
+          <a:lstStyle/>
+          <a:p>
+            <a:r>
+              <a:rPr lang="en-US" b="1" dirty="0">
+                <a:solidFill>
+                  <a:schemeClr val="bg1"/>
+                </a:solidFill>
+              </a:rPr>
+              <a:t>Delete Product</a:t>
+            </a:r>
+          </a:p>
+        </p:txBody>
+      </p:sp>
+      <p:grpSp>
+        <p:nvGrpSpPr>
+          <p:cNvPr id="12" name="Group 11">
+            <a:extLst>
+              <a:ext uri="{FF2B5EF4-FFF2-40B4-BE49-F238E27FC236}">
+                <a16:creationId xmlns:a16="http://schemas.microsoft.com/office/drawing/2014/main" id="{1B592AEA-BA1E-6150-5CE8-1AE9CC92DE8A}"/>
+              </a:ext>
+            </a:extLst>
+          </p:cNvPr>
+          <p:cNvGrpSpPr/>
+          <p:nvPr/>
+        </p:nvGrpSpPr>
+        <p:grpSpPr>
+          <a:xfrm>
+            <a:off x="3204627" y="1939510"/>
+            <a:ext cx="5219700" cy="369332"/>
+            <a:chOff x="2933700" y="1713523"/>
+            <a:chExt cx="5219700" cy="369332"/>
+          </a:xfrm>
+        </p:grpSpPr>
+        <p:grpSp>
+          <p:nvGrpSpPr>
+            <p:cNvPr id="13" name="Group 12">
+              <a:extLst>
+                <a:ext uri="{FF2B5EF4-FFF2-40B4-BE49-F238E27FC236}">
+                  <a16:creationId xmlns:a16="http://schemas.microsoft.com/office/drawing/2014/main" id="{BAF7258C-A358-F9C1-439E-215F9B4C63DA}"/>
+                </a:ext>
+              </a:extLst>
+            </p:cNvPr>
+            <p:cNvGrpSpPr/>
+            <p:nvPr/>
+          </p:nvGrpSpPr>
+          <p:grpSpPr>
+            <a:xfrm>
+              <a:off x="2933700" y="1713523"/>
+              <a:ext cx="5219700" cy="369332"/>
+              <a:chOff x="2933700" y="1713523"/>
+              <a:chExt cx="5219700" cy="369332"/>
+            </a:xfrm>
+          </p:grpSpPr>
+          <p:sp>
+            <p:nvSpPr>
+              <p:cNvPr id="16" name="Rectangle: Rounded Corners 15">
+                <a:extLst>
+                  <a:ext uri="{FF2B5EF4-FFF2-40B4-BE49-F238E27FC236}">
+                    <a16:creationId xmlns:a16="http://schemas.microsoft.com/office/drawing/2014/main" id="{7A759431-45FE-EAD3-F12E-EF963EAA8132}"/>
+                  </a:ext>
+                </a:extLst>
+              </p:cNvPr>
+              <p:cNvSpPr/>
+              <p:nvPr/>
+            </p:nvSpPr>
+            <p:spPr>
+              <a:xfrm>
+                <a:off x="2933700" y="1713523"/>
+                <a:ext cx="5219700" cy="369332"/>
+              </a:xfrm>
+              <a:prstGeom prst="roundRect">
+                <a:avLst>
+                  <a:gd name="adj" fmla="val 50000"/>
+                </a:avLst>
+              </a:prstGeom>
+              <a:solidFill>
+                <a:schemeClr val="bg1"/>
+              </a:solidFill>
+              <a:ln>
+                <a:noFill/>
+              </a:ln>
+            </p:spPr>
+            <p:style>
+              <a:lnRef idx="2">
+                <a:schemeClr val="accent1">
+                  <a:shade val="50000"/>
+                </a:schemeClr>
+              </a:lnRef>
+              <a:fillRef idx="1">
+                <a:schemeClr val="accent1"/>
+              </a:fillRef>
+              <a:effectRef idx="0">
+                <a:schemeClr val="accent1"/>
+              </a:effectRef>
+              <a:fontRef idx="minor">
+                <a:schemeClr val="lt1"/>
+              </a:fontRef>
+            </p:style>
+            <p:txBody>
+              <a:bodyPr rtlCol="0" anchor="ctr"/>
+              <a:lstStyle/>
+              <a:p>
+                <a:pPr algn="ctr"/>
+                <a:endParaRPr lang="en-US"/>
+              </a:p>
+            </p:txBody>
+          </p:sp>
+          <p:cxnSp>
+            <p:nvCxnSpPr>
+              <p:cNvPr id="19" name="Straight Connector 18">
+                <a:extLst>
+                  <a:ext uri="{FF2B5EF4-FFF2-40B4-BE49-F238E27FC236}">
+                    <a16:creationId xmlns:a16="http://schemas.microsoft.com/office/drawing/2014/main" id="{0AB46215-4289-EAF1-AD89-481D95934E7E}"/>
+                  </a:ext>
+                </a:extLst>
+              </p:cNvPr>
+              <p:cNvCxnSpPr>
+                <a:cxnSpLocks/>
+                <a:stCxn id="16" idx="0"/>
+                <a:endCxn id="16" idx="2"/>
+              </p:cNvCxnSpPr>
+              <p:nvPr/>
+            </p:nvCxnSpPr>
+            <p:spPr>
+              <a:xfrm>
+                <a:off x="5543550" y="1713523"/>
+                <a:ext cx="0" cy="369332"/>
+              </a:xfrm>
+              <a:prstGeom prst="line">
+                <a:avLst/>
+              </a:prstGeom>
+              <a:ln w="38100">
+                <a:solidFill>
+                  <a:srgbClr val="0068FF"/>
+                </a:solidFill>
+              </a:ln>
+            </p:spPr>
+            <p:style>
+              <a:lnRef idx="1">
+                <a:schemeClr val="accent1"/>
+              </a:lnRef>
+              <a:fillRef idx="0">
+                <a:schemeClr val="accent1"/>
+              </a:fillRef>
+              <a:effectRef idx="0">
+                <a:schemeClr val="accent1"/>
+              </a:effectRef>
+              <a:fontRef idx="minor">
+                <a:schemeClr val="tx1"/>
+              </a:fontRef>
+            </p:style>
+          </p:cxnSp>
+        </p:grpSp>
+        <p:sp>
+          <p:nvSpPr>
+            <p:cNvPr id="14" name="TextBox 13">
+              <a:extLst>
+                <a:ext uri="{FF2B5EF4-FFF2-40B4-BE49-F238E27FC236}">
+                  <a16:creationId xmlns:a16="http://schemas.microsoft.com/office/drawing/2014/main" id="{B1977854-7882-8BB4-D1C0-CA1B6BDFC4FE}"/>
+                </a:ext>
+              </a:extLst>
+            </p:cNvPr>
+            <p:cNvSpPr txBox="1"/>
+            <p:nvPr/>
+          </p:nvSpPr>
+          <p:spPr>
+            <a:xfrm>
+              <a:off x="3120066" y="1757598"/>
+              <a:ext cx="1528134" cy="276999"/>
+            </a:xfrm>
+            <a:prstGeom prst="rect">
+              <a:avLst/>
+            </a:prstGeom>
+            <a:noFill/>
+          </p:spPr>
+          <p:txBody>
+            <a:bodyPr wrap="square">
+              <a:spAutoFit/>
+            </a:bodyPr>
+            <a:lstStyle/>
+            <a:p>
+              <a:r>
+                <a:rPr lang="en-US" sz="1200" b="1" dirty="0"/>
+                <a:t>Product ID</a:t>
+              </a:r>
+            </a:p>
+          </p:txBody>
+        </p:sp>
+        <p:sp>
+          <p:nvSpPr>
+            <p:cNvPr id="15" name="TextBox 14">
+              <a:extLst>
+                <a:ext uri="{FF2B5EF4-FFF2-40B4-BE49-F238E27FC236}">
+                  <a16:creationId xmlns:a16="http://schemas.microsoft.com/office/drawing/2014/main" id="{164CD48C-F18C-1EB6-59ED-52B78224F19E}"/>
+                </a:ext>
+              </a:extLst>
+            </p:cNvPr>
+            <p:cNvSpPr txBox="1"/>
+            <p:nvPr/>
+          </p:nvSpPr>
+          <p:spPr>
+            <a:xfrm>
+              <a:off x="6310932" y="1767332"/>
+              <a:ext cx="1323086" cy="276999"/>
+            </a:xfrm>
+            <a:prstGeom prst="rect">
+              <a:avLst/>
+            </a:prstGeom>
+            <a:noFill/>
+          </p:spPr>
+          <p:txBody>
+            <a:bodyPr wrap="square">
+              <a:spAutoFit/>
+            </a:bodyPr>
+            <a:lstStyle/>
+            <a:p>
+              <a:r>
+                <a:rPr lang="en-US" sz="1200" i="1" dirty="0">
+                  <a:solidFill>
+                    <a:srgbClr val="DAE5EF"/>
+                  </a:solidFill>
+                </a:rPr>
+                <a:t>Enter Product ID</a:t>
+              </a:r>
+            </a:p>
+          </p:txBody>
+        </p:sp>
+      </p:grpSp>
+      <p:sp>
+        <p:nvSpPr>
+          <p:cNvPr id="63" name="Rectangle: Rounded Corners 62">
+            <a:extLst>
+              <a:ext uri="{FF2B5EF4-FFF2-40B4-BE49-F238E27FC236}">
+                <a16:creationId xmlns:a16="http://schemas.microsoft.com/office/drawing/2014/main" id="{E8483715-6418-4BF3-8606-CD81240AA6BF}"/>
+              </a:ext>
+            </a:extLst>
+          </p:cNvPr>
+          <p:cNvSpPr/>
+          <p:nvPr/>
+        </p:nvSpPr>
+        <p:spPr>
+          <a:xfrm>
+            <a:off x="4217473" y="2959806"/>
+            <a:ext cx="3194008" cy="469194"/>
+          </a:xfrm>
+          <a:prstGeom prst="roundRect">
+            <a:avLst/>
+          </a:prstGeom>
+          <a:solidFill>
+            <a:srgbClr val="FFFFFF"/>
+          </a:solidFill>
+          <a:ln>
+            <a:noFill/>
+          </a:ln>
+        </p:spPr>
+        <p:style>
+          <a:lnRef idx="2">
+            <a:schemeClr val="accent1">
+              <a:shade val="15000"/>
+            </a:schemeClr>
+          </a:lnRef>
+          <a:fillRef idx="1">
+            <a:schemeClr val="accent1"/>
+          </a:fillRef>
+          <a:effectRef idx="0">
+            <a:schemeClr val="accent1"/>
+          </a:effectRef>
+          <a:fontRef idx="minor">
+            <a:schemeClr val="lt1"/>
+          </a:fontRef>
+        </p:style>
+        <p:txBody>
+          <a:bodyPr rtlCol="0" anchor="ctr"/>
+          <a:lstStyle/>
+          <a:p>
+            <a:pPr algn="ctr"/>
+            <a:r>
+              <a:rPr lang="en-US" b="1" dirty="0">
+                <a:solidFill>
+                  <a:schemeClr val="tx1"/>
+                </a:solidFill>
+              </a:rPr>
+              <a:t>Delete Product</a:t>
+            </a:r>
+          </a:p>
+        </p:txBody>
+      </p:sp>
+      <p:grpSp>
+        <p:nvGrpSpPr>
+          <p:cNvPr id="9" name="Group 8">
+            <a:extLst>
+              <a:ext uri="{FF2B5EF4-FFF2-40B4-BE49-F238E27FC236}">
+                <a16:creationId xmlns:a16="http://schemas.microsoft.com/office/drawing/2014/main" id="{7189A7FA-5074-1BDC-0FCD-5522A1A7BE76}"/>
+              </a:ext>
+            </a:extLst>
+          </p:cNvPr>
+          <p:cNvGrpSpPr/>
+          <p:nvPr/>
+        </p:nvGrpSpPr>
+        <p:grpSpPr>
+          <a:xfrm>
+            <a:off x="3390992" y="2438400"/>
+            <a:ext cx="133257" cy="123732"/>
+            <a:chOff x="3390992" y="2438400"/>
+            <a:chExt cx="133257" cy="123732"/>
+          </a:xfrm>
+        </p:grpSpPr>
+        <p:sp>
+          <p:nvSpPr>
+            <p:cNvPr id="8" name="Rectangle 7">
+              <a:extLst>
+                <a:ext uri="{FF2B5EF4-FFF2-40B4-BE49-F238E27FC236}">
+                  <a16:creationId xmlns:a16="http://schemas.microsoft.com/office/drawing/2014/main" id="{1DE8DCE1-2934-0963-3EB2-3FB91461F356}"/>
+                </a:ext>
+              </a:extLst>
+            </p:cNvPr>
+            <p:cNvSpPr/>
+            <p:nvPr/>
+          </p:nvSpPr>
+          <p:spPr>
+            <a:xfrm>
+              <a:off x="3390992" y="2438400"/>
+              <a:ext cx="133257" cy="123732"/>
+            </a:xfrm>
+            <a:prstGeom prst="rect">
+              <a:avLst/>
+            </a:prstGeom>
+            <a:solidFill>
+              <a:srgbClr val="FFFFFF"/>
+            </a:solidFill>
+            <a:ln>
+              <a:noFill/>
+            </a:ln>
+          </p:spPr>
+          <p:style>
+            <a:lnRef idx="2">
+              <a:schemeClr val="accent1">
+                <a:shade val="15000"/>
+              </a:schemeClr>
+            </a:lnRef>
+            <a:fillRef idx="1">
+              <a:schemeClr val="accent1"/>
+            </a:fillRef>
+            <a:effectRef idx="0">
+              <a:schemeClr val="accent1"/>
+            </a:effectRef>
+            <a:fontRef idx="minor">
+              <a:schemeClr val="lt1"/>
+            </a:fontRef>
+          </p:style>
+          <p:txBody>
+            <a:bodyPr rtlCol="0" anchor="ctr"/>
+            <a:lstStyle/>
+            <a:p>
+              <a:pPr algn="ctr"/>
+              <a:endParaRPr lang="en-US"/>
+            </a:p>
+          </p:txBody>
+        </p:sp>
+        <p:sp>
+          <p:nvSpPr>
+            <p:cNvPr id="7" name="Rectangle 6">
+              <a:extLst>
+                <a:ext uri="{FF2B5EF4-FFF2-40B4-BE49-F238E27FC236}">
+                  <a16:creationId xmlns:a16="http://schemas.microsoft.com/office/drawing/2014/main" id="{81AE3B29-95C3-6471-719C-B618F487977A}"/>
+                </a:ext>
+              </a:extLst>
+            </p:cNvPr>
+            <p:cNvSpPr/>
+            <p:nvPr/>
+          </p:nvSpPr>
+          <p:spPr>
+            <a:xfrm>
+              <a:off x="3402401" y="2450342"/>
+              <a:ext cx="110017" cy="100015"/>
+            </a:xfrm>
+            <a:prstGeom prst="rect">
+              <a:avLst/>
+            </a:prstGeom>
+            <a:solidFill>
+              <a:srgbClr val="0068FF"/>
+            </a:solidFill>
+            <a:ln>
+              <a:noFill/>
+            </a:ln>
+          </p:spPr>
+          <p:style>
+            <a:lnRef idx="2">
+              <a:schemeClr val="accent1">
+                <a:shade val="15000"/>
+              </a:schemeClr>
+            </a:lnRef>
+            <a:fillRef idx="1">
+              <a:schemeClr val="accent1"/>
+            </a:fillRef>
+            <a:effectRef idx="0">
+              <a:schemeClr val="accent1"/>
+            </a:effectRef>
+            <a:fontRef idx="minor">
+              <a:schemeClr val="lt1"/>
+            </a:fontRef>
+          </p:style>
+          <p:txBody>
+            <a:bodyPr rtlCol="0" anchor="ctr"/>
+            <a:lstStyle/>
+            <a:p>
+              <a:pPr algn="ctr"/>
+              <a:endParaRPr lang="en-US"/>
+            </a:p>
+          </p:txBody>
+        </p:sp>
+      </p:grpSp>
+      <p:grpSp>
+        <p:nvGrpSpPr>
+          <p:cNvPr id="21" name="Group 20">
+            <a:extLst>
+              <a:ext uri="{FF2B5EF4-FFF2-40B4-BE49-F238E27FC236}">
+                <a16:creationId xmlns:a16="http://schemas.microsoft.com/office/drawing/2014/main" id="{D93D9793-4699-E31F-5B02-8DA28B3BDF40}"/>
+              </a:ext>
+            </a:extLst>
+          </p:cNvPr>
+          <p:cNvGrpSpPr/>
+          <p:nvPr/>
+        </p:nvGrpSpPr>
+        <p:grpSpPr>
+          <a:xfrm>
+            <a:off x="3417495" y="2461381"/>
+            <a:ext cx="78030" cy="73781"/>
+            <a:chOff x="2206170" y="2533835"/>
+            <a:chExt cx="237507" cy="187594"/>
+          </a:xfrm>
+        </p:grpSpPr>
+        <p:sp>
+          <p:nvSpPr>
+            <p:cNvPr id="17" name="Diagonal Stripe 16">
+              <a:extLst>
+                <a:ext uri="{FF2B5EF4-FFF2-40B4-BE49-F238E27FC236}">
+                  <a16:creationId xmlns:a16="http://schemas.microsoft.com/office/drawing/2014/main" id="{07D2A262-B978-14D1-121D-6469C0DFB71D}"/>
+                </a:ext>
+              </a:extLst>
+            </p:cNvPr>
+            <p:cNvSpPr/>
+            <p:nvPr/>
+          </p:nvSpPr>
+          <p:spPr>
+            <a:xfrm>
+              <a:off x="2290353" y="2533835"/>
+              <a:ext cx="153324" cy="187594"/>
+            </a:xfrm>
+            <a:prstGeom prst="diagStripe">
+              <a:avLst>
+                <a:gd name="adj" fmla="val 65412"/>
+              </a:avLst>
+            </a:prstGeom>
+            <a:solidFill>
+              <a:srgbClr val="FFFFFF"/>
+            </a:solidFill>
+            <a:ln>
+              <a:noFill/>
+            </a:ln>
+          </p:spPr>
+          <p:style>
+            <a:lnRef idx="2">
+              <a:schemeClr val="accent1">
+                <a:shade val="15000"/>
+              </a:schemeClr>
+            </a:lnRef>
+            <a:fillRef idx="1">
+              <a:schemeClr val="accent1"/>
+            </a:fillRef>
+            <a:effectRef idx="0">
+              <a:schemeClr val="accent1"/>
+            </a:effectRef>
+            <a:fontRef idx="minor">
+              <a:schemeClr val="lt1"/>
+            </a:fontRef>
+          </p:style>
+          <p:txBody>
+            <a:bodyPr rtlCol="0" anchor="ctr"/>
+            <a:lstStyle/>
+            <a:p>
+              <a:pPr algn="ctr"/>
+              <a:endParaRPr lang="en-US">
+                <a:solidFill>
+                  <a:schemeClr val="tx1"/>
+                </a:solidFill>
+              </a:endParaRPr>
+            </a:p>
+          </p:txBody>
+        </p:sp>
+        <p:sp>
+          <p:nvSpPr>
+            <p:cNvPr id="18" name="Diagonal Stripe 17">
+              <a:extLst>
+                <a:ext uri="{FF2B5EF4-FFF2-40B4-BE49-F238E27FC236}">
+                  <a16:creationId xmlns:a16="http://schemas.microsoft.com/office/drawing/2014/main" id="{2153E38E-4CFD-DF8B-9CEF-D986753BD901}"/>
+                </a:ext>
+              </a:extLst>
+            </p:cNvPr>
+            <p:cNvSpPr/>
+            <p:nvPr/>
+          </p:nvSpPr>
+          <p:spPr>
+            <a:xfrm flipH="1">
+              <a:off x="2206170" y="2631922"/>
+              <a:ext cx="84446" cy="87767"/>
+            </a:xfrm>
+            <a:prstGeom prst="diagStripe">
+              <a:avLst>
+                <a:gd name="adj" fmla="val 29096"/>
+              </a:avLst>
+            </a:prstGeom>
+            <a:solidFill>
+              <a:srgbClr val="FFFFFF"/>
+            </a:solidFill>
+            <a:ln>
+              <a:noFill/>
+            </a:ln>
+          </p:spPr>
+          <p:style>
+            <a:lnRef idx="2">
+              <a:schemeClr val="accent1">
+                <a:shade val="15000"/>
+              </a:schemeClr>
+            </a:lnRef>
+            <a:fillRef idx="1">
+              <a:schemeClr val="accent1"/>
+            </a:fillRef>
+            <a:effectRef idx="0">
+              <a:schemeClr val="accent1"/>
+            </a:effectRef>
+            <a:fontRef idx="minor">
+              <a:schemeClr val="lt1"/>
+            </a:fontRef>
+          </p:style>
+          <p:txBody>
+            <a:bodyPr rtlCol="0" anchor="ctr"/>
+            <a:lstStyle/>
+            <a:p>
+              <a:pPr algn="ctr"/>
+              <a:endParaRPr lang="en-US">
+                <a:solidFill>
+                  <a:schemeClr val="tx1"/>
+                </a:solidFill>
+              </a:endParaRPr>
+            </a:p>
+          </p:txBody>
+        </p:sp>
+      </p:grpSp>
+      <p:sp>
+        <p:nvSpPr>
+          <p:cNvPr id="23" name="TextBox 22">
+            <a:extLst>
+              <a:ext uri="{FF2B5EF4-FFF2-40B4-BE49-F238E27FC236}">
+                <a16:creationId xmlns:a16="http://schemas.microsoft.com/office/drawing/2014/main" id="{3D7CA539-ED01-076E-267F-A79C50957846}"/>
+              </a:ext>
+            </a:extLst>
+          </p:cNvPr>
+          <p:cNvSpPr txBox="1"/>
+          <p:nvPr/>
+        </p:nvSpPr>
+        <p:spPr>
+          <a:xfrm>
+            <a:off x="3531068" y="2362651"/>
+            <a:ext cx="4839298" cy="415498"/>
+          </a:xfrm>
+          <a:prstGeom prst="rect">
+            <a:avLst/>
+          </a:prstGeom>
+          <a:noFill/>
+        </p:spPr>
+        <p:txBody>
+          <a:bodyPr wrap="square" rtlCol="0">
+            <a:spAutoFit/>
+          </a:bodyPr>
+          <a:lstStyle/>
+          <a:p>
+            <a:pPr algn="just"/>
+            <a:r>
+              <a:rPr lang="en-US" sz="1000" b="0" i="0" dirty="0">
+                <a:solidFill>
+                  <a:schemeClr val="bg1"/>
+                </a:solidFill>
+                <a:effectLst/>
+                <a:latin typeface="+mj-lt"/>
+              </a:rPr>
+              <a:t>You are about to delete product(s) from the database. This action is irreversible and will permanently remove associated data. Proceed only if you're certain.</a:t>
+            </a:r>
+            <a:endParaRPr lang="en-US" sz="1000" dirty="0">
+              <a:solidFill>
+                <a:schemeClr val="bg1"/>
+              </a:solidFill>
+              <a:latin typeface="+mj-lt"/>
+            </a:endParaRPr>
+          </a:p>
+        </p:txBody>
+      </p:sp>
+      <p:sp>
+        <p:nvSpPr>
+          <p:cNvPr id="2" name="Slide Number Placeholder 1">
+            <a:extLst>
+              <a:ext uri="{FF2B5EF4-FFF2-40B4-BE49-F238E27FC236}">
+                <a16:creationId xmlns:a16="http://schemas.microsoft.com/office/drawing/2014/main" id="{11AE8727-1827-73D5-5E8B-F4456EC6C9F8}"/>
+              </a:ext>
+            </a:extLst>
+          </p:cNvPr>
+          <p:cNvSpPr>
+            <a:spLocks noGrp="1"/>
+          </p:cNvSpPr>
+          <p:nvPr>
+            <p:ph type="sldNum" sz="quarter" idx="4"/>
+          </p:nvPr>
+        </p:nvSpPr>
+        <p:spPr/>
+        <p:txBody>
+          <a:bodyPr/>
+          <a:lstStyle/>
+          <a:p>
+            <a:fld id="{294A09A9-5501-47C1-A89A-A340965A2BE2}" type="slidenum">
+              <a:rPr lang="en-US" smtClean="0"/>
+              <a:pPr/>
+              <a:t>9</a:t>
+            </a:fld>
+            <a:endParaRPr lang="en-US" dirty="0"/>
+          </a:p>
+        </p:txBody>
+      </p:sp>
+    </p:spTree>
+    <p:extLst>
+      <p:ext uri="{BB962C8B-B14F-4D97-AF65-F5344CB8AC3E}">
+        <p14:creationId xmlns:p14="http://schemas.microsoft.com/office/powerpoint/2010/main" val="2512995102"/>
       </p:ext>
     </p:extLst>
   </p:cSld>
@@ -29997,15 +29288,6 @@
 </file>
 
 <file path=customXml/item1.xml><?xml version="1.0" encoding="utf-8"?>
-<?mso-contentType ?>
-<FormTemplates xmlns="http://schemas.microsoft.com/sharepoint/v3/contenttype/forms">
-  <Display>DocumentLibraryForm</Display>
-  <Edit>DocumentLibraryForm</Edit>
-  <New>DocumentLibraryForm</New>
-</FormTemplates>
-</file>
-
-<file path=customXml/item2.xml><?xml version="1.0" encoding="utf-8"?>
 <p:properties xmlns:p="http://schemas.microsoft.com/office/2006/metadata/properties" xmlns:xsi="http://www.w3.org/2001/XMLSchema-instance" xmlns:pc="http://schemas.microsoft.com/office/infopath/2007/PartnerControls">
   <documentManagement>
     <_ip_UnifiedCompliancePolicyUIAction xmlns="http://schemas.microsoft.com/sharepoint/v3" xsi:nil="true"/>
@@ -30022,6 +29304,15 @@
     <MediaServiceKeyPoints xmlns="71af3243-3dd4-4a8d-8c0d-dd76da1f02a5" xsi:nil="true"/>
   </documentManagement>
 </p:properties>
+</file>
+
+<file path=customXml/item2.xml><?xml version="1.0" encoding="utf-8"?>
+<?mso-contentType ?>
+<FormTemplates xmlns="http://schemas.microsoft.com/sharepoint/v3/contenttype/forms">
+  <Display>DocumentLibraryForm</Display>
+  <Edit>DocumentLibraryForm</Edit>
+  <New>DocumentLibraryForm</New>
+</FormTemplates>
 </file>
 
 <file path=customXml/item3.xml><?xml version="1.0" encoding="utf-8"?>
@@ -30307,14 +29598,6 @@
 </file>
 
 <file path=customXml/itemProps1.xml><?xml version="1.0" encoding="utf-8"?>
-<ds:datastoreItem xmlns:ds="http://schemas.openxmlformats.org/officeDocument/2006/customXml" ds:itemID="{85334180-0405-413B-834A-44FA9E05ADB7}">
-  <ds:schemaRefs>
-    <ds:schemaRef ds:uri="http://schemas.microsoft.com/sharepoint/v3/contenttype/forms"/>
-  </ds:schemaRefs>
-</ds:datastoreItem>
-</file>
-
-<file path=customXml/itemProps2.xml><?xml version="1.0" encoding="utf-8"?>
 <ds:datastoreItem xmlns:ds="http://schemas.openxmlformats.org/officeDocument/2006/customXml" ds:itemID="{4D5BAB77-79E1-4739-AA51-10C9079186D6}">
   <ds:schemaRefs>
     <ds:schemaRef ds:uri="http://schemas.microsoft.com/office/2006/metadata/properties"/>
@@ -30322,6 +29605,14 @@
     <ds:schemaRef ds:uri="http://schemas.microsoft.com/sharepoint/v3"/>
     <ds:schemaRef ds:uri="71af3243-3dd4-4a8d-8c0d-dd76da1f02a5"/>
     <ds:schemaRef ds:uri="230e9df3-be65-4c73-a93b-d1236ebd677e"/>
+  </ds:schemaRefs>
+</ds:datastoreItem>
+</file>
+
+<file path=customXml/itemProps2.xml><?xml version="1.0" encoding="utf-8"?>
+<ds:datastoreItem xmlns:ds="http://schemas.openxmlformats.org/officeDocument/2006/customXml" ds:itemID="{85334180-0405-413B-834A-44FA9E05ADB7}">
+  <ds:schemaRefs>
+    <ds:schemaRef ds:uri="http://schemas.microsoft.com/sharepoint/v3/contenttype/forms"/>
   </ds:schemaRefs>
 </ds:datastoreItem>
 </file>
